--- a/servicio resumidos.pptx
+++ b/servicio resumidos.pptx
@@ -301,7 +301,7 @@
           <a:p>
             <a:fld id="{4B2592DD-5139-D345-8DB1-9944861DB5B1}" type="datetimeFigureOut">
               <a:rPr lang="es-ES" smtClean="0"/>
-              <a:t>15-03-15</a:t>
+              <a:t>17/03/2015</a:t>
             </a:fld>
             <a:endParaRPr lang="es-ES"/>
           </a:p>
@@ -343,7 +343,7 @@
           <a:p>
             <a:fld id="{888537FD-19B6-1947-A1FD-F3921B4B76C8}" type="slidenum">
               <a:rPr lang="es-ES" smtClean="0"/>
-              <a:t>‹Nr.›</a:t>
+              <a:t>‹Nº›</a:t>
             </a:fld>
             <a:endParaRPr lang="es-ES"/>
           </a:p>
@@ -471,7 +471,7 @@
           <a:p>
             <a:fld id="{4B2592DD-5139-D345-8DB1-9944861DB5B1}" type="datetimeFigureOut">
               <a:rPr lang="es-ES" smtClean="0"/>
-              <a:t>15-03-15</a:t>
+              <a:t>17/03/2015</a:t>
             </a:fld>
             <a:endParaRPr lang="es-ES"/>
           </a:p>
@@ -513,7 +513,7 @@
           <a:p>
             <a:fld id="{888537FD-19B6-1947-A1FD-F3921B4B76C8}" type="slidenum">
               <a:rPr lang="es-ES" smtClean="0"/>
-              <a:t>‹Nr.›</a:t>
+              <a:t>‹Nº›</a:t>
             </a:fld>
             <a:endParaRPr lang="es-ES"/>
           </a:p>
@@ -651,7 +651,7 @@
           <a:p>
             <a:fld id="{4B2592DD-5139-D345-8DB1-9944861DB5B1}" type="datetimeFigureOut">
               <a:rPr lang="es-ES" smtClean="0"/>
-              <a:t>15-03-15</a:t>
+              <a:t>17/03/2015</a:t>
             </a:fld>
             <a:endParaRPr lang="es-ES"/>
           </a:p>
@@ -693,7 +693,7 @@
           <a:p>
             <a:fld id="{888537FD-19B6-1947-A1FD-F3921B4B76C8}" type="slidenum">
               <a:rPr lang="es-ES" smtClean="0"/>
-              <a:t>‹Nr.›</a:t>
+              <a:t>‹Nº›</a:t>
             </a:fld>
             <a:endParaRPr lang="es-ES"/>
           </a:p>
@@ -821,7 +821,7 @@
           <a:p>
             <a:fld id="{4B2592DD-5139-D345-8DB1-9944861DB5B1}" type="datetimeFigureOut">
               <a:rPr lang="es-ES" smtClean="0"/>
-              <a:t>15-03-15</a:t>
+              <a:t>17/03/2015</a:t>
             </a:fld>
             <a:endParaRPr lang="es-ES"/>
           </a:p>
@@ -863,7 +863,7 @@
           <a:p>
             <a:fld id="{888537FD-19B6-1947-A1FD-F3921B4B76C8}" type="slidenum">
               <a:rPr lang="es-ES" smtClean="0"/>
-              <a:t>‹Nr.›</a:t>
+              <a:t>‹Nº›</a:t>
             </a:fld>
             <a:endParaRPr lang="es-ES"/>
           </a:p>
@@ -1067,7 +1067,7 @@
           <a:p>
             <a:fld id="{4B2592DD-5139-D345-8DB1-9944861DB5B1}" type="datetimeFigureOut">
               <a:rPr lang="es-ES" smtClean="0"/>
-              <a:t>15-03-15</a:t>
+              <a:t>17/03/2015</a:t>
             </a:fld>
             <a:endParaRPr lang="es-ES"/>
           </a:p>
@@ -1109,7 +1109,7 @@
           <a:p>
             <a:fld id="{888537FD-19B6-1947-A1FD-F3921B4B76C8}" type="slidenum">
               <a:rPr lang="es-ES" smtClean="0"/>
-              <a:t>‹Nr.›</a:t>
+              <a:t>‹Nº›</a:t>
             </a:fld>
             <a:endParaRPr lang="es-ES"/>
           </a:p>
@@ -1355,7 +1355,7 @@
           <a:p>
             <a:fld id="{4B2592DD-5139-D345-8DB1-9944861DB5B1}" type="datetimeFigureOut">
               <a:rPr lang="es-ES" smtClean="0"/>
-              <a:t>15-03-15</a:t>
+              <a:t>17/03/2015</a:t>
             </a:fld>
             <a:endParaRPr lang="es-ES"/>
           </a:p>
@@ -1397,7 +1397,7 @@
           <a:p>
             <a:fld id="{888537FD-19B6-1947-A1FD-F3921B4B76C8}" type="slidenum">
               <a:rPr lang="es-ES" smtClean="0"/>
-              <a:t>‹Nr.›</a:t>
+              <a:t>‹Nº›</a:t>
             </a:fld>
             <a:endParaRPr lang="es-ES"/>
           </a:p>
@@ -1777,7 +1777,7 @@
           <a:p>
             <a:fld id="{4B2592DD-5139-D345-8DB1-9944861DB5B1}" type="datetimeFigureOut">
               <a:rPr lang="es-ES" smtClean="0"/>
-              <a:t>15-03-15</a:t>
+              <a:t>17/03/2015</a:t>
             </a:fld>
             <a:endParaRPr lang="es-ES"/>
           </a:p>
@@ -1819,7 +1819,7 @@
           <a:p>
             <a:fld id="{888537FD-19B6-1947-A1FD-F3921B4B76C8}" type="slidenum">
               <a:rPr lang="es-ES" smtClean="0"/>
-              <a:t>‹Nr.›</a:t>
+              <a:t>‹Nº›</a:t>
             </a:fld>
             <a:endParaRPr lang="es-ES"/>
           </a:p>
@@ -1895,7 +1895,7 @@
           <a:p>
             <a:fld id="{4B2592DD-5139-D345-8DB1-9944861DB5B1}" type="datetimeFigureOut">
               <a:rPr lang="es-ES" smtClean="0"/>
-              <a:t>15-03-15</a:t>
+              <a:t>17/03/2015</a:t>
             </a:fld>
             <a:endParaRPr lang="es-ES"/>
           </a:p>
@@ -1937,7 +1937,7 @@
           <a:p>
             <a:fld id="{888537FD-19B6-1947-A1FD-F3921B4B76C8}" type="slidenum">
               <a:rPr lang="es-ES" smtClean="0"/>
-              <a:t>‹Nr.›</a:t>
+              <a:t>‹Nº›</a:t>
             </a:fld>
             <a:endParaRPr lang="es-ES"/>
           </a:p>
@@ -1990,7 +1990,7 @@
           <a:p>
             <a:fld id="{4B2592DD-5139-D345-8DB1-9944861DB5B1}" type="datetimeFigureOut">
               <a:rPr lang="es-ES" smtClean="0"/>
-              <a:t>15-03-15</a:t>
+              <a:t>17/03/2015</a:t>
             </a:fld>
             <a:endParaRPr lang="es-ES"/>
           </a:p>
@@ -2032,7 +2032,7 @@
           <a:p>
             <a:fld id="{888537FD-19B6-1947-A1FD-F3921B4B76C8}" type="slidenum">
               <a:rPr lang="es-ES" smtClean="0"/>
-              <a:t>‹Nr.›</a:t>
+              <a:t>‹Nº›</a:t>
             </a:fld>
             <a:endParaRPr lang="es-ES"/>
           </a:p>
@@ -2267,7 +2267,7 @@
           <a:p>
             <a:fld id="{4B2592DD-5139-D345-8DB1-9944861DB5B1}" type="datetimeFigureOut">
               <a:rPr lang="es-ES" smtClean="0"/>
-              <a:t>15-03-15</a:t>
+              <a:t>17/03/2015</a:t>
             </a:fld>
             <a:endParaRPr lang="es-ES"/>
           </a:p>
@@ -2309,7 +2309,7 @@
           <a:p>
             <a:fld id="{888537FD-19B6-1947-A1FD-F3921B4B76C8}" type="slidenum">
               <a:rPr lang="es-ES" smtClean="0"/>
-              <a:t>‹Nr.›</a:t>
+              <a:t>‹Nº›</a:t>
             </a:fld>
             <a:endParaRPr lang="es-ES"/>
           </a:p>
@@ -2520,7 +2520,7 @@
           <a:p>
             <a:fld id="{4B2592DD-5139-D345-8DB1-9944861DB5B1}" type="datetimeFigureOut">
               <a:rPr lang="es-ES" smtClean="0"/>
-              <a:t>15-03-15</a:t>
+              <a:t>17/03/2015</a:t>
             </a:fld>
             <a:endParaRPr lang="es-ES"/>
           </a:p>
@@ -2562,7 +2562,7 @@
           <a:p>
             <a:fld id="{888537FD-19B6-1947-A1FD-F3921B4B76C8}" type="slidenum">
               <a:rPr lang="es-ES" smtClean="0"/>
-              <a:t>‹Nr.›</a:t>
+              <a:t>‹Nº›</a:t>
             </a:fld>
             <a:endParaRPr lang="es-ES"/>
           </a:p>
@@ -2733,7 +2733,7 @@
           <a:p>
             <a:fld id="{4B2592DD-5139-D345-8DB1-9944861DB5B1}" type="datetimeFigureOut">
               <a:rPr lang="es-ES" smtClean="0"/>
-              <a:t>15-03-15</a:t>
+              <a:t>17/03/2015</a:t>
             </a:fld>
             <a:endParaRPr lang="es-ES"/>
           </a:p>
@@ -2811,7 +2811,7 @@
           <a:p>
             <a:fld id="{888537FD-19B6-1947-A1FD-F3921B4B76C8}" type="slidenum">
               <a:rPr lang="es-ES" smtClean="0"/>
-              <a:t>‹Nr.›</a:t>
+              <a:t>‹Nº›</a:t>
             </a:fld>
             <a:endParaRPr lang="es-ES"/>
           </a:p>
@@ -3138,7 +3138,7 @@
             <a:tailEnd type="triangle" w="med" len="med"/>
           </a:ln>
           <a:extLst>
-            <a:ext uri="{909E8E84-426E-40dd-AFC4-6F175D3DCCD1}">
+            <a:ext uri="{909E8E84-426E-40DD-AFC4-6F175D3DCCD1}">
               <a14:hiddenFill xmlns:a14="http://schemas.microsoft.com/office/drawing/2010/main">
                 <a:noFill/>
               </a14:hiddenFill>
@@ -3228,14 +3228,14 @@
             <a:noFill/>
           </a:ln>
           <a:extLst>
-            <a:ext uri="{909E8E84-426E-40dd-AFC4-6F175D3DCCD1}">
+            <a:ext uri="{909E8E84-426E-40DD-AFC4-6F175D3DCCD1}">
               <a14:hiddenFill xmlns:a14="http://schemas.microsoft.com/office/drawing/2010/main">
                 <a:solidFill>
                   <a:srgbClr val="FFFFFF"/>
                 </a:solidFill>
               </a14:hiddenFill>
             </a:ext>
-            <a:ext uri="{91240B29-F687-4f45-9708-019B960494DF}">
+            <a:ext uri="{91240B29-F687-4F45-9708-019B960494DF}">
               <a14:hiddenLine xmlns:a14="http://schemas.microsoft.com/office/drawing/2010/main" w="9525">
                 <a:solidFill>
                   <a:srgbClr val="000000"/>
@@ -3276,14 +3276,14 @@
             <a:noFill/>
           </a:ln>
           <a:extLst>
-            <a:ext uri="{909E8E84-426E-40dd-AFC4-6F175D3DCCD1}">
+            <a:ext uri="{909E8E84-426E-40DD-AFC4-6F175D3DCCD1}">
               <a14:hiddenFill xmlns:a14="http://schemas.microsoft.com/office/drawing/2010/main">
                 <a:solidFill>
                   <a:srgbClr val="FFFFFF"/>
                 </a:solidFill>
               </a14:hiddenFill>
             </a:ext>
-            <a:ext uri="{91240B29-F687-4f45-9708-019B960494DF}">
+            <a:ext uri="{91240B29-F687-4F45-9708-019B960494DF}">
               <a14:hiddenLine xmlns:a14="http://schemas.microsoft.com/office/drawing/2010/main" w="9525">
                 <a:solidFill>
                   <a:srgbClr val="000000"/>
@@ -3324,14 +3324,14 @@
             <a:noFill/>
           </a:ln>
           <a:extLst>
-            <a:ext uri="{909E8E84-426E-40dd-AFC4-6F175D3DCCD1}">
+            <a:ext uri="{909E8E84-426E-40DD-AFC4-6F175D3DCCD1}">
               <a14:hiddenFill xmlns:a14="http://schemas.microsoft.com/office/drawing/2010/main">
                 <a:solidFill>
                   <a:srgbClr val="FFFFFF"/>
                 </a:solidFill>
               </a14:hiddenFill>
             </a:ext>
-            <a:ext uri="{91240B29-F687-4f45-9708-019B960494DF}">
+            <a:ext uri="{91240B29-F687-4F45-9708-019B960494DF}">
               <a14:hiddenLine xmlns:a14="http://schemas.microsoft.com/office/drawing/2010/main" w="9525">
                 <a:solidFill>
                   <a:srgbClr val="000000"/>
@@ -3372,14 +3372,14 @@
             <a:noFill/>
           </a:ln>
           <a:extLst>
-            <a:ext uri="{909E8E84-426E-40dd-AFC4-6F175D3DCCD1}">
+            <a:ext uri="{909E8E84-426E-40DD-AFC4-6F175D3DCCD1}">
               <a14:hiddenFill xmlns:a14="http://schemas.microsoft.com/office/drawing/2010/main">
                 <a:solidFill>
                   <a:srgbClr val="FFFFFF"/>
                 </a:solidFill>
               </a14:hiddenFill>
             </a:ext>
-            <a:ext uri="{91240B29-F687-4f45-9708-019B960494DF}">
+            <a:ext uri="{91240B29-F687-4F45-9708-019B960494DF}">
               <a14:hiddenLine xmlns:a14="http://schemas.microsoft.com/office/drawing/2010/main" w="9525">
                 <a:solidFill>
                   <a:srgbClr val="000000"/>
@@ -3589,14 +3589,14 @@
               <a:noFill/>
             </a:ln>
             <a:extLst>
-              <a:ext uri="{909E8E84-426E-40dd-AFC4-6F175D3DCCD1}">
+              <a:ext uri="{909E8E84-426E-40DD-AFC4-6F175D3DCCD1}">
                 <a14:hiddenFill xmlns:a14="http://schemas.microsoft.com/office/drawing/2010/main">
                   <a:solidFill>
                     <a:srgbClr val="FFFFFF"/>
                   </a:solidFill>
                 </a14:hiddenFill>
               </a:ext>
-              <a:ext uri="{91240B29-F687-4f45-9708-019B960494DF}">
+              <a:ext uri="{91240B29-F687-4F45-9708-019B960494DF}">
                 <a14:hiddenLine xmlns:a14="http://schemas.microsoft.com/office/drawing/2010/main" w="9525">
                   <a:solidFill>
                     <a:srgbClr val="000000"/>
@@ -3744,7 +3744,7 @@
               <a:noFill/>
             </a:ln>
             <a:extLst>
-              <a:ext uri="{91240B29-F687-4f45-9708-019B960494DF}">
+              <a:ext uri="{91240B29-F687-4F45-9708-019B960494DF}">
                 <a14:hiddenLine xmlns:a14="http://schemas.microsoft.com/office/drawing/2010/main" w="15875" algn="ctr">
                   <a:solidFill>
                     <a:srgbClr val="000000"/>
@@ -3790,14 +3790,14 @@
             <a:noFill/>
           </a:ln>
           <a:extLst>
-            <a:ext uri="{909E8E84-426E-40dd-AFC4-6F175D3DCCD1}">
+            <a:ext uri="{909E8E84-426E-40DD-AFC4-6F175D3DCCD1}">
               <a14:hiddenFill xmlns:a14="http://schemas.microsoft.com/office/drawing/2010/main">
                 <a:solidFill>
                   <a:srgbClr val="FFFFFF"/>
                 </a:solidFill>
               </a14:hiddenFill>
             </a:ext>
-            <a:ext uri="{91240B29-F687-4f45-9708-019B960494DF}">
+            <a:ext uri="{91240B29-F687-4F45-9708-019B960494DF}">
               <a14:hiddenLine xmlns:a14="http://schemas.microsoft.com/office/drawing/2010/main" w="9525">
                 <a:solidFill>
                   <a:srgbClr val="000000"/>
@@ -3942,14 +3942,14 @@
             <a:noFill/>
           </a:ln>
           <a:extLst>
-            <a:ext uri="{909E8E84-426E-40dd-AFC4-6F175D3DCCD1}">
+            <a:ext uri="{909E8E84-426E-40DD-AFC4-6F175D3DCCD1}">
               <a14:hiddenFill xmlns:a14="http://schemas.microsoft.com/office/drawing/2010/main">
                 <a:solidFill>
                   <a:srgbClr val="FFFFFF"/>
                 </a:solidFill>
               </a14:hiddenFill>
             </a:ext>
-            <a:ext uri="{91240B29-F687-4f45-9708-019B960494DF}">
+            <a:ext uri="{91240B29-F687-4F45-9708-019B960494DF}">
               <a14:hiddenLine xmlns:a14="http://schemas.microsoft.com/office/drawing/2010/main" w="9525" algn="ctr">
                 <a:solidFill>
                   <a:srgbClr val="000000"/>
@@ -4096,14 +4096,14 @@
             <a:noFill/>
           </a:ln>
           <a:extLst>
-            <a:ext uri="{909E8E84-426E-40dd-AFC4-6F175D3DCCD1}">
+            <a:ext uri="{909E8E84-426E-40DD-AFC4-6F175D3DCCD1}">
               <a14:hiddenFill xmlns:a14="http://schemas.microsoft.com/office/drawing/2010/main">
                 <a:solidFill>
                   <a:srgbClr val="FFFFFF"/>
                 </a:solidFill>
               </a14:hiddenFill>
             </a:ext>
-            <a:ext uri="{91240B29-F687-4f45-9708-019B960494DF}">
+            <a:ext uri="{91240B29-F687-4F45-9708-019B960494DF}">
               <a14:hiddenLine xmlns:a14="http://schemas.microsoft.com/office/drawing/2010/main" w="9525" algn="ctr">
                 <a:solidFill>
                   <a:srgbClr val="000000"/>
@@ -4268,14 +4268,14 @@
             <a:noFill/>
           </a:ln>
           <a:extLst>
-            <a:ext uri="{909E8E84-426E-40dd-AFC4-6F175D3DCCD1}">
+            <a:ext uri="{909E8E84-426E-40DD-AFC4-6F175D3DCCD1}">
               <a14:hiddenFill xmlns:a14="http://schemas.microsoft.com/office/drawing/2010/main">
                 <a:solidFill>
                   <a:srgbClr val="FFFFFF"/>
                 </a:solidFill>
               </a14:hiddenFill>
             </a:ext>
-            <a:ext uri="{91240B29-F687-4f45-9708-019B960494DF}">
+            <a:ext uri="{91240B29-F687-4F45-9708-019B960494DF}">
               <a14:hiddenLine xmlns:a14="http://schemas.microsoft.com/office/drawing/2010/main" w="9525" algn="ctr">
                 <a:solidFill>
                   <a:srgbClr val="000000"/>
@@ -4442,14 +4442,14 @@
               <a:noFill/>
             </a:ln>
             <a:extLst>
-              <a:ext uri="{909E8E84-426E-40dd-AFC4-6F175D3DCCD1}">
+              <a:ext uri="{909E8E84-426E-40DD-AFC4-6F175D3DCCD1}">
                 <a14:hiddenFill xmlns:a14="http://schemas.microsoft.com/office/drawing/2010/main">
                   <a:solidFill>
                     <a:srgbClr val="FFFFFF"/>
                   </a:solidFill>
                 </a14:hiddenFill>
               </a:ext>
-              <a:ext uri="{91240B29-F687-4f45-9708-019B960494DF}">
+              <a:ext uri="{91240B29-F687-4F45-9708-019B960494DF}">
                 <a14:hiddenLine xmlns:a14="http://schemas.microsoft.com/office/drawing/2010/main" w="9525">
                   <a:solidFill>
                     <a:srgbClr val="000000"/>
@@ -4522,7 +4522,7 @@
               <a:tailEnd type="none" w="sm" len="sm"/>
             </a:ln>
             <a:extLst>
-              <a:ext uri="{909E8E84-426E-40dd-AFC4-6F175D3DCCD1}">
+              <a:ext uri="{909E8E84-426E-40DD-AFC4-6F175D3DCCD1}">
                 <a14:hiddenFill xmlns:a14="http://schemas.microsoft.com/office/drawing/2010/main">
                   <a:solidFill>
                     <a:srgbClr val="FFFFFF"/>
@@ -4613,14 +4613,14 @@
               <a:noFill/>
             </a:ln>
             <a:extLst>
-              <a:ext uri="{909E8E84-426E-40dd-AFC4-6F175D3DCCD1}">
+              <a:ext uri="{909E8E84-426E-40DD-AFC4-6F175D3DCCD1}">
                 <a14:hiddenFill xmlns:a14="http://schemas.microsoft.com/office/drawing/2010/main">
                   <a:solidFill>
                     <a:srgbClr val="FFFFFF"/>
                   </a:solidFill>
                 </a14:hiddenFill>
               </a:ext>
-              <a:ext uri="{91240B29-F687-4f45-9708-019B960494DF}">
+              <a:ext uri="{91240B29-F687-4F45-9708-019B960494DF}">
                 <a14:hiddenLine xmlns:a14="http://schemas.microsoft.com/office/drawing/2010/main" w="9525">
                   <a:solidFill>
                     <a:srgbClr val="000000"/>
@@ -4683,7 +4683,7 @@
               <a:tailEnd type="none" w="sm" len="sm"/>
             </a:ln>
             <a:extLst>
-              <a:ext uri="{909E8E84-426E-40dd-AFC4-6F175D3DCCD1}">
+              <a:ext uri="{909E8E84-426E-40DD-AFC4-6F175D3DCCD1}">
                 <a14:hiddenFill xmlns:a14="http://schemas.microsoft.com/office/drawing/2010/main">
                   <a:solidFill>
                     <a:srgbClr val="FFFFFF"/>
@@ -4793,11 +4793,7 @@
             </a:pPr>
             <a:r>
               <a:rPr lang="es-ES" dirty="0" smtClean="0"/>
-              <a:t>CS000340 Autenticaci</a:t>
-            </a:r>
-            <a:r>
-              <a:rPr lang="es-ES" dirty="0" smtClean="0"/>
-              <a:t>ón Usuario</a:t>
+              <a:t>CS000340 Autenticación Usuario</a:t>
             </a:r>
             <a:endParaRPr lang="es-ES" dirty="0"/>
           </a:p>
@@ -4939,11 +4935,7 @@
           <a:p>
             <a:r>
               <a:rPr lang="es-ES" dirty="0" smtClean="0"/>
-              <a:t>Banca M</a:t>
-            </a:r>
-            <a:r>
-              <a:rPr lang="es-ES" dirty="0" smtClean="0"/>
-              <a:t>óvil</a:t>
+              <a:t>Banca Móvil</a:t>
             </a:r>
             <a:endParaRPr lang="es-ES" dirty="0"/>
           </a:p>
@@ -4999,7 +4991,7 @@
   <p:timing>
     <p:tnLst>
       <p:par>
-        <p:cTn xmlns:p14="http://schemas.microsoft.com/office/powerpoint/2010/main" id="1" dur="indefinite" restart="never" nodeType="tmRoot"/>
+        <p:cTn id="1" dur="indefinite" restart="never" nodeType="tmRoot"/>
       </p:par>
     </p:tnLst>
   </p:timing>
@@ -5091,14 +5083,14 @@
             <a:noFill/>
           </a:ln>
           <a:extLst>
-            <a:ext uri="{909E8E84-426E-40dd-AFC4-6F175D3DCCD1}">
+            <a:ext uri="{909E8E84-426E-40DD-AFC4-6F175D3DCCD1}">
               <a14:hiddenFill xmlns:a14="http://schemas.microsoft.com/office/drawing/2010/main">
                 <a:solidFill>
                   <a:srgbClr val="FFFFFF"/>
                 </a:solidFill>
               </a14:hiddenFill>
             </a:ext>
-            <a:ext uri="{91240B29-F687-4f45-9708-019B960494DF}">
+            <a:ext uri="{91240B29-F687-4F45-9708-019B960494DF}">
               <a14:hiddenLine xmlns:a14="http://schemas.microsoft.com/office/drawing/2010/main" w="9525">
                 <a:solidFill>
                   <a:srgbClr val="000000"/>
@@ -5249,14 +5241,14 @@
             <a:noFill/>
           </a:ln>
           <a:extLst>
-            <a:ext uri="{909E8E84-426E-40dd-AFC4-6F175D3DCCD1}">
+            <a:ext uri="{909E8E84-426E-40DD-AFC4-6F175D3DCCD1}">
               <a14:hiddenFill xmlns:a14="http://schemas.microsoft.com/office/drawing/2010/main">
                 <a:solidFill>
                   <a:srgbClr val="FFFFFF"/>
                 </a:solidFill>
               </a14:hiddenFill>
             </a:ext>
-            <a:ext uri="{91240B29-F687-4f45-9708-019B960494DF}">
+            <a:ext uri="{91240B29-F687-4F45-9708-019B960494DF}">
               <a14:hiddenLine xmlns:a14="http://schemas.microsoft.com/office/drawing/2010/main" w="9525" algn="ctr">
                 <a:solidFill>
                   <a:srgbClr val="000000"/>
@@ -5357,14 +5349,14 @@
               <a:noFill/>
             </a:ln>
             <a:extLst>
-              <a:ext uri="{909E8E84-426E-40dd-AFC4-6F175D3DCCD1}">
+              <a:ext uri="{909E8E84-426E-40DD-AFC4-6F175D3DCCD1}">
                 <a14:hiddenFill xmlns:a14="http://schemas.microsoft.com/office/drawing/2010/main">
                   <a:solidFill>
                     <a:srgbClr val="FFFFFF"/>
                   </a:solidFill>
                 </a14:hiddenFill>
               </a:ext>
-              <a:ext uri="{91240B29-F687-4f45-9708-019B960494DF}">
+              <a:ext uri="{91240B29-F687-4F45-9708-019B960494DF}">
                 <a14:hiddenLine xmlns:a14="http://schemas.microsoft.com/office/drawing/2010/main" w="9525">
                   <a:solidFill>
                     <a:srgbClr val="000000"/>
@@ -5512,7 +5504,7 @@
               <a:noFill/>
             </a:ln>
             <a:extLst>
-              <a:ext uri="{91240B29-F687-4f45-9708-019B960494DF}">
+              <a:ext uri="{91240B29-F687-4F45-9708-019B960494DF}">
                 <a14:hiddenLine xmlns:a14="http://schemas.microsoft.com/office/drawing/2010/main" w="15875" algn="ctr">
                   <a:solidFill>
                     <a:srgbClr val="000000"/>
@@ -5558,14 +5550,14 @@
             <a:noFill/>
           </a:ln>
           <a:extLst>
-            <a:ext uri="{909E8E84-426E-40dd-AFC4-6F175D3DCCD1}">
+            <a:ext uri="{909E8E84-426E-40DD-AFC4-6F175D3DCCD1}">
               <a14:hiddenFill xmlns:a14="http://schemas.microsoft.com/office/drawing/2010/main">
                 <a:solidFill>
                   <a:srgbClr val="FFFFFF"/>
                 </a:solidFill>
               </a14:hiddenFill>
             </a:ext>
-            <a:ext uri="{91240B29-F687-4f45-9708-019B960494DF}">
+            <a:ext uri="{91240B29-F687-4F45-9708-019B960494DF}">
               <a14:hiddenLine xmlns:a14="http://schemas.microsoft.com/office/drawing/2010/main" w="9525">
                 <a:solidFill>
                   <a:srgbClr val="000000"/>
@@ -5611,7 +5603,7 @@
             <a:tailEnd/>
           </a:ln>
           <a:extLst>
-            <a:ext uri="{909E8E84-426E-40dd-AFC4-6F175D3DCCD1}">
+            <a:ext uri="{909E8E84-426E-40DD-AFC4-6F175D3DCCD1}">
               <a14:hiddenFill xmlns:a14="http://schemas.microsoft.com/office/drawing/2010/main">
                 <a:solidFill>
                   <a:srgbClr val="FFFFFF"/>
@@ -5658,7 +5650,7 @@
             <a:tailEnd type="triangle" w="med" len="med"/>
           </a:ln>
           <a:extLst>
-            <a:ext uri="{909E8E84-426E-40dd-AFC4-6F175D3DCCD1}">
+            <a:ext uri="{909E8E84-426E-40DD-AFC4-6F175D3DCCD1}">
               <a14:hiddenFill xmlns:a14="http://schemas.microsoft.com/office/drawing/2010/main">
                 <a:noFill/>
               </a14:hiddenFill>
@@ -5687,14 +5679,14 @@
             <a:noFill/>
           </a:ln>
           <a:extLst>
-            <a:ext uri="{909E8E84-426E-40dd-AFC4-6F175D3DCCD1}">
+            <a:ext uri="{909E8E84-426E-40DD-AFC4-6F175D3DCCD1}">
               <a14:hiddenFill xmlns:a14="http://schemas.microsoft.com/office/drawing/2010/main">
                 <a:solidFill>
                   <a:srgbClr val="FFFFFF"/>
                 </a:solidFill>
               </a14:hiddenFill>
             </a:ext>
-            <a:ext uri="{91240B29-F687-4f45-9708-019B960494DF}">
+            <a:ext uri="{91240B29-F687-4F45-9708-019B960494DF}">
               <a14:hiddenLine xmlns:a14="http://schemas.microsoft.com/office/drawing/2010/main" w="9525" algn="ctr">
                 <a:solidFill>
                   <a:srgbClr val="000000"/>
@@ -5928,14 +5920,14 @@
             <a:noFill/>
           </a:ln>
           <a:extLst>
-            <a:ext uri="{909E8E84-426E-40dd-AFC4-6F175D3DCCD1}">
+            <a:ext uri="{909E8E84-426E-40DD-AFC4-6F175D3DCCD1}">
               <a14:hiddenFill xmlns:a14="http://schemas.microsoft.com/office/drawing/2010/main">
                 <a:solidFill>
                   <a:srgbClr val="FFFFFF"/>
                 </a:solidFill>
               </a14:hiddenFill>
             </a:ext>
-            <a:ext uri="{91240B29-F687-4f45-9708-019B960494DF}">
+            <a:ext uri="{91240B29-F687-4F45-9708-019B960494DF}">
               <a14:hiddenLine xmlns:a14="http://schemas.microsoft.com/office/drawing/2010/main" w="15875">
                 <a:solidFill>
                   <a:srgbClr val="000000"/>
@@ -6017,14 +6009,14 @@
             <a:noFill/>
           </a:ln>
           <a:extLst>
-            <a:ext uri="{909E8E84-426E-40dd-AFC4-6F175D3DCCD1}">
+            <a:ext uri="{909E8E84-426E-40DD-AFC4-6F175D3DCCD1}">
               <a14:hiddenFill xmlns:a14="http://schemas.microsoft.com/office/drawing/2010/main">
                 <a:solidFill>
                   <a:srgbClr val="FFFFFF"/>
                 </a:solidFill>
               </a14:hiddenFill>
             </a:ext>
-            <a:ext uri="{91240B29-F687-4f45-9708-019B960494DF}">
+            <a:ext uri="{91240B29-F687-4F45-9708-019B960494DF}">
               <a14:hiddenLine xmlns:a14="http://schemas.microsoft.com/office/drawing/2010/main" w="9525" algn="ctr">
                 <a:solidFill>
                   <a:srgbClr val="000000"/>
@@ -6196,14 +6188,14 @@
             <a:noFill/>
           </a:ln>
           <a:extLst>
-            <a:ext uri="{909E8E84-426E-40dd-AFC4-6F175D3DCCD1}">
+            <a:ext uri="{909E8E84-426E-40DD-AFC4-6F175D3DCCD1}">
               <a14:hiddenFill xmlns:a14="http://schemas.microsoft.com/office/drawing/2010/main">
                 <a:solidFill>
                   <a:srgbClr val="FFFFFF"/>
                 </a:solidFill>
               </a14:hiddenFill>
             </a:ext>
-            <a:ext uri="{91240B29-F687-4f45-9708-019B960494DF}">
+            <a:ext uri="{91240B29-F687-4F45-9708-019B960494DF}">
               <a14:hiddenLine xmlns:a14="http://schemas.microsoft.com/office/drawing/2010/main" w="9525" algn="ctr">
                 <a:solidFill>
                   <a:srgbClr val="000000"/>
@@ -6362,7 +6354,7 @@
             <a:tailEnd type="triangle" w="med" len="med"/>
           </a:ln>
           <a:extLst>
-            <a:ext uri="{909E8E84-426E-40dd-AFC4-6F175D3DCCD1}">
+            <a:ext uri="{909E8E84-426E-40DD-AFC4-6F175D3DCCD1}">
               <a14:hiddenFill xmlns:a14="http://schemas.microsoft.com/office/drawing/2010/main">
                 <a:noFill/>
               </a14:hiddenFill>
@@ -6577,14 +6569,14 @@
             <a:noFill/>
           </a:ln>
           <a:extLst>
-            <a:ext uri="{909E8E84-426E-40dd-AFC4-6F175D3DCCD1}">
+            <a:ext uri="{909E8E84-426E-40DD-AFC4-6F175D3DCCD1}">
               <a14:hiddenFill xmlns:a14="http://schemas.microsoft.com/office/drawing/2010/main">
                 <a:solidFill>
                   <a:srgbClr val="FFFFFF"/>
                 </a:solidFill>
               </a14:hiddenFill>
             </a:ext>
-            <a:ext uri="{91240B29-F687-4f45-9708-019B960494DF}">
+            <a:ext uri="{91240B29-F687-4F45-9708-019B960494DF}">
               <a14:hiddenLine xmlns:a14="http://schemas.microsoft.com/office/drawing/2010/main" w="9525">
                 <a:solidFill>
                   <a:srgbClr val="000000"/>
@@ -6735,14 +6727,14 @@
             <a:noFill/>
           </a:ln>
           <a:extLst>
-            <a:ext uri="{909E8E84-426E-40dd-AFC4-6F175D3DCCD1}">
+            <a:ext uri="{909E8E84-426E-40DD-AFC4-6F175D3DCCD1}">
               <a14:hiddenFill xmlns:a14="http://schemas.microsoft.com/office/drawing/2010/main">
                 <a:solidFill>
                   <a:srgbClr val="FFFFFF"/>
                 </a:solidFill>
               </a14:hiddenFill>
             </a:ext>
-            <a:ext uri="{91240B29-F687-4f45-9708-019B960494DF}">
+            <a:ext uri="{91240B29-F687-4F45-9708-019B960494DF}">
               <a14:hiddenLine xmlns:a14="http://schemas.microsoft.com/office/drawing/2010/main" w="9525">
                 <a:solidFill>
                   <a:srgbClr val="000000"/>
@@ -6866,14 +6858,14 @@
             <a:noFill/>
           </a:ln>
           <a:extLst>
-            <a:ext uri="{909E8E84-426E-40dd-AFC4-6F175D3DCCD1}">
+            <a:ext uri="{909E8E84-426E-40DD-AFC4-6F175D3DCCD1}">
               <a14:hiddenFill xmlns:a14="http://schemas.microsoft.com/office/drawing/2010/main">
                 <a:solidFill>
                   <a:srgbClr val="FFFFFF"/>
                 </a:solidFill>
               </a14:hiddenFill>
             </a:ext>
-            <a:ext uri="{91240B29-F687-4f45-9708-019B960494DF}">
+            <a:ext uri="{91240B29-F687-4F45-9708-019B960494DF}">
               <a14:hiddenLine xmlns:a14="http://schemas.microsoft.com/office/drawing/2010/main" w="15875">
                 <a:solidFill>
                   <a:srgbClr val="000000"/>
@@ -6960,7 +6952,7 @@
             <a:tailEnd type="triangle" w="med" len="med"/>
           </a:ln>
           <a:extLst>
-            <a:ext uri="{909E8E84-426E-40dd-AFC4-6F175D3DCCD1}">
+            <a:ext uri="{909E8E84-426E-40DD-AFC4-6F175D3DCCD1}">
               <a14:hiddenFill xmlns:a14="http://schemas.microsoft.com/office/drawing/2010/main">
                 <a:noFill/>
               </a14:hiddenFill>
@@ -7024,11 +7016,7 @@
             </a:pPr>
             <a:r>
               <a:rPr lang="es-ES" dirty="0" smtClean="0"/>
-              <a:t>CS00177 Envío de Correo Electr</a:t>
-            </a:r>
-            <a:r>
-              <a:rPr lang="es-ES" dirty="0" smtClean="0"/>
-              <a:t>ónico</a:t>
+              <a:t>CS00177 Envío de Correo Electrónico</a:t>
             </a:r>
             <a:endParaRPr lang="es-ES" dirty="0"/>
           </a:p>
@@ -7110,11 +7098,7 @@
             <a:pPr algn="ctr"/>
             <a:r>
               <a:rPr lang="es-ES" dirty="0" smtClean="0"/>
-              <a:t>Pago L</a:t>
-            </a:r>
-            <a:r>
-              <a:rPr lang="es-ES" dirty="0" smtClean="0"/>
-              <a:t>ínea de Crédito y Tarjeta de Crédito</a:t>
+              <a:t>Pago Línea de Crédito y Tarjeta de Crédito</a:t>
             </a:r>
             <a:endParaRPr lang="es-ES" dirty="0"/>
           </a:p>
@@ -7174,11 +7158,7 @@
           <a:p>
             <a:r>
               <a:rPr lang="es-ES" dirty="0" smtClean="0"/>
-              <a:t>Banca M</a:t>
-            </a:r>
-            <a:r>
-              <a:rPr lang="es-ES" dirty="0" smtClean="0"/>
-              <a:t>óvil</a:t>
+              <a:t>Banca Móvil</a:t>
             </a:r>
             <a:endParaRPr lang="es-ES" dirty="0"/>
           </a:p>
@@ -7319,14 +7299,14 @@
             <a:noFill/>
           </a:ln>
           <a:extLst>
-            <a:ext uri="{909E8E84-426E-40dd-AFC4-6F175D3DCCD1}">
+            <a:ext uri="{909E8E84-426E-40DD-AFC4-6F175D3DCCD1}">
               <a14:hiddenFill xmlns:a14="http://schemas.microsoft.com/office/drawing/2010/main">
                 <a:solidFill>
                   <a:srgbClr val="FFFFFF"/>
                 </a:solidFill>
               </a14:hiddenFill>
             </a:ext>
-            <a:ext uri="{91240B29-F687-4f45-9708-019B960494DF}">
+            <a:ext uri="{91240B29-F687-4F45-9708-019B960494DF}">
               <a14:hiddenLine xmlns:a14="http://schemas.microsoft.com/office/drawing/2010/main" w="9525">
                 <a:solidFill>
                   <a:srgbClr val="000000"/>
@@ -7477,14 +7457,14 @@
             <a:noFill/>
           </a:ln>
           <a:extLst>
-            <a:ext uri="{909E8E84-426E-40dd-AFC4-6F175D3DCCD1}">
+            <a:ext uri="{909E8E84-426E-40DD-AFC4-6F175D3DCCD1}">
               <a14:hiddenFill xmlns:a14="http://schemas.microsoft.com/office/drawing/2010/main">
                 <a:solidFill>
                   <a:srgbClr val="FFFFFF"/>
                 </a:solidFill>
               </a14:hiddenFill>
             </a:ext>
-            <a:ext uri="{91240B29-F687-4f45-9708-019B960494DF}">
+            <a:ext uri="{91240B29-F687-4F45-9708-019B960494DF}">
               <a14:hiddenLine xmlns:a14="http://schemas.microsoft.com/office/drawing/2010/main" w="9525" algn="ctr">
                 <a:solidFill>
                   <a:srgbClr val="000000"/>
@@ -7585,14 +7565,14 @@
               <a:noFill/>
             </a:ln>
             <a:extLst>
-              <a:ext uri="{909E8E84-426E-40dd-AFC4-6F175D3DCCD1}">
+              <a:ext uri="{909E8E84-426E-40DD-AFC4-6F175D3DCCD1}">
                 <a14:hiddenFill xmlns:a14="http://schemas.microsoft.com/office/drawing/2010/main">
                   <a:solidFill>
                     <a:srgbClr val="FFFFFF"/>
                   </a:solidFill>
                 </a14:hiddenFill>
               </a:ext>
-              <a:ext uri="{91240B29-F687-4f45-9708-019B960494DF}">
+              <a:ext uri="{91240B29-F687-4F45-9708-019B960494DF}">
                 <a14:hiddenLine xmlns:a14="http://schemas.microsoft.com/office/drawing/2010/main" w="9525">
                   <a:solidFill>
                     <a:srgbClr val="000000"/>
@@ -7740,7 +7720,7 @@
               <a:noFill/>
             </a:ln>
             <a:extLst>
-              <a:ext uri="{91240B29-F687-4f45-9708-019B960494DF}">
+              <a:ext uri="{91240B29-F687-4F45-9708-019B960494DF}">
                 <a14:hiddenLine xmlns:a14="http://schemas.microsoft.com/office/drawing/2010/main" w="15875" algn="ctr">
                   <a:solidFill>
                     <a:srgbClr val="000000"/>
@@ -7786,14 +7766,14 @@
             <a:noFill/>
           </a:ln>
           <a:extLst>
-            <a:ext uri="{909E8E84-426E-40dd-AFC4-6F175D3DCCD1}">
+            <a:ext uri="{909E8E84-426E-40DD-AFC4-6F175D3DCCD1}">
               <a14:hiddenFill xmlns:a14="http://schemas.microsoft.com/office/drawing/2010/main">
                 <a:solidFill>
                   <a:srgbClr val="FFFFFF"/>
                 </a:solidFill>
               </a14:hiddenFill>
             </a:ext>
-            <a:ext uri="{91240B29-F687-4f45-9708-019B960494DF}">
+            <a:ext uri="{91240B29-F687-4F45-9708-019B960494DF}">
               <a14:hiddenLine xmlns:a14="http://schemas.microsoft.com/office/drawing/2010/main" w="9525">
                 <a:solidFill>
                   <a:srgbClr val="000000"/>
@@ -7839,7 +7819,7 @@
             <a:tailEnd/>
           </a:ln>
           <a:extLst>
-            <a:ext uri="{909E8E84-426E-40dd-AFC4-6F175D3DCCD1}">
+            <a:ext uri="{909E8E84-426E-40DD-AFC4-6F175D3DCCD1}">
               <a14:hiddenFill xmlns:a14="http://schemas.microsoft.com/office/drawing/2010/main">
                 <a:solidFill>
                   <a:srgbClr val="FFFFFF"/>
@@ -7885,7 +7865,7 @@
             <a:tailEnd type="triangle" w="med" len="med"/>
           </a:ln>
           <a:extLst>
-            <a:ext uri="{909E8E84-426E-40dd-AFC4-6F175D3DCCD1}">
+            <a:ext uri="{909E8E84-426E-40DD-AFC4-6F175D3DCCD1}">
               <a14:hiddenFill xmlns:a14="http://schemas.microsoft.com/office/drawing/2010/main">
                 <a:noFill/>
               </a14:hiddenFill>
@@ -7914,14 +7894,14 @@
             <a:noFill/>
           </a:ln>
           <a:extLst>
-            <a:ext uri="{909E8E84-426E-40dd-AFC4-6F175D3DCCD1}">
+            <a:ext uri="{909E8E84-426E-40DD-AFC4-6F175D3DCCD1}">
               <a14:hiddenFill xmlns:a14="http://schemas.microsoft.com/office/drawing/2010/main">
                 <a:solidFill>
                   <a:srgbClr val="FFFFFF"/>
                 </a:solidFill>
               </a14:hiddenFill>
             </a:ext>
-            <a:ext uri="{91240B29-F687-4f45-9708-019B960494DF}">
+            <a:ext uri="{91240B29-F687-4F45-9708-019B960494DF}">
               <a14:hiddenLine xmlns:a14="http://schemas.microsoft.com/office/drawing/2010/main" w="9525" algn="ctr">
                 <a:solidFill>
                   <a:srgbClr val="000000"/>
@@ -8072,14 +8052,14 @@
             <a:noFill/>
           </a:ln>
           <a:extLst>
-            <a:ext uri="{909E8E84-426E-40dd-AFC4-6F175D3DCCD1}">
+            <a:ext uri="{909E8E84-426E-40DD-AFC4-6F175D3DCCD1}">
               <a14:hiddenFill xmlns:a14="http://schemas.microsoft.com/office/drawing/2010/main">
                 <a:solidFill>
                   <a:srgbClr val="FFFFFF"/>
                 </a:solidFill>
               </a14:hiddenFill>
             </a:ext>
-            <a:ext uri="{91240B29-F687-4f45-9708-019B960494DF}">
+            <a:ext uri="{91240B29-F687-4F45-9708-019B960494DF}">
               <a14:hiddenLine xmlns:a14="http://schemas.microsoft.com/office/drawing/2010/main" w="9525" algn="ctr">
                 <a:solidFill>
                   <a:srgbClr val="000000"/>
@@ -8334,14 +8314,14 @@
             <a:noFill/>
           </a:ln>
           <a:extLst>
-            <a:ext uri="{909E8E84-426E-40dd-AFC4-6F175D3DCCD1}">
+            <a:ext uri="{909E8E84-426E-40DD-AFC4-6F175D3DCCD1}">
               <a14:hiddenFill xmlns:a14="http://schemas.microsoft.com/office/drawing/2010/main">
                 <a:solidFill>
                   <a:srgbClr val="FFFFFF"/>
                 </a:solidFill>
               </a14:hiddenFill>
             </a:ext>
-            <a:ext uri="{91240B29-F687-4f45-9708-019B960494DF}">
+            <a:ext uri="{91240B29-F687-4F45-9708-019B960494DF}">
               <a14:hiddenLine xmlns:a14="http://schemas.microsoft.com/office/drawing/2010/main" w="15875">
                 <a:solidFill>
                   <a:srgbClr val="000000"/>
@@ -8437,14 +8417,14 @@
             <a:noFill/>
           </a:ln>
           <a:extLst>
-            <a:ext uri="{909E8E84-426E-40dd-AFC4-6F175D3DCCD1}">
+            <a:ext uri="{909E8E84-426E-40DD-AFC4-6F175D3DCCD1}">
               <a14:hiddenFill xmlns:a14="http://schemas.microsoft.com/office/drawing/2010/main">
                 <a:solidFill>
                   <a:srgbClr val="FFFFFF"/>
                 </a:solidFill>
               </a14:hiddenFill>
             </a:ext>
-            <a:ext uri="{91240B29-F687-4f45-9708-019B960494DF}">
+            <a:ext uri="{91240B29-F687-4F45-9708-019B960494DF}">
               <a14:hiddenLine xmlns:a14="http://schemas.microsoft.com/office/drawing/2010/main" w="9525" algn="ctr">
                 <a:solidFill>
                   <a:srgbClr val="000000"/>
@@ -8616,14 +8596,14 @@
             <a:noFill/>
           </a:ln>
           <a:extLst>
-            <a:ext uri="{909E8E84-426E-40dd-AFC4-6F175D3DCCD1}">
+            <a:ext uri="{909E8E84-426E-40DD-AFC4-6F175D3DCCD1}">
               <a14:hiddenFill xmlns:a14="http://schemas.microsoft.com/office/drawing/2010/main">
                 <a:solidFill>
                   <a:srgbClr val="FFFFFF"/>
                 </a:solidFill>
               </a14:hiddenFill>
             </a:ext>
-            <a:ext uri="{91240B29-F687-4f45-9708-019B960494DF}">
+            <a:ext uri="{91240B29-F687-4F45-9708-019B960494DF}">
               <a14:hiddenLine xmlns:a14="http://schemas.microsoft.com/office/drawing/2010/main" w="9525" algn="ctr">
                 <a:solidFill>
                   <a:srgbClr val="000000"/>
@@ -8782,7 +8762,7 @@
             <a:tailEnd type="triangle" w="med" len="med"/>
           </a:ln>
           <a:extLst>
-            <a:ext uri="{909E8E84-426E-40dd-AFC4-6F175D3DCCD1}">
+            <a:ext uri="{909E8E84-426E-40DD-AFC4-6F175D3DCCD1}">
               <a14:hiddenFill xmlns:a14="http://schemas.microsoft.com/office/drawing/2010/main">
                 <a:noFill/>
               </a14:hiddenFill>
@@ -8957,14 +8937,14 @@
             <a:noFill/>
           </a:ln>
           <a:extLst>
-            <a:ext uri="{909E8E84-426E-40dd-AFC4-6F175D3DCCD1}">
+            <a:ext uri="{909E8E84-426E-40DD-AFC4-6F175D3DCCD1}">
               <a14:hiddenFill xmlns:a14="http://schemas.microsoft.com/office/drawing/2010/main">
                 <a:solidFill>
                   <a:srgbClr val="FFFFFF"/>
                 </a:solidFill>
               </a14:hiddenFill>
             </a:ext>
-            <a:ext uri="{91240B29-F687-4f45-9708-019B960494DF}">
+            <a:ext uri="{91240B29-F687-4F45-9708-019B960494DF}">
               <a14:hiddenLine xmlns:a14="http://schemas.microsoft.com/office/drawing/2010/main" w="9525">
                 <a:solidFill>
                   <a:srgbClr val="000000"/>
@@ -9120,7 +9100,7 @@
             <a:tailEnd/>
           </a:ln>
           <a:extLst>
-            <a:ext uri="{909E8E84-426E-40dd-AFC4-6F175D3DCCD1}">
+            <a:ext uri="{909E8E84-426E-40DD-AFC4-6F175D3DCCD1}">
               <a14:hiddenFill xmlns:a14="http://schemas.microsoft.com/office/drawing/2010/main">
                 <a:solidFill>
                   <a:srgbClr val="FFFFFF"/>
@@ -9159,14 +9139,14 @@
             <a:noFill/>
           </a:ln>
           <a:extLst>
-            <a:ext uri="{909E8E84-426E-40dd-AFC4-6F175D3DCCD1}">
+            <a:ext uri="{909E8E84-426E-40DD-AFC4-6F175D3DCCD1}">
               <a14:hiddenFill xmlns:a14="http://schemas.microsoft.com/office/drawing/2010/main">
                 <a:solidFill>
                   <a:srgbClr val="FFFFFF"/>
                 </a:solidFill>
               </a14:hiddenFill>
             </a:ext>
-            <a:ext uri="{91240B29-F687-4f45-9708-019B960494DF}">
+            <a:ext uri="{91240B29-F687-4F45-9708-019B960494DF}">
               <a14:hiddenLine xmlns:a14="http://schemas.microsoft.com/office/drawing/2010/main" w="9525">
                 <a:solidFill>
                   <a:srgbClr val="000000"/>
@@ -9369,11 +9349,7 @@
             </a:pPr>
             <a:r>
               <a:rPr lang="es-ES" dirty="0" smtClean="0"/>
-              <a:t>CS00177 Envío de Correo Electr</a:t>
-            </a:r>
-            <a:r>
-              <a:rPr lang="es-ES" dirty="0" smtClean="0"/>
-              <a:t>ónico</a:t>
+              <a:t>CS00177 Envío de Correo Electrónico</a:t>
             </a:r>
             <a:endParaRPr lang="es-ES" dirty="0"/>
           </a:p>
@@ -9455,11 +9431,7 @@
             <a:pPr algn="ctr"/>
             <a:r>
               <a:rPr lang="es-ES" dirty="0" smtClean="0"/>
-              <a:t>Pago </a:t>
-            </a:r>
-            <a:r>
-              <a:rPr lang="es-ES" dirty="0" smtClean="0"/>
-              <a:t>Tarjeta de Crédito Internacional</a:t>
+              <a:t>Pago Tarjeta de Crédito Internacional</a:t>
             </a:r>
             <a:endParaRPr lang="es-ES" dirty="0"/>
           </a:p>
@@ -9519,11 +9491,7 @@
           <a:p>
             <a:r>
               <a:rPr lang="es-ES" dirty="0" smtClean="0"/>
-              <a:t>Banca M</a:t>
-            </a:r>
-            <a:r>
-              <a:rPr lang="es-ES" dirty="0" smtClean="0"/>
-              <a:t>óvil</a:t>
+              <a:t>Banca Móvil</a:t>
             </a:r>
             <a:endParaRPr lang="es-ES" dirty="0"/>
           </a:p>
@@ -9627,7 +9595,7 @@
             <a:tailEnd/>
           </a:ln>
           <a:extLst>
-            <a:ext uri="{909E8E84-426E-40dd-AFC4-6F175D3DCCD1}">
+            <a:ext uri="{909E8E84-426E-40DD-AFC4-6F175D3DCCD1}">
               <a14:hiddenFill xmlns:a14="http://schemas.microsoft.com/office/drawing/2010/main">
                 <a:solidFill>
                   <a:schemeClr val="tx1">
@@ -9675,14 +9643,14 @@
             <a:noFill/>
           </a:ln>
           <a:extLst>
-            <a:ext uri="{909E8E84-426E-40dd-AFC4-6F175D3DCCD1}">
+            <a:ext uri="{909E8E84-426E-40DD-AFC4-6F175D3DCCD1}">
               <a14:hiddenFill xmlns:a14="http://schemas.microsoft.com/office/drawing/2010/main">
                 <a:solidFill>
                   <a:srgbClr val="FFFFFF"/>
                 </a:solidFill>
               </a14:hiddenFill>
             </a:ext>
-            <a:ext uri="{91240B29-F687-4f45-9708-019B960494DF}">
+            <a:ext uri="{91240B29-F687-4F45-9708-019B960494DF}">
               <a14:hiddenLine xmlns:a14="http://schemas.microsoft.com/office/drawing/2010/main" w="9525">
                 <a:solidFill>
                   <a:srgbClr val="000000"/>
@@ -9833,14 +9801,14 @@
             <a:noFill/>
           </a:ln>
           <a:extLst>
-            <a:ext uri="{909E8E84-426E-40dd-AFC4-6F175D3DCCD1}">
+            <a:ext uri="{909E8E84-426E-40DD-AFC4-6F175D3DCCD1}">
               <a14:hiddenFill xmlns:a14="http://schemas.microsoft.com/office/drawing/2010/main">
                 <a:solidFill>
                   <a:srgbClr val="FFFFFF"/>
                 </a:solidFill>
               </a14:hiddenFill>
             </a:ext>
-            <a:ext uri="{91240B29-F687-4f45-9708-019B960494DF}">
+            <a:ext uri="{91240B29-F687-4F45-9708-019B960494DF}">
               <a14:hiddenLine xmlns:a14="http://schemas.microsoft.com/office/drawing/2010/main" w="9525">
                 <a:solidFill>
                   <a:srgbClr val="000000"/>
@@ -9998,14 +9966,14 @@
             <a:noFill/>
           </a:ln>
           <a:extLst>
-            <a:ext uri="{909E8E84-426E-40dd-AFC4-6F175D3DCCD1}">
+            <a:ext uri="{909E8E84-426E-40DD-AFC4-6F175D3DCCD1}">
               <a14:hiddenFill xmlns:a14="http://schemas.microsoft.com/office/drawing/2010/main">
                 <a:solidFill>
                   <a:srgbClr val="FFFFFF"/>
                 </a:solidFill>
               </a14:hiddenFill>
             </a:ext>
-            <a:ext uri="{91240B29-F687-4f45-9708-019B960494DF}">
+            <a:ext uri="{91240B29-F687-4F45-9708-019B960494DF}">
               <a14:hiddenLine xmlns:a14="http://schemas.microsoft.com/office/drawing/2010/main" w="9525">
                 <a:solidFill>
                   <a:srgbClr val="000000"/>
@@ -10101,14 +10069,14 @@
             <a:noFill/>
           </a:ln>
           <a:extLst>
-            <a:ext uri="{909E8E84-426E-40dd-AFC4-6F175D3DCCD1}">
+            <a:ext uri="{909E8E84-426E-40DD-AFC4-6F175D3DCCD1}">
               <a14:hiddenFill xmlns:a14="http://schemas.microsoft.com/office/drawing/2010/main">
                 <a:solidFill>
                   <a:srgbClr val="FFFFFF"/>
                 </a:solidFill>
               </a14:hiddenFill>
             </a:ext>
-            <a:ext uri="{91240B29-F687-4f45-9708-019B960494DF}">
+            <a:ext uri="{91240B29-F687-4F45-9708-019B960494DF}">
               <a14:hiddenLine xmlns:a14="http://schemas.microsoft.com/office/drawing/2010/main" w="9525">
                 <a:solidFill>
                   <a:srgbClr val="000000"/>
@@ -10173,14 +10141,14 @@
             <a:noFill/>
           </a:ln>
           <a:extLst>
-            <a:ext uri="{909E8E84-426E-40dd-AFC4-6F175D3DCCD1}">
+            <a:ext uri="{909E8E84-426E-40DD-AFC4-6F175D3DCCD1}">
               <a14:hiddenFill xmlns:a14="http://schemas.microsoft.com/office/drawing/2010/main">
                 <a:solidFill>
                   <a:srgbClr val="FFFFFF"/>
                 </a:solidFill>
               </a14:hiddenFill>
             </a:ext>
-            <a:ext uri="{91240B29-F687-4f45-9708-019B960494DF}">
+            <a:ext uri="{91240B29-F687-4F45-9708-019B960494DF}">
               <a14:hiddenLine xmlns:a14="http://schemas.microsoft.com/office/drawing/2010/main" w="9525">
                 <a:solidFill>
                   <a:srgbClr val="000000"/>
@@ -10245,14 +10213,14 @@
             <a:noFill/>
           </a:ln>
           <a:extLst>
-            <a:ext uri="{909E8E84-426E-40dd-AFC4-6F175D3DCCD1}">
+            <a:ext uri="{909E8E84-426E-40DD-AFC4-6F175D3DCCD1}">
               <a14:hiddenFill xmlns:a14="http://schemas.microsoft.com/office/drawing/2010/main">
                 <a:solidFill>
                   <a:srgbClr val="FFFFFF"/>
                 </a:solidFill>
               </a14:hiddenFill>
             </a:ext>
-            <a:ext uri="{91240B29-F687-4f45-9708-019B960494DF}">
+            <a:ext uri="{91240B29-F687-4F45-9708-019B960494DF}">
               <a14:hiddenLine xmlns:a14="http://schemas.microsoft.com/office/drawing/2010/main" w="9525">
                 <a:solidFill>
                   <a:srgbClr val="000000"/>
@@ -10317,14 +10285,14 @@
             <a:noFill/>
           </a:ln>
           <a:extLst>
-            <a:ext uri="{909E8E84-426E-40dd-AFC4-6F175D3DCCD1}">
+            <a:ext uri="{909E8E84-426E-40DD-AFC4-6F175D3DCCD1}">
               <a14:hiddenFill xmlns:a14="http://schemas.microsoft.com/office/drawing/2010/main">
                 <a:solidFill>
                   <a:srgbClr val="FFFFFF"/>
                 </a:solidFill>
               </a14:hiddenFill>
             </a:ext>
-            <a:ext uri="{91240B29-F687-4f45-9708-019B960494DF}">
+            <a:ext uri="{91240B29-F687-4F45-9708-019B960494DF}">
               <a14:hiddenLine xmlns:a14="http://schemas.microsoft.com/office/drawing/2010/main" w="9525">
                 <a:solidFill>
                   <a:srgbClr val="000000"/>
@@ -10389,14 +10357,14 @@
             <a:noFill/>
           </a:ln>
           <a:extLst>
-            <a:ext uri="{909E8E84-426E-40dd-AFC4-6F175D3DCCD1}">
+            <a:ext uri="{909E8E84-426E-40DD-AFC4-6F175D3DCCD1}">
               <a14:hiddenFill xmlns:a14="http://schemas.microsoft.com/office/drawing/2010/main">
                 <a:solidFill>
                   <a:srgbClr val="FFFFFF"/>
                 </a:solidFill>
               </a14:hiddenFill>
             </a:ext>
-            <a:ext uri="{91240B29-F687-4f45-9708-019B960494DF}">
+            <a:ext uri="{91240B29-F687-4F45-9708-019B960494DF}">
               <a14:hiddenLine xmlns:a14="http://schemas.microsoft.com/office/drawing/2010/main" w="9525">
                 <a:solidFill>
                   <a:srgbClr val="000000"/>
@@ -10453,14 +10421,14 @@
             <a:noFill/>
           </a:ln>
           <a:extLst>
-            <a:ext uri="{909E8E84-426E-40dd-AFC4-6F175D3DCCD1}">
+            <a:ext uri="{909E8E84-426E-40DD-AFC4-6F175D3DCCD1}">
               <a14:hiddenFill xmlns:a14="http://schemas.microsoft.com/office/drawing/2010/main">
                 <a:solidFill>
                   <a:srgbClr val="FFFFFF"/>
                 </a:solidFill>
               </a14:hiddenFill>
             </a:ext>
-            <a:ext uri="{91240B29-F687-4f45-9708-019B960494DF}">
+            <a:ext uri="{91240B29-F687-4F45-9708-019B960494DF}">
               <a14:hiddenLine xmlns:a14="http://schemas.microsoft.com/office/drawing/2010/main" w="9525" algn="ctr">
                 <a:solidFill>
                   <a:srgbClr val="000000"/>
@@ -10502,14 +10470,14 @@
             <a:noFill/>
           </a:ln>
           <a:extLst>
-            <a:ext uri="{909E8E84-426E-40dd-AFC4-6F175D3DCCD1}">
+            <a:ext uri="{909E8E84-426E-40DD-AFC4-6F175D3DCCD1}">
               <a14:hiddenFill xmlns:a14="http://schemas.microsoft.com/office/drawing/2010/main">
                 <a:solidFill>
                   <a:srgbClr val="FFFFFF"/>
                 </a:solidFill>
               </a14:hiddenFill>
             </a:ext>
-            <a:ext uri="{91240B29-F687-4f45-9708-019B960494DF}">
+            <a:ext uri="{91240B29-F687-4F45-9708-019B960494DF}">
               <a14:hiddenLine xmlns:a14="http://schemas.microsoft.com/office/drawing/2010/main" w="9525" algn="ctr">
                 <a:solidFill>
                   <a:srgbClr val="000000"/>
@@ -10551,14 +10519,14 @@
             <a:noFill/>
           </a:ln>
           <a:extLst>
-            <a:ext uri="{909E8E84-426E-40dd-AFC4-6F175D3DCCD1}">
+            <a:ext uri="{909E8E84-426E-40DD-AFC4-6F175D3DCCD1}">
               <a14:hiddenFill xmlns:a14="http://schemas.microsoft.com/office/drawing/2010/main">
                 <a:solidFill>
                   <a:srgbClr val="FFFFFF"/>
                 </a:solidFill>
               </a14:hiddenFill>
             </a:ext>
-            <a:ext uri="{91240B29-F687-4f45-9708-019B960494DF}">
+            <a:ext uri="{91240B29-F687-4F45-9708-019B960494DF}">
               <a14:hiddenLine xmlns:a14="http://schemas.microsoft.com/office/drawing/2010/main" w="9525" algn="ctr">
                 <a:solidFill>
                   <a:srgbClr val="000000"/>
@@ -10600,14 +10568,14 @@
             <a:noFill/>
           </a:ln>
           <a:extLst>
-            <a:ext uri="{909E8E84-426E-40dd-AFC4-6F175D3DCCD1}">
+            <a:ext uri="{909E8E84-426E-40DD-AFC4-6F175D3DCCD1}">
               <a14:hiddenFill xmlns:a14="http://schemas.microsoft.com/office/drawing/2010/main">
                 <a:solidFill>
                   <a:srgbClr val="FFFFFF"/>
                 </a:solidFill>
               </a14:hiddenFill>
             </a:ext>
-            <a:ext uri="{91240B29-F687-4f45-9708-019B960494DF}">
+            <a:ext uri="{91240B29-F687-4F45-9708-019B960494DF}">
               <a14:hiddenLine xmlns:a14="http://schemas.microsoft.com/office/drawing/2010/main" w="9525" algn="ctr">
                 <a:solidFill>
                   <a:srgbClr val="000000"/>
@@ -10649,14 +10617,14 @@
             <a:noFill/>
           </a:ln>
           <a:extLst>
-            <a:ext uri="{909E8E84-426E-40dd-AFC4-6F175D3DCCD1}">
+            <a:ext uri="{909E8E84-426E-40DD-AFC4-6F175D3DCCD1}">
               <a14:hiddenFill xmlns:a14="http://schemas.microsoft.com/office/drawing/2010/main">
                 <a:solidFill>
                   <a:srgbClr val="FFFFFF"/>
                 </a:solidFill>
               </a14:hiddenFill>
             </a:ext>
-            <a:ext uri="{91240B29-F687-4f45-9708-019B960494DF}">
+            <a:ext uri="{91240B29-F687-4F45-9708-019B960494DF}">
               <a14:hiddenLine xmlns:a14="http://schemas.microsoft.com/office/drawing/2010/main" w="9525" algn="ctr">
                 <a:solidFill>
                   <a:srgbClr val="000000"/>
@@ -10706,12 +10674,12 @@
           </a:ln>
           <a:effectLst/>
           <a:extLst>
-            <a:ext uri="{909E8E84-426E-40dd-AFC4-6F175D3DCCD1}">
+            <a:ext uri="{909E8E84-426E-40DD-AFC4-6F175D3DCCD1}">
               <a14:hiddenFill xmlns:a14="http://schemas.microsoft.com/office/drawing/2010/main">
                 <a:noFill/>
               </a14:hiddenFill>
             </a:ext>
-            <a:ext uri="{AF507438-7753-43e0-B8FC-AC1667EBCBE1}">
+            <a:ext uri="{AF507438-7753-43E0-B8FC-AC1667EBCBE1}">
               <a14:hiddenEffects xmlns:a14="http://schemas.microsoft.com/office/drawing/2010/main">
                 <a:effectLst>
                   <a:outerShdw dist="35921" dir="2700000" algn="ctr" rotWithShape="0">
@@ -10744,14 +10712,14 @@
             <a:noFill/>
           </a:ln>
           <a:extLst>
-            <a:ext uri="{909E8E84-426E-40dd-AFC4-6F175D3DCCD1}">
+            <a:ext uri="{909E8E84-426E-40DD-AFC4-6F175D3DCCD1}">
               <a14:hiddenFill xmlns:a14="http://schemas.microsoft.com/office/drawing/2010/main">
                 <a:solidFill>
                   <a:srgbClr val="FFFFFF"/>
                 </a:solidFill>
               </a14:hiddenFill>
             </a:ext>
-            <a:ext uri="{91240B29-F687-4f45-9708-019B960494DF}">
+            <a:ext uri="{91240B29-F687-4F45-9708-019B960494DF}">
               <a14:hiddenLine xmlns:a14="http://schemas.microsoft.com/office/drawing/2010/main" w="9525">
                 <a:solidFill>
                   <a:srgbClr val="000000"/>
@@ -10888,14 +10856,14 @@
             <a:noFill/>
           </a:ln>
           <a:extLst>
-            <a:ext uri="{909E8E84-426E-40dd-AFC4-6F175D3DCCD1}">
+            <a:ext uri="{909E8E84-426E-40DD-AFC4-6F175D3DCCD1}">
               <a14:hiddenFill xmlns:a14="http://schemas.microsoft.com/office/drawing/2010/main">
                 <a:solidFill>
                   <a:srgbClr val="FFFFFF"/>
                 </a:solidFill>
               </a14:hiddenFill>
             </a:ext>
-            <a:ext uri="{91240B29-F687-4f45-9708-019B960494DF}">
+            <a:ext uri="{91240B29-F687-4F45-9708-019B960494DF}">
               <a14:hiddenLine xmlns:a14="http://schemas.microsoft.com/office/drawing/2010/main" w="9525">
                 <a:solidFill>
                   <a:srgbClr val="000000"/>
@@ -10988,14 +10956,14 @@
             <a:noFill/>
           </a:ln>
           <a:extLst>
-            <a:ext uri="{909E8E84-426E-40dd-AFC4-6F175D3DCCD1}">
+            <a:ext uri="{909E8E84-426E-40DD-AFC4-6F175D3DCCD1}">
               <a14:hiddenFill xmlns:a14="http://schemas.microsoft.com/office/drawing/2010/main">
                 <a:solidFill>
                   <a:srgbClr val="FFFFFF"/>
                 </a:solidFill>
               </a14:hiddenFill>
             </a:ext>
-            <a:ext uri="{91240B29-F687-4f45-9708-019B960494DF}">
+            <a:ext uri="{91240B29-F687-4F45-9708-019B960494DF}">
               <a14:hiddenLine xmlns:a14="http://schemas.microsoft.com/office/drawing/2010/main" w="9525">
                 <a:solidFill>
                   <a:srgbClr val="000000"/>
@@ -11096,14 +11064,14 @@
             <a:noFill/>
           </a:ln>
           <a:extLst>
-            <a:ext uri="{909E8E84-426E-40dd-AFC4-6F175D3DCCD1}">
+            <a:ext uri="{909E8E84-426E-40DD-AFC4-6F175D3DCCD1}">
               <a14:hiddenFill xmlns:a14="http://schemas.microsoft.com/office/drawing/2010/main">
                 <a:solidFill>
                   <a:srgbClr val="FFFFFF"/>
                 </a:solidFill>
               </a14:hiddenFill>
             </a:ext>
-            <a:ext uri="{91240B29-F687-4f45-9708-019B960494DF}">
+            <a:ext uri="{91240B29-F687-4F45-9708-019B960494DF}">
               <a14:hiddenLine xmlns:a14="http://schemas.microsoft.com/office/drawing/2010/main" w="9525" algn="ctr">
                 <a:solidFill>
                   <a:srgbClr val="000000"/>
@@ -11344,14 +11312,14 @@
               <a:noFill/>
             </a:ln>
             <a:extLst>
-              <a:ext uri="{909E8E84-426E-40dd-AFC4-6F175D3DCCD1}">
+              <a:ext uri="{909E8E84-426E-40DD-AFC4-6F175D3DCCD1}">
                 <a14:hiddenFill xmlns:a14="http://schemas.microsoft.com/office/drawing/2010/main">
                   <a:solidFill>
                     <a:srgbClr val="FFFFFF"/>
                   </a:solidFill>
                 </a14:hiddenFill>
               </a:ext>
-              <a:ext uri="{91240B29-F687-4f45-9708-019B960494DF}">
+              <a:ext uri="{91240B29-F687-4F45-9708-019B960494DF}">
                 <a14:hiddenLine xmlns:a14="http://schemas.microsoft.com/office/drawing/2010/main" w="9525">
                   <a:solidFill>
                     <a:srgbClr val="000000"/>
@@ -11593,14 +11561,14 @@
               <a:noFill/>
             </a:ln>
             <a:extLst>
-              <a:ext uri="{909E8E84-426E-40dd-AFC4-6F175D3DCCD1}">
+              <a:ext uri="{909E8E84-426E-40DD-AFC4-6F175D3DCCD1}">
                 <a14:hiddenFill xmlns:a14="http://schemas.microsoft.com/office/drawing/2010/main">
                   <a:solidFill>
                     <a:srgbClr val="FFFFFF"/>
                   </a:solidFill>
                 </a14:hiddenFill>
               </a:ext>
-              <a:ext uri="{91240B29-F687-4f45-9708-019B960494DF}">
+              <a:ext uri="{91240B29-F687-4F45-9708-019B960494DF}">
                 <a14:hiddenLine xmlns:a14="http://schemas.microsoft.com/office/drawing/2010/main" w="15875">
                   <a:solidFill>
                     <a:srgbClr val="000000"/>
@@ -11669,14 +11637,14 @@
             <a:noFill/>
           </a:ln>
           <a:extLst>
-            <a:ext uri="{909E8E84-426E-40dd-AFC4-6F175D3DCCD1}">
+            <a:ext uri="{909E8E84-426E-40DD-AFC4-6F175D3DCCD1}">
               <a14:hiddenFill xmlns:a14="http://schemas.microsoft.com/office/drawing/2010/main">
                 <a:solidFill>
                   <a:srgbClr val="FFFFFF"/>
                 </a:solidFill>
               </a14:hiddenFill>
             </a:ext>
-            <a:ext uri="{91240B29-F687-4f45-9708-019B960494DF}">
+            <a:ext uri="{91240B29-F687-4F45-9708-019B960494DF}">
               <a14:hiddenLine xmlns:a14="http://schemas.microsoft.com/office/drawing/2010/main" w="9525" algn="ctr">
                 <a:solidFill>
                   <a:srgbClr val="000000"/>
@@ -11834,14 +11802,14 @@
             <a:noFill/>
           </a:ln>
           <a:extLst>
-            <a:ext uri="{909E8E84-426E-40dd-AFC4-6F175D3DCCD1}">
+            <a:ext uri="{909E8E84-426E-40DD-AFC4-6F175D3DCCD1}">
               <a14:hiddenFill xmlns:a14="http://schemas.microsoft.com/office/drawing/2010/main">
                 <a:solidFill>
                   <a:srgbClr val="FFFFFF"/>
                 </a:solidFill>
               </a14:hiddenFill>
             </a:ext>
-            <a:ext uri="{91240B29-F687-4f45-9708-019B960494DF}">
+            <a:ext uri="{91240B29-F687-4F45-9708-019B960494DF}">
               <a14:hiddenLine xmlns:a14="http://schemas.microsoft.com/office/drawing/2010/main" w="9525" algn="ctr">
                 <a:solidFill>
                   <a:srgbClr val="000000"/>
@@ -12027,13 +11995,8 @@
             </a:pPr>
             <a:r>
               <a:rPr lang="es-ES" dirty="0" smtClean="0"/>
-              <a:t>CS000176 Validar </a:t>
-            </a:r>
-            <a:r>
-              <a:rPr lang="es-ES" dirty="0" smtClean="0"/>
-              <a:t>Dispositivo Seguridad</a:t>
-            </a:r>
-            <a:endParaRPr lang="es-ES" dirty="0" smtClean="0"/>
+              <a:t>CS000176 Validar Dispositivo Seguridad</a:t>
+            </a:r>
           </a:p>
           <a:p>
             <a:pPr marL="285750" indent="-285750">
@@ -12042,11 +12005,7 @@
             </a:pPr>
             <a:r>
               <a:rPr lang="es-ES" dirty="0" smtClean="0"/>
-              <a:t>CS00177 Envío de Correo Electr</a:t>
-            </a:r>
-            <a:r>
-              <a:rPr lang="es-ES" dirty="0" smtClean="0"/>
-              <a:t>ónico</a:t>
+              <a:t>CS00177 Envío de Correo Electrónico</a:t>
             </a:r>
             <a:endParaRPr lang="es-ES" dirty="0"/>
           </a:p>
@@ -12150,11 +12109,7 @@
           <a:p>
             <a:r>
               <a:rPr lang="es-ES" dirty="0" smtClean="0"/>
-              <a:t>Banca M</a:t>
-            </a:r>
-            <a:r>
-              <a:rPr lang="es-ES" dirty="0" smtClean="0"/>
-              <a:t>óvil</a:t>
+              <a:t>Banca Móvil</a:t>
             </a:r>
             <a:endParaRPr lang="es-ES" dirty="0"/>
           </a:p>
@@ -12271,13 +12226,12 @@
           <p:cNvCxnSpPr>
             <a:cxnSpLocks noChangeShapeType="1"/>
             <a:stCxn id="18" idx="3"/>
-            <a:endCxn id="5" idx="1"/>
           </p:cNvCxnSpPr>
           <p:nvPr/>
         </p:nvCxnSpPr>
         <p:spPr bwMode="auto">
           <a:xfrm flipV="1">
-            <a:off x="1214715" y="1194883"/>
+            <a:off x="1228186" y="261102"/>
             <a:ext cx="256531" cy="1185860"/>
           </a:xfrm>
           <a:prstGeom prst="bentConnector3">
@@ -12296,12 +12250,12 @@
           </a:ln>
           <a:effectLst/>
           <a:extLst>
-            <a:ext uri="{909E8E84-426E-40dd-AFC4-6F175D3DCCD1}">
+            <a:ext uri="{909E8E84-426E-40DD-AFC4-6F175D3DCCD1}">
               <a14:hiddenFill xmlns:a14="http://schemas.microsoft.com/office/drawing/2010/main">
                 <a:noFill/>
               </a14:hiddenFill>
             </a:ext>
-            <a:ext uri="{AF507438-7753-43e0-B8FC-AC1667EBCBE1}">
+            <a:ext uri="{AF507438-7753-43E0-B8FC-AC1667EBCBE1}">
               <a14:hiddenEffects xmlns:a14="http://schemas.microsoft.com/office/drawing/2010/main">
                 <a:effectLst>
                   <a:outerShdw dist="35921" dir="2700000" algn="ctr" rotWithShape="0">
@@ -12334,14 +12288,14 @@
             <a:noFill/>
           </a:ln>
           <a:extLst>
-            <a:ext uri="{909E8E84-426E-40dd-AFC4-6F175D3DCCD1}">
+            <a:ext uri="{909E8E84-426E-40DD-AFC4-6F175D3DCCD1}">
               <a14:hiddenFill xmlns:a14="http://schemas.microsoft.com/office/drawing/2010/main">
                 <a:solidFill>
                   <a:srgbClr val="FFFFFF"/>
                 </a:solidFill>
               </a14:hiddenFill>
             </a:ext>
-            <a:ext uri="{91240B29-F687-4f45-9708-019B960494DF}">
+            <a:ext uri="{91240B29-F687-4F45-9708-019B960494DF}">
               <a14:hiddenLine xmlns:a14="http://schemas.microsoft.com/office/drawing/2010/main" w="9525">
                 <a:solidFill>
                   <a:srgbClr val="000000"/>
@@ -12553,14 +12507,14 @@
             <a:noFill/>
           </a:ln>
           <a:extLst>
-            <a:ext uri="{909E8E84-426E-40dd-AFC4-6F175D3DCCD1}">
+            <a:ext uri="{909E8E84-426E-40DD-AFC4-6F175D3DCCD1}">
               <a14:hiddenFill xmlns:a14="http://schemas.microsoft.com/office/drawing/2010/main">
                 <a:solidFill>
                   <a:srgbClr val="FFFFFF"/>
                 </a:solidFill>
               </a14:hiddenFill>
             </a:ext>
-            <a:ext uri="{91240B29-F687-4f45-9708-019B960494DF}">
+            <a:ext uri="{91240B29-F687-4F45-9708-019B960494DF}">
               <a14:hiddenLine xmlns:a14="http://schemas.microsoft.com/office/drawing/2010/main" w="9525">
                 <a:solidFill>
                   <a:srgbClr val="000000"/>
@@ -12717,14 +12671,14 @@
           </a:ln>
           <a:effectLst/>
           <a:extLst>
-            <a:ext uri="{909E8E84-426E-40dd-AFC4-6F175D3DCCD1}">
+            <a:ext uri="{909E8E84-426E-40DD-AFC4-6F175D3DCCD1}">
               <a14:hiddenFill xmlns:a14="http://schemas.microsoft.com/office/drawing/2010/main">
                 <a:solidFill>
                   <a:schemeClr val="accent1"/>
                 </a:solidFill>
               </a14:hiddenFill>
             </a:ext>
-            <a:ext uri="{AF507438-7753-43e0-B8FC-AC1667EBCBE1}">
+            <a:ext uri="{AF507438-7753-43E0-B8FC-AC1667EBCBE1}">
               <a14:hiddenEffects xmlns:a14="http://schemas.microsoft.com/office/drawing/2010/main">
                 <a:effectLst>
                   <a:outerShdw dist="35921" dir="2700000" algn="ctr" rotWithShape="0">
@@ -12795,7 +12749,7 @@
             <a:tailEnd/>
           </a:ln>
           <a:extLst>
-            <a:ext uri="{909E8E84-426E-40dd-AFC4-6F175D3DCCD1}">
+            <a:ext uri="{909E8E84-426E-40DD-AFC4-6F175D3DCCD1}">
               <a14:hiddenFill xmlns:a14="http://schemas.microsoft.com/office/drawing/2010/main">
                 <a:solidFill>
                   <a:schemeClr val="accent1"/>
@@ -12864,7 +12818,7 @@
             <a:tailEnd/>
           </a:ln>
           <a:extLst>
-            <a:ext uri="{909E8E84-426E-40dd-AFC4-6F175D3DCCD1}">
+            <a:ext uri="{909E8E84-426E-40DD-AFC4-6F175D3DCCD1}">
               <a14:hiddenFill xmlns:a14="http://schemas.microsoft.com/office/drawing/2010/main">
                 <a:solidFill>
                   <a:schemeClr val="accent1"/>
@@ -12933,7 +12887,7 @@
             <a:tailEnd/>
           </a:ln>
           <a:extLst>
-            <a:ext uri="{909E8E84-426E-40dd-AFC4-6F175D3DCCD1}">
+            <a:ext uri="{909E8E84-426E-40DD-AFC4-6F175D3DCCD1}">
               <a14:hiddenFill xmlns:a14="http://schemas.microsoft.com/office/drawing/2010/main">
                 <a:solidFill>
                   <a:schemeClr val="accent1"/>
@@ -12986,7 +12940,7 @@
         </p:nvGrpSpPr>
         <p:grpSpPr bwMode="auto">
           <a:xfrm>
-            <a:off x="131884" y="1214916"/>
+            <a:off x="145355" y="281135"/>
             <a:ext cx="1090247" cy="1703638"/>
             <a:chOff x="-1" y="2341829"/>
             <a:chExt cx="1400176" cy="2019040"/>
@@ -13052,14 +13006,14 @@
               <a:noFill/>
             </a:ln>
             <a:extLst>
-              <a:ext uri="{909E8E84-426E-40dd-AFC4-6F175D3DCCD1}">
+              <a:ext uri="{909E8E84-426E-40DD-AFC4-6F175D3DCCD1}">
                 <a14:hiddenFill xmlns:a14="http://schemas.microsoft.com/office/drawing/2010/main">
                   <a:solidFill>
                     <a:srgbClr val="FFFFFF"/>
                   </a:solidFill>
                 </a14:hiddenFill>
               </a:ext>
-              <a:ext uri="{91240B29-F687-4f45-9708-019B960494DF}">
+              <a:ext uri="{91240B29-F687-4F45-9708-019B960494DF}">
                 <a14:hiddenLine xmlns:a14="http://schemas.microsoft.com/office/drawing/2010/main" w="9525">
                   <a:solidFill>
                     <a:srgbClr val="000000"/>
@@ -13301,14 +13255,14 @@
               <a:noFill/>
             </a:ln>
             <a:extLst>
-              <a:ext uri="{909E8E84-426E-40dd-AFC4-6F175D3DCCD1}">
+              <a:ext uri="{909E8E84-426E-40DD-AFC4-6F175D3DCCD1}">
                 <a14:hiddenFill xmlns:a14="http://schemas.microsoft.com/office/drawing/2010/main">
                   <a:solidFill>
                     <a:srgbClr val="FFFFFF"/>
                   </a:solidFill>
                 </a14:hiddenFill>
               </a:ext>
-              <a:ext uri="{91240B29-F687-4f45-9708-019B960494DF}">
+              <a:ext uri="{91240B29-F687-4F45-9708-019B960494DF}">
                 <a14:hiddenLine xmlns:a14="http://schemas.microsoft.com/office/drawing/2010/main" w="15875">
                   <a:solidFill>
                     <a:srgbClr val="000000"/>
@@ -13352,7 +13306,7 @@
         </p:nvSpPr>
         <p:spPr bwMode="auto">
           <a:xfrm>
-            <a:off x="131885" y="1220574"/>
+            <a:off x="145356" y="286793"/>
             <a:ext cx="1152974" cy="2252663"/>
           </a:xfrm>
           <a:prstGeom prst="roundRect">
@@ -13392,7 +13346,7 @@
         </p:nvSpPr>
         <p:spPr bwMode="auto">
           <a:xfrm>
-            <a:off x="131884" y="1587435"/>
+            <a:off x="145355" y="653654"/>
             <a:ext cx="1152975" cy="215444"/>
           </a:xfrm>
           <a:prstGeom prst="rect">
@@ -13403,14 +13357,14 @@
             <a:noFill/>
           </a:ln>
           <a:extLst>
-            <a:ext uri="{909E8E84-426E-40dd-AFC4-6F175D3DCCD1}">
+            <a:ext uri="{909E8E84-426E-40DD-AFC4-6F175D3DCCD1}">
               <a14:hiddenFill xmlns:a14="http://schemas.microsoft.com/office/drawing/2010/main">
                 <a:solidFill>
                   <a:srgbClr val="FFFFFF"/>
                 </a:solidFill>
               </a14:hiddenFill>
             </a:ext>
-            <a:ext uri="{91240B29-F687-4f45-9708-019B960494DF}">
+            <a:ext uri="{91240B29-F687-4F45-9708-019B960494DF}">
               <a14:hiddenLine xmlns:a14="http://schemas.microsoft.com/office/drawing/2010/main" w="9525" algn="ctr">
                 <a:solidFill>
                   <a:srgbClr val="000000"/>
@@ -13557,7 +13511,7 @@
         </p:nvSpPr>
         <p:spPr bwMode="auto">
           <a:xfrm>
-            <a:off x="70766" y="2918554"/>
+            <a:off x="84237" y="1984773"/>
             <a:ext cx="1245150" cy="215444"/>
           </a:xfrm>
           <a:prstGeom prst="rect">
@@ -13568,14 +13522,14 @@
             <a:noFill/>
           </a:ln>
           <a:extLst>
-            <a:ext uri="{909E8E84-426E-40dd-AFC4-6F175D3DCCD1}">
+            <a:ext uri="{909E8E84-426E-40DD-AFC4-6F175D3DCCD1}">
               <a14:hiddenFill xmlns:a14="http://schemas.microsoft.com/office/drawing/2010/main">
                 <a:solidFill>
                   <a:srgbClr val="FFFFFF"/>
                 </a:solidFill>
               </a14:hiddenFill>
             </a:ext>
-            <a:ext uri="{91240B29-F687-4f45-9708-019B960494DF}">
+            <a:ext uri="{91240B29-F687-4F45-9708-019B960494DF}">
               <a14:hiddenLine xmlns:a14="http://schemas.microsoft.com/office/drawing/2010/main" w="9525" algn="ctr">
                 <a:solidFill>
                   <a:srgbClr val="000000"/>
@@ -13726,14 +13680,14 @@
             <a:noFill/>
           </a:ln>
           <a:extLst>
-            <a:ext uri="{909E8E84-426E-40dd-AFC4-6F175D3DCCD1}">
+            <a:ext uri="{909E8E84-426E-40DD-AFC4-6F175D3DCCD1}">
               <a14:hiddenFill xmlns:a14="http://schemas.microsoft.com/office/drawing/2010/main">
                 <a:solidFill>
                   <a:srgbClr val="FFFFFF"/>
                 </a:solidFill>
               </a14:hiddenFill>
             </a:ext>
-            <a:ext uri="{91240B29-F687-4f45-9708-019B960494DF}">
+            <a:ext uri="{91240B29-F687-4F45-9708-019B960494DF}">
               <a14:hiddenLine xmlns:a14="http://schemas.microsoft.com/office/drawing/2010/main" w="9525">
                 <a:solidFill>
                   <a:srgbClr val="000000"/>
@@ -13873,7 +13827,7 @@
         </p:nvSpPr>
         <p:spPr bwMode="auto">
           <a:xfrm>
-            <a:off x="1415047" y="2431003"/>
+            <a:off x="1428518" y="1497222"/>
             <a:ext cx="265234" cy="144463"/>
           </a:xfrm>
           <a:prstGeom prst="rect">
@@ -13888,14 +13842,14 @@
           </a:ln>
           <a:effectLst/>
           <a:extLst>
-            <a:ext uri="{909E8E84-426E-40dd-AFC4-6F175D3DCCD1}">
+            <a:ext uri="{909E8E84-426E-40DD-AFC4-6F175D3DCCD1}">
               <a14:hiddenFill xmlns:a14="http://schemas.microsoft.com/office/drawing/2010/main">
                 <a:solidFill>
                   <a:schemeClr val="accent1"/>
                 </a:solidFill>
               </a14:hiddenFill>
             </a:ext>
-            <a:ext uri="{AF507438-7753-43e0-B8FC-AC1667EBCBE1}">
+            <a:ext uri="{AF507438-7753-43E0-B8FC-AC1667EBCBE1}">
               <a14:hiddenEffects xmlns:a14="http://schemas.microsoft.com/office/drawing/2010/main">
                 <a:effectLst>
                   <a:outerShdw dist="35921" dir="2700000" algn="ctr" rotWithShape="0">
@@ -13965,7 +13919,11 @@
             </a:pPr>
             <a:r>
               <a:rPr lang="es-ES" dirty="0" smtClean="0"/>
-              <a:t>CS005517 Consulta Destinatarios TEF</a:t>
+              <a:t>CS000176 </a:t>
+            </a:r>
+            <a:r>
+              <a:rPr lang="es-ES" dirty="0" smtClean="0"/>
+              <a:t>Validar Dispositivo Seguridad</a:t>
             </a:r>
           </a:p>
           <a:p>
@@ -13975,7 +13933,15 @@
             </a:pPr>
             <a:r>
               <a:rPr lang="es-ES" dirty="0" smtClean="0"/>
-              <a:t>CS000176 Validar Dispositivo Seguridad</a:t>
+              <a:t>CS000340 </a:t>
+            </a:r>
+            <a:r>
+              <a:rPr lang="es-ES" dirty="0" smtClean="0"/>
+              <a:t>Autenticación </a:t>
+            </a:r>
+            <a:r>
+              <a:rPr lang="es-ES" dirty="0" smtClean="0"/>
+              <a:t>Usuario</a:t>
             </a:r>
           </a:p>
           <a:p>
@@ -13985,7 +13951,7 @@
             </a:pPr>
             <a:r>
               <a:rPr lang="es-ES" dirty="0" smtClean="0"/>
-              <a:t>CS000508 TEF Terceros</a:t>
+              <a:t>CS000519 Generación de Giro</a:t>
             </a:r>
           </a:p>
           <a:p>
@@ -13995,12 +13961,9 @@
             </a:pPr>
             <a:r>
               <a:rPr lang="es-ES" dirty="0" smtClean="0"/>
-              <a:t>CS000340 Autenticaci</a:t>
-            </a:r>
-            <a:r>
-              <a:rPr lang="es-ES" dirty="0" smtClean="0"/>
-              <a:t>ón Usuario</a:t>
-            </a:r>
+              <a:t>CS000600 Envío de SMS</a:t>
+            </a:r>
+            <a:endParaRPr lang="es-ES" dirty="0" smtClean="0"/>
           </a:p>
           <a:p>
             <a:pPr marL="285750" indent="-285750">
@@ -14151,11 +14114,7 @@
           <a:p>
             <a:r>
               <a:rPr lang="es-ES" dirty="0" smtClean="0"/>
-              <a:t>Banca M</a:t>
-            </a:r>
-            <a:r>
-              <a:rPr lang="es-ES" dirty="0" smtClean="0"/>
-              <a:t>óvil</a:t>
+              <a:t>Banca Móvil</a:t>
             </a:r>
             <a:endParaRPr lang="es-ES" dirty="0"/>
           </a:p>
@@ -14258,7 +14217,7 @@
             <a:tailEnd type="triangle" w="med" len="med"/>
           </a:ln>
           <a:extLst>
-            <a:ext uri="{909E8E84-426E-40dd-AFC4-6F175D3DCCD1}">
+            <a:ext uri="{909E8E84-426E-40DD-AFC4-6F175D3DCCD1}">
               <a14:hiddenFill xmlns:a14="http://schemas.microsoft.com/office/drawing/2010/main">
                 <a:noFill/>
               </a14:hiddenFill>
@@ -14348,14 +14307,14 @@
             <a:noFill/>
           </a:ln>
           <a:extLst>
-            <a:ext uri="{909E8E84-426E-40dd-AFC4-6F175D3DCCD1}">
+            <a:ext uri="{909E8E84-426E-40DD-AFC4-6F175D3DCCD1}">
               <a14:hiddenFill xmlns:a14="http://schemas.microsoft.com/office/drawing/2010/main">
                 <a:solidFill>
                   <a:srgbClr val="FFFFFF"/>
                 </a:solidFill>
               </a14:hiddenFill>
             </a:ext>
-            <a:ext uri="{91240B29-F687-4f45-9708-019B960494DF}">
+            <a:ext uri="{91240B29-F687-4F45-9708-019B960494DF}">
               <a14:hiddenLine xmlns:a14="http://schemas.microsoft.com/office/drawing/2010/main" w="9525">
                 <a:solidFill>
                   <a:srgbClr val="000000"/>
@@ -14506,14 +14465,14 @@
             <a:noFill/>
           </a:ln>
           <a:extLst>
-            <a:ext uri="{909E8E84-426E-40dd-AFC4-6F175D3DCCD1}">
+            <a:ext uri="{909E8E84-426E-40DD-AFC4-6F175D3DCCD1}">
               <a14:hiddenFill xmlns:a14="http://schemas.microsoft.com/office/drawing/2010/main">
                 <a:solidFill>
                   <a:srgbClr val="FFFFFF"/>
                 </a:solidFill>
               </a14:hiddenFill>
             </a:ext>
-            <a:ext uri="{91240B29-F687-4f45-9708-019B960494DF}">
+            <a:ext uri="{91240B29-F687-4F45-9708-019B960494DF}">
               <a14:hiddenLine xmlns:a14="http://schemas.microsoft.com/office/drawing/2010/main" w="9525">
                 <a:solidFill>
                   <a:srgbClr val="000000"/>
@@ -14554,14 +14513,14 @@
             <a:noFill/>
           </a:ln>
           <a:extLst>
-            <a:ext uri="{909E8E84-426E-40dd-AFC4-6F175D3DCCD1}">
+            <a:ext uri="{909E8E84-426E-40DD-AFC4-6F175D3DCCD1}">
               <a14:hiddenFill xmlns:a14="http://schemas.microsoft.com/office/drawing/2010/main">
                 <a:solidFill>
                   <a:srgbClr val="FFFFFF"/>
                 </a:solidFill>
               </a14:hiddenFill>
             </a:ext>
-            <a:ext uri="{91240B29-F687-4f45-9708-019B960494DF}">
+            <a:ext uri="{91240B29-F687-4F45-9708-019B960494DF}">
               <a14:hiddenLine xmlns:a14="http://schemas.microsoft.com/office/drawing/2010/main" w="9525">
                 <a:solidFill>
                   <a:srgbClr val="000000"/>
@@ -14602,14 +14561,14 @@
             <a:noFill/>
           </a:ln>
           <a:extLst>
-            <a:ext uri="{909E8E84-426E-40dd-AFC4-6F175D3DCCD1}">
+            <a:ext uri="{909E8E84-426E-40DD-AFC4-6F175D3DCCD1}">
               <a14:hiddenFill xmlns:a14="http://schemas.microsoft.com/office/drawing/2010/main">
                 <a:solidFill>
                   <a:srgbClr val="FFFFFF"/>
                 </a:solidFill>
               </a14:hiddenFill>
             </a:ext>
-            <a:ext uri="{91240B29-F687-4f45-9708-019B960494DF}">
+            <a:ext uri="{91240B29-F687-4F45-9708-019B960494DF}">
               <a14:hiddenLine xmlns:a14="http://schemas.microsoft.com/office/drawing/2010/main" w="9525">
                 <a:solidFill>
                   <a:srgbClr val="000000"/>
@@ -14650,14 +14609,14 @@
             <a:noFill/>
           </a:ln>
           <a:extLst>
-            <a:ext uri="{909E8E84-426E-40dd-AFC4-6F175D3DCCD1}">
+            <a:ext uri="{909E8E84-426E-40DD-AFC4-6F175D3DCCD1}">
               <a14:hiddenFill xmlns:a14="http://schemas.microsoft.com/office/drawing/2010/main">
                 <a:solidFill>
                   <a:srgbClr val="FFFFFF"/>
                 </a:solidFill>
               </a14:hiddenFill>
             </a:ext>
-            <a:ext uri="{91240B29-F687-4f45-9708-019B960494DF}">
+            <a:ext uri="{91240B29-F687-4F45-9708-019B960494DF}">
               <a14:hiddenLine xmlns:a14="http://schemas.microsoft.com/office/drawing/2010/main" w="9525">
                 <a:solidFill>
                   <a:srgbClr val="000000"/>
@@ -14757,14 +14716,14 @@
               <a:noFill/>
             </a:ln>
             <a:extLst>
-              <a:ext uri="{909E8E84-426E-40dd-AFC4-6F175D3DCCD1}">
+              <a:ext uri="{909E8E84-426E-40DD-AFC4-6F175D3DCCD1}">
                 <a14:hiddenFill xmlns:a14="http://schemas.microsoft.com/office/drawing/2010/main">
                   <a:solidFill>
                     <a:srgbClr val="FFFFFF"/>
                   </a:solidFill>
                 </a14:hiddenFill>
               </a:ext>
-              <a:ext uri="{91240B29-F687-4f45-9708-019B960494DF}">
+              <a:ext uri="{91240B29-F687-4F45-9708-019B960494DF}">
                 <a14:hiddenLine xmlns:a14="http://schemas.microsoft.com/office/drawing/2010/main" w="9525">
                   <a:solidFill>
                     <a:srgbClr val="000000"/>
@@ -14912,7 +14871,7 @@
               <a:noFill/>
             </a:ln>
             <a:extLst>
-              <a:ext uri="{91240B29-F687-4f45-9708-019B960494DF}">
+              <a:ext uri="{91240B29-F687-4F45-9708-019B960494DF}">
                 <a14:hiddenLine xmlns:a14="http://schemas.microsoft.com/office/drawing/2010/main" w="15875" algn="ctr">
                   <a:solidFill>
                     <a:srgbClr val="000000"/>
@@ -14958,14 +14917,14 @@
             <a:noFill/>
           </a:ln>
           <a:extLst>
-            <a:ext uri="{909E8E84-426E-40dd-AFC4-6F175D3DCCD1}">
+            <a:ext uri="{909E8E84-426E-40DD-AFC4-6F175D3DCCD1}">
               <a14:hiddenFill xmlns:a14="http://schemas.microsoft.com/office/drawing/2010/main">
                 <a:solidFill>
                   <a:srgbClr val="FFFFFF"/>
                 </a:solidFill>
               </a14:hiddenFill>
             </a:ext>
-            <a:ext uri="{91240B29-F687-4f45-9708-019B960494DF}">
+            <a:ext uri="{91240B29-F687-4F45-9708-019B960494DF}">
               <a14:hiddenLine xmlns:a14="http://schemas.microsoft.com/office/drawing/2010/main" w="9525">
                 <a:solidFill>
                   <a:srgbClr val="000000"/>
@@ -15006,14 +14965,14 @@
             <a:noFill/>
           </a:ln>
           <a:extLst>
-            <a:ext uri="{909E8E84-426E-40dd-AFC4-6F175D3DCCD1}">
+            <a:ext uri="{909E8E84-426E-40DD-AFC4-6F175D3DCCD1}">
               <a14:hiddenFill xmlns:a14="http://schemas.microsoft.com/office/drawing/2010/main">
                 <a:solidFill>
                   <a:srgbClr val="FFFFFF"/>
                 </a:solidFill>
               </a14:hiddenFill>
             </a:ext>
-            <a:ext uri="{91240B29-F687-4f45-9708-019B960494DF}">
+            <a:ext uri="{91240B29-F687-4F45-9708-019B960494DF}">
               <a14:hiddenLine xmlns:a14="http://schemas.microsoft.com/office/drawing/2010/main" w="9525">
                 <a:solidFill>
                   <a:srgbClr val="000000"/>
@@ -15174,14 +15133,14 @@
             <a:noFill/>
           </a:ln>
           <a:extLst>
-            <a:ext uri="{909E8E84-426E-40dd-AFC4-6F175D3DCCD1}">
+            <a:ext uri="{909E8E84-426E-40DD-AFC4-6F175D3DCCD1}">
               <a14:hiddenFill xmlns:a14="http://schemas.microsoft.com/office/drawing/2010/main">
                 <a:solidFill>
                   <a:srgbClr val="FFFFFF"/>
                 </a:solidFill>
               </a14:hiddenFill>
             </a:ext>
-            <a:ext uri="{91240B29-F687-4f45-9708-019B960494DF}">
+            <a:ext uri="{91240B29-F687-4F45-9708-019B960494DF}">
               <a14:hiddenLine xmlns:a14="http://schemas.microsoft.com/office/drawing/2010/main" w="9525" algn="ctr">
                 <a:solidFill>
                   <a:srgbClr val="000000"/>
@@ -15332,14 +15291,14 @@
             <a:noFill/>
           </a:ln>
           <a:extLst>
-            <a:ext uri="{909E8E84-426E-40dd-AFC4-6F175D3DCCD1}">
+            <a:ext uri="{909E8E84-426E-40DD-AFC4-6F175D3DCCD1}">
               <a14:hiddenFill xmlns:a14="http://schemas.microsoft.com/office/drawing/2010/main">
                 <a:solidFill>
                   <a:srgbClr val="FFFFFF"/>
                 </a:solidFill>
               </a14:hiddenFill>
             </a:ext>
-            <a:ext uri="{91240B29-F687-4f45-9708-019B960494DF}">
+            <a:ext uri="{91240B29-F687-4F45-9708-019B960494DF}">
               <a14:hiddenLine xmlns:a14="http://schemas.microsoft.com/office/drawing/2010/main" w="9525" algn="ctr">
                 <a:solidFill>
                   <a:srgbClr val="000000"/>
@@ -15581,14 +15540,14 @@
             <a:noFill/>
           </a:ln>
           <a:extLst>
-            <a:ext uri="{909E8E84-426E-40dd-AFC4-6F175D3DCCD1}">
+            <a:ext uri="{909E8E84-426E-40DD-AFC4-6F175D3DCCD1}">
               <a14:hiddenFill xmlns:a14="http://schemas.microsoft.com/office/drawing/2010/main">
                 <a:solidFill>
                   <a:srgbClr val="FFFFFF"/>
                 </a:solidFill>
               </a14:hiddenFill>
             </a:ext>
-            <a:ext uri="{91240B29-F687-4f45-9708-019B960494DF}">
+            <a:ext uri="{91240B29-F687-4F45-9708-019B960494DF}">
               <a14:hiddenLine xmlns:a14="http://schemas.microsoft.com/office/drawing/2010/main" w="9525" algn="ctr">
                 <a:solidFill>
                   <a:srgbClr val="000000"/>
@@ -15739,14 +15698,14 @@
             <a:noFill/>
           </a:ln>
           <a:extLst>
-            <a:ext uri="{909E8E84-426E-40dd-AFC4-6F175D3DCCD1}">
+            <a:ext uri="{909E8E84-426E-40DD-AFC4-6F175D3DCCD1}">
               <a14:hiddenFill xmlns:a14="http://schemas.microsoft.com/office/drawing/2010/main">
                 <a:solidFill>
                   <a:srgbClr val="FFFFFF"/>
                 </a:solidFill>
               </a14:hiddenFill>
             </a:ext>
-            <a:ext uri="{91240B29-F687-4f45-9708-019B960494DF}">
+            <a:ext uri="{91240B29-F687-4F45-9708-019B960494DF}">
               <a14:hiddenLine xmlns:a14="http://schemas.microsoft.com/office/drawing/2010/main" w="9525" algn="ctr">
                 <a:solidFill>
                   <a:srgbClr val="000000"/>
@@ -15973,14 +15932,14 @@
             <a:noFill/>
           </a:ln>
           <a:extLst>
-            <a:ext uri="{909E8E84-426E-40dd-AFC4-6F175D3DCCD1}">
+            <a:ext uri="{909E8E84-426E-40DD-AFC4-6F175D3DCCD1}">
               <a14:hiddenFill xmlns:a14="http://schemas.microsoft.com/office/drawing/2010/main">
                 <a:solidFill>
                   <a:srgbClr val="FFFFFF"/>
                 </a:solidFill>
               </a14:hiddenFill>
             </a:ext>
-            <a:ext uri="{91240B29-F687-4f45-9708-019B960494DF}">
+            <a:ext uri="{91240B29-F687-4F45-9708-019B960494DF}">
               <a14:hiddenLine xmlns:a14="http://schemas.microsoft.com/office/drawing/2010/main" w="9525">
                 <a:solidFill>
                   <a:srgbClr val="000000"/>
@@ -16224,11 +16183,7 @@
             </a:pPr>
             <a:r>
               <a:rPr lang="es-ES" dirty="0" smtClean="0"/>
-              <a:t>CS000028 Consulta Informaci</a:t>
-            </a:r>
-            <a:r>
-              <a:rPr lang="es-ES" dirty="0" smtClean="0"/>
-              <a:t>ón Básica Persona</a:t>
+              <a:t>CS000028 Consulta Información Básica Persona</a:t>
             </a:r>
           </a:p>
           <a:p>
@@ -16380,11 +16335,7 @@
           <a:p>
             <a:r>
               <a:rPr lang="es-ES" dirty="0" smtClean="0"/>
-              <a:t>Banca M</a:t>
-            </a:r>
-            <a:r>
-              <a:rPr lang="es-ES" dirty="0" smtClean="0"/>
-              <a:t>óvil</a:t>
+              <a:t>Banca Móvil</a:t>
             </a:r>
             <a:endParaRPr lang="es-ES" dirty="0"/>
           </a:p>
@@ -16487,7 +16438,7 @@
             <a:tailEnd type="triangle" w="med" len="med"/>
           </a:ln>
           <a:extLst>
-            <a:ext uri="{909E8E84-426E-40dd-AFC4-6F175D3DCCD1}">
+            <a:ext uri="{909E8E84-426E-40DD-AFC4-6F175D3DCCD1}">
               <a14:hiddenFill xmlns:a14="http://schemas.microsoft.com/office/drawing/2010/main">
                 <a:noFill/>
               </a14:hiddenFill>
@@ -16516,14 +16467,14 @@
             <a:noFill/>
           </a:ln>
           <a:extLst>
-            <a:ext uri="{909E8E84-426E-40dd-AFC4-6F175D3DCCD1}">
+            <a:ext uri="{909E8E84-426E-40DD-AFC4-6F175D3DCCD1}">
               <a14:hiddenFill xmlns:a14="http://schemas.microsoft.com/office/drawing/2010/main">
                 <a:solidFill>
                   <a:srgbClr val="FFFFFF"/>
                 </a:solidFill>
               </a14:hiddenFill>
             </a:ext>
-            <a:ext uri="{91240B29-F687-4f45-9708-019B960494DF}">
+            <a:ext uri="{91240B29-F687-4F45-9708-019B960494DF}">
               <a14:hiddenLine xmlns:a14="http://schemas.microsoft.com/office/drawing/2010/main" w="9525">
                 <a:solidFill>
                   <a:srgbClr val="000000"/>
@@ -16738,14 +16689,14 @@
             <a:noFill/>
           </a:ln>
           <a:extLst>
-            <a:ext uri="{909E8E84-426E-40dd-AFC4-6F175D3DCCD1}">
+            <a:ext uri="{909E8E84-426E-40DD-AFC4-6F175D3DCCD1}">
               <a14:hiddenFill xmlns:a14="http://schemas.microsoft.com/office/drawing/2010/main">
                 <a:solidFill>
                   <a:srgbClr val="FFFFFF"/>
                 </a:solidFill>
               </a14:hiddenFill>
             </a:ext>
-            <a:ext uri="{91240B29-F687-4f45-9708-019B960494DF}">
+            <a:ext uri="{91240B29-F687-4F45-9708-019B960494DF}">
               <a14:hiddenLine xmlns:a14="http://schemas.microsoft.com/office/drawing/2010/main" w="9525">
                 <a:solidFill>
                   <a:srgbClr val="000000"/>
@@ -16896,14 +16847,14 @@
             <a:noFill/>
           </a:ln>
           <a:extLst>
-            <a:ext uri="{909E8E84-426E-40dd-AFC4-6F175D3DCCD1}">
+            <a:ext uri="{909E8E84-426E-40DD-AFC4-6F175D3DCCD1}">
               <a14:hiddenFill xmlns:a14="http://schemas.microsoft.com/office/drawing/2010/main">
                 <a:solidFill>
                   <a:srgbClr val="FFFFFF"/>
                 </a:solidFill>
               </a14:hiddenFill>
             </a:ext>
-            <a:ext uri="{91240B29-F687-4f45-9708-019B960494DF}">
+            <a:ext uri="{91240B29-F687-4F45-9708-019B960494DF}">
               <a14:hiddenLine xmlns:a14="http://schemas.microsoft.com/office/drawing/2010/main" w="9525">
                 <a:solidFill>
                   <a:srgbClr val="000000"/>
@@ -17062,14 +17013,14 @@
           </a:ln>
           <a:effectLst/>
           <a:extLst>
-            <a:ext uri="{909E8E84-426E-40dd-AFC4-6F175D3DCCD1}">
+            <a:ext uri="{909E8E84-426E-40DD-AFC4-6F175D3DCCD1}">
               <a14:hiddenFill xmlns:a14="http://schemas.microsoft.com/office/drawing/2010/main">
                 <a:solidFill>
                   <a:schemeClr val="accent1"/>
                 </a:solidFill>
               </a14:hiddenFill>
             </a:ext>
-            <a:ext uri="{AF507438-7753-43e0-B8FC-AC1667EBCBE1}">
+            <a:ext uri="{AF507438-7753-43E0-B8FC-AC1667EBCBE1}">
               <a14:hiddenEffects xmlns:a14="http://schemas.microsoft.com/office/drawing/2010/main">
                 <a:effectLst>
                   <a:outerShdw dist="35921" dir="2700000" algn="ctr" rotWithShape="0">
@@ -17129,7 +17080,7 @@
             <a:tailEnd/>
           </a:ln>
           <a:extLst>
-            <a:ext uri="{909E8E84-426E-40dd-AFC4-6F175D3DCCD1}">
+            <a:ext uri="{909E8E84-426E-40DD-AFC4-6F175D3DCCD1}">
               <a14:hiddenFill xmlns:a14="http://schemas.microsoft.com/office/drawing/2010/main">
                 <a:solidFill>
                   <a:schemeClr val="accent1"/>
@@ -17239,14 +17190,14 @@
               <a:noFill/>
             </a:ln>
             <a:extLst>
-              <a:ext uri="{909E8E84-426E-40dd-AFC4-6F175D3DCCD1}">
+              <a:ext uri="{909E8E84-426E-40DD-AFC4-6F175D3DCCD1}">
                 <a14:hiddenFill xmlns:a14="http://schemas.microsoft.com/office/drawing/2010/main">
                   <a:solidFill>
                     <a:srgbClr val="FFFFFF"/>
                   </a:solidFill>
                 </a14:hiddenFill>
               </a:ext>
-              <a:ext uri="{91240B29-F687-4f45-9708-019B960494DF}">
+              <a:ext uri="{91240B29-F687-4F45-9708-019B960494DF}">
                 <a14:hiddenLine xmlns:a14="http://schemas.microsoft.com/office/drawing/2010/main" w="9525">
                   <a:solidFill>
                     <a:srgbClr val="000000"/>
@@ -17488,14 +17439,14 @@
               <a:noFill/>
             </a:ln>
             <a:extLst>
-              <a:ext uri="{909E8E84-426E-40dd-AFC4-6F175D3DCCD1}">
+              <a:ext uri="{909E8E84-426E-40DD-AFC4-6F175D3DCCD1}">
                 <a14:hiddenFill xmlns:a14="http://schemas.microsoft.com/office/drawing/2010/main">
                   <a:solidFill>
                     <a:srgbClr val="FFFFFF"/>
                   </a:solidFill>
                 </a14:hiddenFill>
               </a:ext>
-              <a:ext uri="{91240B29-F687-4f45-9708-019B960494DF}">
+              <a:ext uri="{91240B29-F687-4F45-9708-019B960494DF}">
                 <a14:hiddenLine xmlns:a14="http://schemas.microsoft.com/office/drawing/2010/main" w="15875">
                   <a:solidFill>
                     <a:srgbClr val="000000"/>
@@ -17593,14 +17544,14 @@
           </a:ln>
           <a:effectLst/>
           <a:extLst>
-            <a:ext uri="{909E8E84-426E-40dd-AFC4-6F175D3DCCD1}">
+            <a:ext uri="{909E8E84-426E-40DD-AFC4-6F175D3DCCD1}">
               <a14:hiddenFill xmlns:a14="http://schemas.microsoft.com/office/drawing/2010/main">
                 <a:solidFill>
                   <a:schemeClr val="accent1"/>
                 </a:solidFill>
               </a14:hiddenFill>
             </a:ext>
-            <a:ext uri="{91240B29-F687-4f45-9708-019B960494DF}">
+            <a:ext uri="{91240B29-F687-4F45-9708-019B960494DF}">
               <a14:hiddenLine xmlns:a14="http://schemas.microsoft.com/office/drawing/2010/main" w="9525">
                 <a:solidFill>
                   <a:schemeClr val="tx1"/>
@@ -17610,7 +17561,7 @@
                 <a:tailEnd/>
               </a14:hiddenLine>
             </a:ext>
-            <a:ext uri="{AF507438-7753-43e0-B8FC-AC1667EBCBE1}">
+            <a:ext uri="{AF507438-7753-43E0-B8FC-AC1667EBCBE1}">
               <a14:hiddenEffects xmlns:a14="http://schemas.microsoft.com/office/drawing/2010/main">
                 <a:effectLst>
                   <a:outerShdw dist="35921" dir="2700000" algn="ctr" rotWithShape="0">
@@ -17650,14 +17601,14 @@
             <a:noFill/>
           </a:ln>
           <a:extLst>
-            <a:ext uri="{909E8E84-426E-40dd-AFC4-6F175D3DCCD1}">
+            <a:ext uri="{909E8E84-426E-40DD-AFC4-6F175D3DCCD1}">
               <a14:hiddenFill xmlns:a14="http://schemas.microsoft.com/office/drawing/2010/main">
                 <a:solidFill>
                   <a:srgbClr val="FFFFFF"/>
                 </a:solidFill>
               </a14:hiddenFill>
             </a:ext>
-            <a:ext uri="{91240B29-F687-4f45-9708-019B960494DF}">
+            <a:ext uri="{91240B29-F687-4F45-9708-019B960494DF}">
               <a14:hiddenLine xmlns:a14="http://schemas.microsoft.com/office/drawing/2010/main" w="9525">
                 <a:solidFill>
                   <a:srgbClr val="000000"/>
@@ -17814,14 +17765,14 @@
             <a:noFill/>
           </a:ln>
           <a:extLst>
-            <a:ext uri="{909E8E84-426E-40dd-AFC4-6F175D3DCCD1}">
+            <a:ext uri="{909E8E84-426E-40DD-AFC4-6F175D3DCCD1}">
               <a14:hiddenFill xmlns:a14="http://schemas.microsoft.com/office/drawing/2010/main">
                 <a:solidFill>
                   <a:srgbClr val="FFFFFF"/>
                 </a:solidFill>
               </a14:hiddenFill>
             </a:ext>
-            <a:ext uri="{91240B29-F687-4f45-9708-019B960494DF}">
+            <a:ext uri="{91240B29-F687-4F45-9708-019B960494DF}">
               <a14:hiddenLine xmlns:a14="http://schemas.microsoft.com/office/drawing/2010/main" w="9525">
                 <a:solidFill>
                   <a:srgbClr val="000000"/>
@@ -17978,14 +17929,14 @@
             <a:noFill/>
           </a:ln>
           <a:extLst>
-            <a:ext uri="{909E8E84-426E-40dd-AFC4-6F175D3DCCD1}">
+            <a:ext uri="{909E8E84-426E-40DD-AFC4-6F175D3DCCD1}">
               <a14:hiddenFill xmlns:a14="http://schemas.microsoft.com/office/drawing/2010/main">
                 <a:solidFill>
                   <a:srgbClr val="FFFFFF"/>
                 </a:solidFill>
               </a14:hiddenFill>
             </a:ext>
-            <a:ext uri="{91240B29-F687-4f45-9708-019B960494DF}">
+            <a:ext uri="{91240B29-F687-4F45-9708-019B960494DF}">
               <a14:hiddenLine xmlns:a14="http://schemas.microsoft.com/office/drawing/2010/main" w="9525" algn="ctr">
                 <a:solidFill>
                   <a:srgbClr val="000000"/>
@@ -18383,11 +18334,7 @@
             </a:pPr>
             <a:r>
               <a:rPr lang="es-ES" dirty="0" smtClean="0"/>
-              <a:t>CS001169 Consulta Saldo Tarjeta Cr</a:t>
-            </a:r>
-            <a:r>
-              <a:rPr lang="es-ES" dirty="0" smtClean="0"/>
-              <a:t>édito</a:t>
+              <a:t>CS001169 Consulta Saldo Tarjeta Crédito</a:t>
             </a:r>
             <a:endParaRPr lang="es-ES" dirty="0"/>
           </a:p>
@@ -18469,11 +18416,7 @@
             <a:pPr algn="ctr"/>
             <a:r>
               <a:rPr lang="es-ES" dirty="0" smtClean="0"/>
-              <a:t>Saldo Cuentas y Tarjetas de Cr</a:t>
-            </a:r>
-            <a:r>
-              <a:rPr lang="es-ES" dirty="0" smtClean="0"/>
-              <a:t>édito</a:t>
+              <a:t>Saldo Cuentas y Tarjetas de Crédito</a:t>
             </a:r>
             <a:endParaRPr lang="es-ES" dirty="0"/>
           </a:p>
@@ -18533,11 +18476,7 @@
           <a:p>
             <a:r>
               <a:rPr lang="es-ES" dirty="0" smtClean="0"/>
-              <a:t>Banca M</a:t>
-            </a:r>
-            <a:r>
-              <a:rPr lang="es-ES" dirty="0" smtClean="0"/>
-              <a:t>óvil</a:t>
+              <a:t>Banca Móvil</a:t>
             </a:r>
             <a:endParaRPr lang="es-ES" dirty="0"/>
           </a:p>
@@ -18593,7 +18532,7 @@
   <p:timing>
     <p:tnLst>
       <p:par>
-        <p:cTn xmlns:p14="http://schemas.microsoft.com/office/powerpoint/2010/main" id="1" dur="indefinite" restart="never" nodeType="tmRoot"/>
+        <p:cTn id="1" dur="indefinite" restart="never" nodeType="tmRoot"/>
       </p:par>
     </p:tnLst>
   </p:timing>
@@ -18647,7 +18586,7 @@
             <a:tailEnd type="triangle" w="med" len="med"/>
           </a:ln>
           <a:extLst>
-            <a:ext uri="{909E8E84-426E-40dd-AFC4-6F175D3DCCD1}">
+            <a:ext uri="{909E8E84-426E-40DD-AFC4-6F175D3DCCD1}">
               <a14:hiddenFill xmlns:a14="http://schemas.microsoft.com/office/drawing/2010/main">
                 <a:noFill/>
               </a14:hiddenFill>
@@ -18676,14 +18615,14 @@
             <a:noFill/>
           </a:ln>
           <a:extLst>
-            <a:ext uri="{909E8E84-426E-40dd-AFC4-6F175D3DCCD1}">
+            <a:ext uri="{909E8E84-426E-40DD-AFC4-6F175D3DCCD1}">
               <a14:hiddenFill xmlns:a14="http://schemas.microsoft.com/office/drawing/2010/main">
                 <a:solidFill>
                   <a:srgbClr val="FFFFFF"/>
                 </a:solidFill>
               </a14:hiddenFill>
             </a:ext>
-            <a:ext uri="{91240B29-F687-4f45-9708-019B960494DF}">
+            <a:ext uri="{91240B29-F687-4F45-9708-019B960494DF}">
               <a14:hiddenLine xmlns:a14="http://schemas.microsoft.com/office/drawing/2010/main" w="9525">
                 <a:solidFill>
                   <a:srgbClr val="000000"/>
@@ -18898,14 +18837,14 @@
             <a:noFill/>
           </a:ln>
           <a:extLst>
-            <a:ext uri="{909E8E84-426E-40dd-AFC4-6F175D3DCCD1}">
+            <a:ext uri="{909E8E84-426E-40DD-AFC4-6F175D3DCCD1}">
               <a14:hiddenFill xmlns:a14="http://schemas.microsoft.com/office/drawing/2010/main">
                 <a:solidFill>
                   <a:srgbClr val="FFFFFF"/>
                 </a:solidFill>
               </a14:hiddenFill>
             </a:ext>
-            <a:ext uri="{91240B29-F687-4f45-9708-019B960494DF}">
+            <a:ext uri="{91240B29-F687-4F45-9708-019B960494DF}">
               <a14:hiddenLine xmlns:a14="http://schemas.microsoft.com/office/drawing/2010/main" w="9525">
                 <a:solidFill>
                   <a:srgbClr val="000000"/>
@@ -19056,14 +18995,14 @@
             <a:noFill/>
           </a:ln>
           <a:extLst>
-            <a:ext uri="{909E8E84-426E-40dd-AFC4-6F175D3DCCD1}">
+            <a:ext uri="{909E8E84-426E-40DD-AFC4-6F175D3DCCD1}">
               <a14:hiddenFill xmlns:a14="http://schemas.microsoft.com/office/drawing/2010/main">
                 <a:solidFill>
                   <a:srgbClr val="FFFFFF"/>
                 </a:solidFill>
               </a14:hiddenFill>
             </a:ext>
-            <a:ext uri="{91240B29-F687-4f45-9708-019B960494DF}">
+            <a:ext uri="{91240B29-F687-4F45-9708-019B960494DF}">
               <a14:hiddenLine xmlns:a14="http://schemas.microsoft.com/office/drawing/2010/main" w="9525">
                 <a:solidFill>
                   <a:srgbClr val="000000"/>
@@ -19222,14 +19161,14 @@
           </a:ln>
           <a:effectLst/>
           <a:extLst>
-            <a:ext uri="{909E8E84-426E-40dd-AFC4-6F175D3DCCD1}">
+            <a:ext uri="{909E8E84-426E-40DD-AFC4-6F175D3DCCD1}">
               <a14:hiddenFill xmlns:a14="http://schemas.microsoft.com/office/drawing/2010/main">
                 <a:solidFill>
                   <a:schemeClr val="accent1"/>
                 </a:solidFill>
               </a14:hiddenFill>
             </a:ext>
-            <a:ext uri="{AF507438-7753-43e0-B8FC-AC1667EBCBE1}">
+            <a:ext uri="{AF507438-7753-43E0-B8FC-AC1667EBCBE1}">
               <a14:hiddenEffects xmlns:a14="http://schemas.microsoft.com/office/drawing/2010/main">
                 <a:effectLst>
                   <a:outerShdw dist="35921" dir="2700000" algn="ctr" rotWithShape="0">
@@ -19341,14 +19280,14 @@
               <a:noFill/>
             </a:ln>
             <a:extLst>
-              <a:ext uri="{909E8E84-426E-40dd-AFC4-6F175D3DCCD1}">
+              <a:ext uri="{909E8E84-426E-40DD-AFC4-6F175D3DCCD1}">
                 <a14:hiddenFill xmlns:a14="http://schemas.microsoft.com/office/drawing/2010/main">
                   <a:solidFill>
                     <a:srgbClr val="FFFFFF"/>
                   </a:solidFill>
                 </a14:hiddenFill>
               </a:ext>
-              <a:ext uri="{91240B29-F687-4f45-9708-019B960494DF}">
+              <a:ext uri="{91240B29-F687-4F45-9708-019B960494DF}">
                 <a14:hiddenLine xmlns:a14="http://schemas.microsoft.com/office/drawing/2010/main" w="9525">
                   <a:solidFill>
                     <a:srgbClr val="000000"/>
@@ -19590,14 +19529,14 @@
               <a:noFill/>
             </a:ln>
             <a:extLst>
-              <a:ext uri="{909E8E84-426E-40dd-AFC4-6F175D3DCCD1}">
+              <a:ext uri="{909E8E84-426E-40DD-AFC4-6F175D3DCCD1}">
                 <a14:hiddenFill xmlns:a14="http://schemas.microsoft.com/office/drawing/2010/main">
                   <a:solidFill>
                     <a:srgbClr val="FFFFFF"/>
                   </a:solidFill>
                 </a14:hiddenFill>
               </a:ext>
-              <a:ext uri="{91240B29-F687-4f45-9708-019B960494DF}">
+              <a:ext uri="{91240B29-F687-4F45-9708-019B960494DF}">
                 <a14:hiddenLine xmlns:a14="http://schemas.microsoft.com/office/drawing/2010/main" w="15875">
                   <a:solidFill>
                     <a:srgbClr val="000000"/>
@@ -19681,14 +19620,14 @@
           </a:ln>
           <a:effectLst/>
           <a:extLst>
-            <a:ext uri="{909E8E84-426E-40dd-AFC4-6F175D3DCCD1}">
+            <a:ext uri="{909E8E84-426E-40DD-AFC4-6F175D3DCCD1}">
               <a14:hiddenFill xmlns:a14="http://schemas.microsoft.com/office/drawing/2010/main">
                 <a:solidFill>
                   <a:schemeClr val="accent1"/>
                 </a:solidFill>
               </a14:hiddenFill>
             </a:ext>
-            <a:ext uri="{91240B29-F687-4f45-9708-019B960494DF}">
+            <a:ext uri="{91240B29-F687-4F45-9708-019B960494DF}">
               <a14:hiddenLine xmlns:a14="http://schemas.microsoft.com/office/drawing/2010/main" w="9525">
                 <a:solidFill>
                   <a:schemeClr val="tx1"/>
@@ -19698,7 +19637,7 @@
                 <a:tailEnd/>
               </a14:hiddenLine>
             </a:ext>
-            <a:ext uri="{AF507438-7753-43e0-B8FC-AC1667EBCBE1}">
+            <a:ext uri="{AF507438-7753-43E0-B8FC-AC1667EBCBE1}">
               <a14:hiddenEffects xmlns:a14="http://schemas.microsoft.com/office/drawing/2010/main">
                 <a:effectLst>
                   <a:outerShdw dist="35921" dir="2700000" algn="ctr" rotWithShape="0">
@@ -19738,14 +19677,14 @@
             <a:noFill/>
           </a:ln>
           <a:extLst>
-            <a:ext uri="{909E8E84-426E-40dd-AFC4-6F175D3DCCD1}">
+            <a:ext uri="{909E8E84-426E-40DD-AFC4-6F175D3DCCD1}">
               <a14:hiddenFill xmlns:a14="http://schemas.microsoft.com/office/drawing/2010/main">
                 <a:solidFill>
                   <a:srgbClr val="FFFFFF"/>
                 </a:solidFill>
               </a14:hiddenFill>
             </a:ext>
-            <a:ext uri="{91240B29-F687-4f45-9708-019B960494DF}">
+            <a:ext uri="{91240B29-F687-4F45-9708-019B960494DF}">
               <a14:hiddenLine xmlns:a14="http://schemas.microsoft.com/office/drawing/2010/main" w="9525">
                 <a:solidFill>
                   <a:srgbClr val="000000"/>
@@ -19902,14 +19841,14 @@
             <a:noFill/>
           </a:ln>
           <a:extLst>
-            <a:ext uri="{909E8E84-426E-40dd-AFC4-6F175D3DCCD1}">
+            <a:ext uri="{909E8E84-426E-40DD-AFC4-6F175D3DCCD1}">
               <a14:hiddenFill xmlns:a14="http://schemas.microsoft.com/office/drawing/2010/main">
                 <a:solidFill>
                   <a:srgbClr val="FFFFFF"/>
                 </a:solidFill>
               </a14:hiddenFill>
             </a:ext>
-            <a:ext uri="{91240B29-F687-4f45-9708-019B960494DF}">
+            <a:ext uri="{91240B29-F687-4F45-9708-019B960494DF}">
               <a14:hiddenLine xmlns:a14="http://schemas.microsoft.com/office/drawing/2010/main" w="9525">
                 <a:solidFill>
                   <a:srgbClr val="000000"/>
@@ -20066,14 +20005,14 @@
             <a:noFill/>
           </a:ln>
           <a:extLst>
-            <a:ext uri="{909E8E84-426E-40dd-AFC4-6F175D3DCCD1}">
+            <a:ext uri="{909E8E84-426E-40DD-AFC4-6F175D3DCCD1}">
               <a14:hiddenFill xmlns:a14="http://schemas.microsoft.com/office/drawing/2010/main">
                 <a:solidFill>
                   <a:srgbClr val="FFFFFF"/>
                 </a:solidFill>
               </a14:hiddenFill>
             </a:ext>
-            <a:ext uri="{91240B29-F687-4f45-9708-019B960494DF}">
+            <a:ext uri="{91240B29-F687-4F45-9708-019B960494DF}">
               <a14:hiddenLine xmlns:a14="http://schemas.microsoft.com/office/drawing/2010/main" w="9525" algn="ctr">
                 <a:solidFill>
                   <a:srgbClr val="000000"/>
@@ -20445,11 +20384,7 @@
           <a:p>
             <a:r>
               <a:rPr lang="es-ES" dirty="0" smtClean="0"/>
-              <a:t>Banca M</a:t>
-            </a:r>
-            <a:r>
-              <a:rPr lang="es-ES" dirty="0" smtClean="0"/>
-              <a:t>óvil</a:t>
+              <a:t>Banca Móvil</a:t>
             </a:r>
             <a:endParaRPr lang="es-ES" dirty="0"/>
           </a:p>
@@ -20597,7 +20532,7 @@
             <a:tailEnd type="triangle" w="med" len="med"/>
           </a:ln>
           <a:extLst>
-            <a:ext uri="{909E8E84-426E-40dd-AFC4-6F175D3DCCD1}">
+            <a:ext uri="{909E8E84-426E-40DD-AFC4-6F175D3DCCD1}">
               <a14:hiddenFill xmlns:a14="http://schemas.microsoft.com/office/drawing/2010/main">
                 <a:noFill/>
               </a14:hiddenFill>
@@ -20626,14 +20561,14 @@
             <a:noFill/>
           </a:ln>
           <a:extLst>
-            <a:ext uri="{909E8E84-426E-40dd-AFC4-6F175D3DCCD1}">
+            <a:ext uri="{909E8E84-426E-40DD-AFC4-6F175D3DCCD1}">
               <a14:hiddenFill xmlns:a14="http://schemas.microsoft.com/office/drawing/2010/main">
                 <a:solidFill>
                   <a:srgbClr val="FFFFFF"/>
                 </a:solidFill>
               </a14:hiddenFill>
             </a:ext>
-            <a:ext uri="{91240B29-F687-4f45-9708-019B960494DF}">
+            <a:ext uri="{91240B29-F687-4F45-9708-019B960494DF}">
               <a14:hiddenLine xmlns:a14="http://schemas.microsoft.com/office/drawing/2010/main" w="9525">
                 <a:solidFill>
                   <a:srgbClr val="000000"/>
@@ -20843,14 +20778,14 @@
               <a:noFill/>
             </a:ln>
             <a:extLst>
-              <a:ext uri="{909E8E84-426E-40dd-AFC4-6F175D3DCCD1}">
+              <a:ext uri="{909E8E84-426E-40DD-AFC4-6F175D3DCCD1}">
                 <a14:hiddenFill xmlns:a14="http://schemas.microsoft.com/office/drawing/2010/main">
                   <a:solidFill>
                     <a:srgbClr val="FFFFFF"/>
                   </a:solidFill>
                 </a14:hiddenFill>
               </a:ext>
-              <a:ext uri="{91240B29-F687-4f45-9708-019B960494DF}">
+              <a:ext uri="{91240B29-F687-4F45-9708-019B960494DF}">
                 <a14:hiddenLine xmlns:a14="http://schemas.microsoft.com/office/drawing/2010/main" w="9525">
                   <a:solidFill>
                     <a:srgbClr val="000000"/>
@@ -20997,14 +20932,14 @@
             <a:noFill/>
           </a:ln>
           <a:extLst>
-            <a:ext uri="{909E8E84-426E-40dd-AFC4-6F175D3DCCD1}">
+            <a:ext uri="{909E8E84-426E-40DD-AFC4-6F175D3DCCD1}">
               <a14:hiddenFill xmlns:a14="http://schemas.microsoft.com/office/drawing/2010/main">
                 <a:solidFill>
                   <a:srgbClr val="FFFFFF"/>
                 </a:solidFill>
               </a14:hiddenFill>
             </a:ext>
-            <a:ext uri="{91240B29-F687-4f45-9708-019B960494DF}">
+            <a:ext uri="{91240B29-F687-4F45-9708-019B960494DF}">
               <a14:hiddenLine xmlns:a14="http://schemas.microsoft.com/office/drawing/2010/main" w="9525">
                 <a:solidFill>
                   <a:srgbClr val="000000"/>
@@ -21045,14 +20980,14 @@
             <a:noFill/>
           </a:ln>
           <a:extLst>
-            <a:ext uri="{909E8E84-426E-40dd-AFC4-6F175D3DCCD1}">
+            <a:ext uri="{909E8E84-426E-40DD-AFC4-6F175D3DCCD1}">
               <a14:hiddenFill xmlns:a14="http://schemas.microsoft.com/office/drawing/2010/main">
                 <a:solidFill>
                   <a:srgbClr val="FFFFFF"/>
                 </a:solidFill>
               </a14:hiddenFill>
             </a:ext>
-            <a:ext uri="{91240B29-F687-4f45-9708-019B960494DF}">
+            <a:ext uri="{91240B29-F687-4F45-9708-019B960494DF}">
               <a14:hiddenLine xmlns:a14="http://schemas.microsoft.com/office/drawing/2010/main" w="9525" algn="ctr">
                 <a:solidFill>
                   <a:srgbClr val="000000"/>
@@ -21203,14 +21138,14 @@
             <a:noFill/>
           </a:ln>
           <a:extLst>
-            <a:ext uri="{909E8E84-426E-40dd-AFC4-6F175D3DCCD1}">
+            <a:ext uri="{909E8E84-426E-40DD-AFC4-6F175D3DCCD1}">
               <a14:hiddenFill xmlns:a14="http://schemas.microsoft.com/office/drawing/2010/main">
                 <a:solidFill>
                   <a:srgbClr val="FFFFFF"/>
                 </a:solidFill>
               </a14:hiddenFill>
             </a:ext>
-            <a:ext uri="{91240B29-F687-4f45-9708-019B960494DF}">
+            <a:ext uri="{91240B29-F687-4F45-9708-019B960494DF}">
               <a14:hiddenLine xmlns:a14="http://schemas.microsoft.com/office/drawing/2010/main" w="9525" algn="ctr">
                 <a:solidFill>
                   <a:srgbClr val="000000"/>
@@ -21400,14 +21335,14 @@
             <a:noFill/>
           </a:ln>
           <a:extLst>
-            <a:ext uri="{909E8E84-426E-40dd-AFC4-6F175D3DCCD1}">
+            <a:ext uri="{909E8E84-426E-40DD-AFC4-6F175D3DCCD1}">
               <a14:hiddenFill xmlns:a14="http://schemas.microsoft.com/office/drawing/2010/main">
                 <a:solidFill>
                   <a:srgbClr val="FFFFFF"/>
                 </a:solidFill>
               </a14:hiddenFill>
             </a:ext>
-            <a:ext uri="{91240B29-F687-4f45-9708-019B960494DF}">
+            <a:ext uri="{91240B29-F687-4F45-9708-019B960494DF}">
               <a14:hiddenLine xmlns:a14="http://schemas.microsoft.com/office/drawing/2010/main" w="15875">
                 <a:solidFill>
                   <a:srgbClr val="000000"/>
@@ -21629,14 +21564,14 @@
             <a:noFill/>
           </a:ln>
           <a:extLst>
-            <a:ext uri="{909E8E84-426E-40dd-AFC4-6F175D3DCCD1}">
+            <a:ext uri="{909E8E84-426E-40DD-AFC4-6F175D3DCCD1}">
               <a14:hiddenFill xmlns:a14="http://schemas.microsoft.com/office/drawing/2010/main">
                 <a:solidFill>
                   <a:srgbClr val="FFFFFF"/>
                 </a:solidFill>
               </a14:hiddenFill>
             </a:ext>
-            <a:ext uri="{91240B29-F687-4f45-9708-019B960494DF}">
+            <a:ext uri="{91240B29-F687-4F45-9708-019B960494DF}">
               <a14:hiddenLine xmlns:a14="http://schemas.microsoft.com/office/drawing/2010/main" w="9525" algn="ctr">
                 <a:solidFill>
                   <a:srgbClr val="000000"/>
@@ -21797,14 +21732,14 @@
             <a:noFill/>
           </a:ln>
           <a:extLst>
-            <a:ext uri="{909E8E84-426E-40dd-AFC4-6F175D3DCCD1}">
+            <a:ext uri="{909E8E84-426E-40DD-AFC4-6F175D3DCCD1}">
               <a14:hiddenFill xmlns:a14="http://schemas.microsoft.com/office/drawing/2010/main">
                 <a:solidFill>
                   <a:srgbClr val="FFFFFF"/>
                 </a:solidFill>
               </a14:hiddenFill>
             </a:ext>
-            <a:ext uri="{91240B29-F687-4f45-9708-019B960494DF}">
+            <a:ext uri="{91240B29-F687-4F45-9708-019B960494DF}">
               <a14:hiddenLine xmlns:a14="http://schemas.microsoft.com/office/drawing/2010/main" w="9525" algn="ctr">
                 <a:solidFill>
                   <a:srgbClr val="000000"/>
@@ -21955,14 +21890,14 @@
             <a:noFill/>
           </a:ln>
           <a:extLst>
-            <a:ext uri="{909E8E84-426E-40dd-AFC4-6F175D3DCCD1}">
+            <a:ext uri="{909E8E84-426E-40DD-AFC4-6F175D3DCCD1}">
               <a14:hiddenFill xmlns:a14="http://schemas.microsoft.com/office/drawing/2010/main">
                 <a:solidFill>
                   <a:srgbClr val="FFFFFF"/>
                 </a:solidFill>
               </a14:hiddenFill>
             </a:ext>
-            <a:ext uri="{91240B29-F687-4f45-9708-019B960494DF}">
+            <a:ext uri="{91240B29-F687-4F45-9708-019B960494DF}">
               <a14:hiddenLine xmlns:a14="http://schemas.microsoft.com/office/drawing/2010/main" w="9525">
                 <a:solidFill>
                   <a:srgbClr val="000000"/>
@@ -22259,11 +22194,7 @@
             <a:pPr algn="ctr"/>
             <a:r>
               <a:rPr lang="es-ES" dirty="0" smtClean="0"/>
-              <a:t>Movimientos de Tarjeta de Cr</a:t>
-            </a:r>
-            <a:r>
-              <a:rPr lang="es-ES" dirty="0" smtClean="0"/>
-              <a:t>édito</a:t>
+              <a:t>Movimientos de Tarjeta de Crédito</a:t>
             </a:r>
             <a:endParaRPr lang="es-ES" dirty="0"/>
           </a:p>
@@ -22323,11 +22254,7 @@
           <a:p>
             <a:r>
               <a:rPr lang="es-ES" dirty="0" smtClean="0"/>
-              <a:t>Banca M</a:t>
-            </a:r>
-            <a:r>
-              <a:rPr lang="es-ES" dirty="0" smtClean="0"/>
-              <a:t>óvil</a:t>
+              <a:t>Banca Móvil</a:t>
             </a:r>
             <a:endParaRPr lang="es-ES" dirty="0"/>
           </a:p>
@@ -22513,7 +22440,7 @@
             <a:tailEnd type="triangle" w="med" len="med"/>
           </a:ln>
           <a:extLst>
-            <a:ext uri="{909E8E84-426E-40dd-AFC4-6F175D3DCCD1}">
+            <a:ext uri="{909E8E84-426E-40DD-AFC4-6F175D3DCCD1}">
               <a14:hiddenFill xmlns:a14="http://schemas.microsoft.com/office/drawing/2010/main">
                 <a:noFill/>
               </a14:hiddenFill>
@@ -22542,14 +22469,14 @@
             <a:noFill/>
           </a:ln>
           <a:extLst>
-            <a:ext uri="{909E8E84-426E-40dd-AFC4-6F175D3DCCD1}">
+            <a:ext uri="{909E8E84-426E-40DD-AFC4-6F175D3DCCD1}">
               <a14:hiddenFill xmlns:a14="http://schemas.microsoft.com/office/drawing/2010/main">
                 <a:solidFill>
                   <a:srgbClr val="FFFFFF"/>
                 </a:solidFill>
               </a14:hiddenFill>
             </a:ext>
-            <a:ext uri="{91240B29-F687-4f45-9708-019B960494DF}">
+            <a:ext uri="{91240B29-F687-4F45-9708-019B960494DF}">
               <a14:hiddenLine xmlns:a14="http://schemas.microsoft.com/office/drawing/2010/main" w="9525">
                 <a:solidFill>
                   <a:srgbClr val="000000"/>
@@ -22805,14 +22732,14 @@
             <a:noFill/>
           </a:ln>
           <a:extLst>
-            <a:ext uri="{909E8E84-426E-40dd-AFC4-6F175D3DCCD1}">
+            <a:ext uri="{909E8E84-426E-40DD-AFC4-6F175D3DCCD1}">
               <a14:hiddenFill xmlns:a14="http://schemas.microsoft.com/office/drawing/2010/main">
                 <a:solidFill>
                   <a:srgbClr val="FFFFFF"/>
                 </a:solidFill>
               </a14:hiddenFill>
             </a:ext>
-            <a:ext uri="{91240B29-F687-4f45-9708-019B960494DF}">
+            <a:ext uri="{91240B29-F687-4F45-9708-019B960494DF}">
               <a14:hiddenLine xmlns:a14="http://schemas.microsoft.com/office/drawing/2010/main" w="9525">
                 <a:solidFill>
                   <a:srgbClr val="000000"/>
@@ -22982,14 +22909,14 @@
             <a:noFill/>
           </a:ln>
           <a:extLst>
-            <a:ext uri="{909E8E84-426E-40dd-AFC4-6F175D3DCCD1}">
+            <a:ext uri="{909E8E84-426E-40DD-AFC4-6F175D3DCCD1}">
               <a14:hiddenFill xmlns:a14="http://schemas.microsoft.com/office/drawing/2010/main">
                 <a:solidFill>
                   <a:srgbClr val="FFFFFF"/>
                 </a:solidFill>
               </a14:hiddenFill>
             </a:ext>
-            <a:ext uri="{91240B29-F687-4f45-9708-019B960494DF}">
+            <a:ext uri="{91240B29-F687-4F45-9708-019B960494DF}">
               <a14:hiddenLine xmlns:a14="http://schemas.microsoft.com/office/drawing/2010/main" w="9525">
                 <a:solidFill>
                   <a:srgbClr val="000000"/>
@@ -23140,14 +23067,14 @@
             <a:noFill/>
           </a:ln>
           <a:extLst>
-            <a:ext uri="{909E8E84-426E-40dd-AFC4-6F175D3DCCD1}">
+            <a:ext uri="{909E8E84-426E-40DD-AFC4-6F175D3DCCD1}">
               <a14:hiddenFill xmlns:a14="http://schemas.microsoft.com/office/drawing/2010/main">
                 <a:solidFill>
                   <a:srgbClr val="FFFFFF"/>
                 </a:solidFill>
               </a14:hiddenFill>
             </a:ext>
-            <a:ext uri="{91240B29-F687-4f45-9708-019B960494DF}">
+            <a:ext uri="{91240B29-F687-4F45-9708-019B960494DF}">
               <a14:hiddenLine xmlns:a14="http://schemas.microsoft.com/office/drawing/2010/main" w="9525">
                 <a:solidFill>
                   <a:srgbClr val="000000"/>
@@ -23202,7 +23129,7 @@
             <a:tailEnd/>
           </a:ln>
           <a:extLst>
-            <a:ext uri="{909E8E84-426E-40dd-AFC4-6F175D3DCCD1}">
+            <a:ext uri="{909E8E84-426E-40DD-AFC4-6F175D3DCCD1}">
               <a14:hiddenFill xmlns:a14="http://schemas.microsoft.com/office/drawing/2010/main">
                 <a:solidFill>
                   <a:srgbClr val="FFFFFF"/>
@@ -23245,14 +23172,14 @@
             <a:noFill/>
           </a:ln>
           <a:extLst>
-            <a:ext uri="{909E8E84-426E-40dd-AFC4-6F175D3DCCD1}">
+            <a:ext uri="{909E8E84-426E-40DD-AFC4-6F175D3DCCD1}">
               <a14:hiddenFill xmlns:a14="http://schemas.microsoft.com/office/drawing/2010/main">
                 <a:solidFill>
                   <a:srgbClr val="FFFFFF"/>
                 </a:solidFill>
               </a14:hiddenFill>
             </a:ext>
-            <a:ext uri="{91240B29-F687-4f45-9708-019B960494DF}">
+            <a:ext uri="{91240B29-F687-4F45-9708-019B960494DF}">
               <a14:hiddenLine xmlns:a14="http://schemas.microsoft.com/office/drawing/2010/main" w="9525">
                 <a:solidFill>
                   <a:srgbClr val="000000"/>
@@ -23433,14 +23360,14 @@
             <a:noFill/>
           </a:ln>
           <a:extLst>
-            <a:ext uri="{909E8E84-426E-40dd-AFC4-6F175D3DCCD1}">
+            <a:ext uri="{909E8E84-426E-40DD-AFC4-6F175D3DCCD1}">
               <a14:hiddenFill xmlns:a14="http://schemas.microsoft.com/office/drawing/2010/main">
                 <a:solidFill>
                   <a:srgbClr val="FFFFFF"/>
                 </a:solidFill>
               </a14:hiddenFill>
             </a:ext>
-            <a:ext uri="{91240B29-F687-4f45-9708-019B960494DF}">
+            <a:ext uri="{91240B29-F687-4F45-9708-019B960494DF}">
               <a14:hiddenLine xmlns:a14="http://schemas.microsoft.com/office/drawing/2010/main" w="9525">
                 <a:solidFill>
                   <a:srgbClr val="000000"/>
@@ -23599,14 +23526,14 @@
             <a:noFill/>
           </a:ln>
           <a:extLst>
-            <a:ext uri="{909E8E84-426E-40dd-AFC4-6F175D3DCCD1}">
+            <a:ext uri="{909E8E84-426E-40DD-AFC4-6F175D3DCCD1}">
               <a14:hiddenFill xmlns:a14="http://schemas.microsoft.com/office/drawing/2010/main">
                 <a:solidFill>
                   <a:srgbClr val="FFFFFF"/>
                 </a:solidFill>
               </a14:hiddenFill>
             </a:ext>
-            <a:ext uri="{91240B29-F687-4f45-9708-019B960494DF}">
+            <a:ext uri="{91240B29-F687-4F45-9708-019B960494DF}">
               <a14:hiddenLine xmlns:a14="http://schemas.microsoft.com/office/drawing/2010/main" w="9525">
                 <a:solidFill>
                   <a:srgbClr val="000000"/>
@@ -23833,14 +23760,14 @@
               <a:noFill/>
             </a:ln>
             <a:extLst>
-              <a:ext uri="{909E8E84-426E-40dd-AFC4-6F175D3DCCD1}">
+              <a:ext uri="{909E8E84-426E-40DD-AFC4-6F175D3DCCD1}">
                 <a14:hiddenFill xmlns:a14="http://schemas.microsoft.com/office/drawing/2010/main">
                   <a:solidFill>
                     <a:srgbClr val="FFFFFF"/>
                   </a:solidFill>
                 </a14:hiddenFill>
               </a:ext>
-              <a:ext uri="{91240B29-F687-4f45-9708-019B960494DF}">
+              <a:ext uri="{91240B29-F687-4F45-9708-019B960494DF}">
                 <a14:hiddenLine xmlns:a14="http://schemas.microsoft.com/office/drawing/2010/main" w="9525">
                   <a:solidFill>
                     <a:srgbClr val="000000"/>
@@ -24052,14 +23979,14 @@
             <a:noFill/>
           </a:ln>
           <a:extLst>
-            <a:ext uri="{909E8E84-426E-40dd-AFC4-6F175D3DCCD1}">
+            <a:ext uri="{909E8E84-426E-40DD-AFC4-6F175D3DCCD1}">
               <a14:hiddenFill xmlns:a14="http://schemas.microsoft.com/office/drawing/2010/main">
                 <a:solidFill>
                   <a:srgbClr val="FFFFFF"/>
                 </a:solidFill>
               </a14:hiddenFill>
             </a:ext>
-            <a:ext uri="{91240B29-F687-4f45-9708-019B960494DF}">
+            <a:ext uri="{91240B29-F687-4F45-9708-019B960494DF}">
               <a14:hiddenLine xmlns:a14="http://schemas.microsoft.com/office/drawing/2010/main" w="9525">
                 <a:solidFill>
                   <a:srgbClr val="000000"/>
@@ -24214,14 +24141,14 @@
             <a:noFill/>
           </a:ln>
           <a:extLst>
-            <a:ext uri="{909E8E84-426E-40dd-AFC4-6F175D3DCCD1}">
+            <a:ext uri="{909E8E84-426E-40DD-AFC4-6F175D3DCCD1}">
               <a14:hiddenFill xmlns:a14="http://schemas.microsoft.com/office/drawing/2010/main">
                 <a:solidFill>
                   <a:srgbClr val="FFFFFF"/>
                 </a:solidFill>
               </a14:hiddenFill>
             </a:ext>
-            <a:ext uri="{91240B29-F687-4f45-9708-019B960494DF}">
+            <a:ext uri="{91240B29-F687-4F45-9708-019B960494DF}">
               <a14:hiddenLine xmlns:a14="http://schemas.microsoft.com/office/drawing/2010/main" w="9525">
                 <a:solidFill>
                   <a:srgbClr val="000000"/>
@@ -24559,11 +24486,7 @@
           <a:p>
             <a:r>
               <a:rPr lang="es-ES" dirty="0" smtClean="0"/>
-              <a:t>Banca M</a:t>
-            </a:r>
-            <a:r>
-              <a:rPr lang="es-ES" dirty="0" smtClean="0"/>
-              <a:t>óvil</a:t>
+              <a:t>Banca Móvil</a:t>
             </a:r>
             <a:endParaRPr lang="es-ES" dirty="0"/>
           </a:p>
@@ -24760,14 +24683,14 @@
             <a:noFill/>
           </a:ln>
           <a:extLst>
-            <a:ext uri="{909E8E84-426E-40dd-AFC4-6F175D3DCCD1}">
+            <a:ext uri="{909E8E84-426E-40DD-AFC4-6F175D3DCCD1}">
               <a14:hiddenFill xmlns:a14="http://schemas.microsoft.com/office/drawing/2010/main">
                 <a:solidFill>
                   <a:srgbClr val="FFFFFF"/>
                 </a:solidFill>
               </a14:hiddenFill>
             </a:ext>
-            <a:ext uri="{91240B29-F687-4f45-9708-019B960494DF}">
+            <a:ext uri="{91240B29-F687-4F45-9708-019B960494DF}">
               <a14:hiddenLine xmlns:a14="http://schemas.microsoft.com/office/drawing/2010/main" w="9525">
                 <a:solidFill>
                   <a:srgbClr val="000000"/>
@@ -24808,14 +24731,14 @@
             <a:noFill/>
           </a:ln>
           <a:extLst>
-            <a:ext uri="{909E8E84-426E-40dd-AFC4-6F175D3DCCD1}">
+            <a:ext uri="{909E8E84-426E-40DD-AFC4-6F175D3DCCD1}">
               <a14:hiddenFill xmlns:a14="http://schemas.microsoft.com/office/drawing/2010/main">
                 <a:solidFill>
                   <a:srgbClr val="FFFFFF"/>
                 </a:solidFill>
               </a14:hiddenFill>
             </a:ext>
-            <a:ext uri="{91240B29-F687-4f45-9708-019B960494DF}">
+            <a:ext uri="{91240B29-F687-4F45-9708-019B960494DF}">
               <a14:hiddenLine xmlns:a14="http://schemas.microsoft.com/office/drawing/2010/main" w="9525">
                 <a:solidFill>
                   <a:srgbClr val="000000"/>
@@ -24856,14 +24779,14 @@
             <a:noFill/>
           </a:ln>
           <a:extLst>
-            <a:ext uri="{909E8E84-426E-40dd-AFC4-6F175D3DCCD1}">
+            <a:ext uri="{909E8E84-426E-40DD-AFC4-6F175D3DCCD1}">
               <a14:hiddenFill xmlns:a14="http://schemas.microsoft.com/office/drawing/2010/main">
                 <a:solidFill>
                   <a:srgbClr val="FFFFFF"/>
                 </a:solidFill>
               </a14:hiddenFill>
             </a:ext>
-            <a:ext uri="{91240B29-F687-4f45-9708-019B960494DF}">
+            <a:ext uri="{91240B29-F687-4F45-9708-019B960494DF}">
               <a14:hiddenLine xmlns:a14="http://schemas.microsoft.com/office/drawing/2010/main" w="9525">
                 <a:solidFill>
                   <a:srgbClr val="000000"/>
@@ -24904,14 +24827,14 @@
             <a:noFill/>
           </a:ln>
           <a:extLst>
-            <a:ext uri="{909E8E84-426E-40dd-AFC4-6F175D3DCCD1}">
+            <a:ext uri="{909E8E84-426E-40DD-AFC4-6F175D3DCCD1}">
               <a14:hiddenFill xmlns:a14="http://schemas.microsoft.com/office/drawing/2010/main">
                 <a:solidFill>
                   <a:srgbClr val="FFFFFF"/>
                 </a:solidFill>
               </a14:hiddenFill>
             </a:ext>
-            <a:ext uri="{91240B29-F687-4f45-9708-019B960494DF}">
+            <a:ext uri="{91240B29-F687-4F45-9708-019B960494DF}">
               <a14:hiddenLine xmlns:a14="http://schemas.microsoft.com/office/drawing/2010/main" w="9525">
                 <a:solidFill>
                   <a:srgbClr val="000000"/>
@@ -25062,14 +24985,14 @@
             <a:noFill/>
           </a:ln>
           <a:extLst>
-            <a:ext uri="{909E8E84-426E-40dd-AFC4-6F175D3DCCD1}">
+            <a:ext uri="{909E8E84-426E-40DD-AFC4-6F175D3DCCD1}">
               <a14:hiddenFill xmlns:a14="http://schemas.microsoft.com/office/drawing/2010/main">
                 <a:solidFill>
                   <a:srgbClr val="FFFFFF"/>
                 </a:solidFill>
               </a14:hiddenFill>
             </a:ext>
-            <a:ext uri="{91240B29-F687-4f45-9708-019B960494DF}">
+            <a:ext uri="{91240B29-F687-4F45-9708-019B960494DF}">
               <a14:hiddenLine xmlns:a14="http://schemas.microsoft.com/office/drawing/2010/main" w="9525">
                 <a:solidFill>
                   <a:srgbClr val="000000"/>
@@ -25224,14 +25147,14 @@
             <a:noFill/>
           </a:ln>
           <a:extLst>
-            <a:ext uri="{909E8E84-426E-40dd-AFC4-6F175D3DCCD1}">
+            <a:ext uri="{909E8E84-426E-40DD-AFC4-6F175D3DCCD1}">
               <a14:hiddenFill xmlns:a14="http://schemas.microsoft.com/office/drawing/2010/main">
                 <a:solidFill>
                   <a:srgbClr val="FFFFFF"/>
                 </a:solidFill>
               </a14:hiddenFill>
             </a:ext>
-            <a:ext uri="{91240B29-F687-4f45-9708-019B960494DF}">
+            <a:ext uri="{91240B29-F687-4F45-9708-019B960494DF}">
               <a14:hiddenLine xmlns:a14="http://schemas.microsoft.com/office/drawing/2010/main" w="9525" algn="ctr">
                 <a:solidFill>
                   <a:srgbClr val="000000"/>
@@ -25389,14 +25312,14 @@
             <a:noFill/>
           </a:ln>
           <a:extLst>
-            <a:ext uri="{909E8E84-426E-40dd-AFC4-6F175D3DCCD1}">
+            <a:ext uri="{909E8E84-426E-40DD-AFC4-6F175D3DCCD1}">
               <a14:hiddenFill xmlns:a14="http://schemas.microsoft.com/office/drawing/2010/main">
                 <a:solidFill>
                   <a:srgbClr val="FFFFFF"/>
                 </a:solidFill>
               </a14:hiddenFill>
             </a:ext>
-            <a:ext uri="{91240B29-F687-4f45-9708-019B960494DF}">
+            <a:ext uri="{91240B29-F687-4F45-9708-019B960494DF}">
               <a14:hiddenLine xmlns:a14="http://schemas.microsoft.com/office/drawing/2010/main" w="9525" algn="ctr">
                 <a:solidFill>
                   <a:srgbClr val="000000"/>
@@ -25568,14 +25491,14 @@
             <a:noFill/>
           </a:ln>
           <a:extLst>
-            <a:ext uri="{909E8E84-426E-40dd-AFC4-6F175D3DCCD1}">
+            <a:ext uri="{909E8E84-426E-40DD-AFC4-6F175D3DCCD1}">
               <a14:hiddenFill xmlns:a14="http://schemas.microsoft.com/office/drawing/2010/main">
                 <a:solidFill>
                   <a:srgbClr val="FFFFFF"/>
                 </a:solidFill>
               </a14:hiddenFill>
             </a:ext>
-            <a:ext uri="{91240B29-F687-4f45-9708-019B960494DF}">
+            <a:ext uri="{91240B29-F687-4F45-9708-019B960494DF}">
               <a14:hiddenLine xmlns:a14="http://schemas.microsoft.com/office/drawing/2010/main" w="9525" algn="ctr">
                 <a:solidFill>
                   <a:srgbClr val="000000"/>
@@ -25742,14 +25665,14 @@
               <a:noFill/>
             </a:ln>
             <a:extLst>
-              <a:ext uri="{909E8E84-426E-40dd-AFC4-6F175D3DCCD1}">
+              <a:ext uri="{909E8E84-426E-40DD-AFC4-6F175D3DCCD1}">
                 <a14:hiddenFill xmlns:a14="http://schemas.microsoft.com/office/drawing/2010/main">
                   <a:solidFill>
                     <a:srgbClr val="FFFFFF"/>
                   </a:solidFill>
                 </a14:hiddenFill>
               </a:ext>
-              <a:ext uri="{91240B29-F687-4f45-9708-019B960494DF}">
+              <a:ext uri="{91240B29-F687-4F45-9708-019B960494DF}">
                 <a14:hiddenLine xmlns:a14="http://schemas.microsoft.com/office/drawing/2010/main" w="9525">
                   <a:solidFill>
                     <a:srgbClr val="000000"/>
@@ -25822,7 +25745,7 @@
               <a:tailEnd type="none" w="sm" len="sm"/>
             </a:ln>
             <a:extLst>
-              <a:ext uri="{909E8E84-426E-40dd-AFC4-6F175D3DCCD1}">
+              <a:ext uri="{909E8E84-426E-40DD-AFC4-6F175D3DCCD1}">
                 <a14:hiddenFill xmlns:a14="http://schemas.microsoft.com/office/drawing/2010/main">
                   <a:solidFill>
                     <a:srgbClr val="FFFFFF"/>
@@ -25913,14 +25836,14 @@
               <a:noFill/>
             </a:ln>
             <a:extLst>
-              <a:ext uri="{909E8E84-426E-40dd-AFC4-6F175D3DCCD1}">
+              <a:ext uri="{909E8E84-426E-40DD-AFC4-6F175D3DCCD1}">
                 <a14:hiddenFill xmlns:a14="http://schemas.microsoft.com/office/drawing/2010/main">
                   <a:solidFill>
                     <a:srgbClr val="FFFFFF"/>
                   </a:solidFill>
                 </a14:hiddenFill>
               </a:ext>
-              <a:ext uri="{91240B29-F687-4f45-9708-019B960494DF}">
+              <a:ext uri="{91240B29-F687-4F45-9708-019B960494DF}">
                 <a14:hiddenLine xmlns:a14="http://schemas.microsoft.com/office/drawing/2010/main" w="9525">
                   <a:solidFill>
                     <a:srgbClr val="000000"/>
@@ -25983,7 +25906,7 @@
               <a:tailEnd type="none" w="sm" len="sm"/>
             </a:ln>
             <a:extLst>
-              <a:ext uri="{909E8E84-426E-40dd-AFC4-6F175D3DCCD1}">
+              <a:ext uri="{909E8E84-426E-40DD-AFC4-6F175D3DCCD1}">
                 <a14:hiddenFill xmlns:a14="http://schemas.microsoft.com/office/drawing/2010/main">
                   <a:solidFill>
                     <a:srgbClr val="FFFFFF"/>
@@ -26058,14 +25981,14 @@
             <a:noFill/>
           </a:ln>
           <a:extLst>
-            <a:ext uri="{909E8E84-426E-40dd-AFC4-6F175D3DCCD1}">
+            <a:ext uri="{909E8E84-426E-40DD-AFC4-6F175D3DCCD1}">
               <a14:hiddenFill xmlns:a14="http://schemas.microsoft.com/office/drawing/2010/main">
                 <a:solidFill>
                   <a:srgbClr val="FFFFFF"/>
                 </a:solidFill>
               </a14:hiddenFill>
             </a:ext>
-            <a:ext uri="{91240B29-F687-4f45-9708-019B960494DF}">
+            <a:ext uri="{91240B29-F687-4F45-9708-019B960494DF}">
               <a14:hiddenLine xmlns:a14="http://schemas.microsoft.com/office/drawing/2010/main" w="9525">
                 <a:solidFill>
                   <a:srgbClr val="000000"/>
@@ -26393,11 +26316,7 @@
           <a:p>
             <a:r>
               <a:rPr lang="es-ES" dirty="0" smtClean="0"/>
-              <a:t>Banca M</a:t>
-            </a:r>
-            <a:r>
-              <a:rPr lang="es-ES" dirty="0" smtClean="0"/>
-              <a:t>óvil</a:t>
+              <a:t>Banca Móvil</a:t>
             </a:r>
             <a:endParaRPr lang="es-ES" dirty="0"/>
           </a:p>
@@ -26542,7 +26461,7 @@
             <a:tailEnd type="triangle" w="med" len="med"/>
           </a:ln>
           <a:extLst>
-            <a:ext uri="{909E8E84-426E-40dd-AFC4-6F175D3DCCD1}">
+            <a:ext uri="{909E8E84-426E-40DD-AFC4-6F175D3DCCD1}">
               <a14:hiddenFill xmlns:a14="http://schemas.microsoft.com/office/drawing/2010/main">
                 <a:noFill/>
               </a14:hiddenFill>
@@ -26632,14 +26551,14 @@
             <a:noFill/>
           </a:ln>
           <a:extLst>
-            <a:ext uri="{909E8E84-426E-40dd-AFC4-6F175D3DCCD1}">
+            <a:ext uri="{909E8E84-426E-40DD-AFC4-6F175D3DCCD1}">
               <a14:hiddenFill xmlns:a14="http://schemas.microsoft.com/office/drawing/2010/main">
                 <a:solidFill>
                   <a:srgbClr val="FFFFFF"/>
                 </a:solidFill>
               </a14:hiddenFill>
             </a:ext>
-            <a:ext uri="{91240B29-F687-4f45-9708-019B960494DF}">
+            <a:ext uri="{91240B29-F687-4F45-9708-019B960494DF}">
               <a14:hiddenLine xmlns:a14="http://schemas.microsoft.com/office/drawing/2010/main" w="9525">
                 <a:solidFill>
                   <a:srgbClr val="000000"/>
@@ -26680,14 +26599,14 @@
             <a:noFill/>
           </a:ln>
           <a:extLst>
-            <a:ext uri="{909E8E84-426E-40dd-AFC4-6F175D3DCCD1}">
+            <a:ext uri="{909E8E84-426E-40DD-AFC4-6F175D3DCCD1}">
               <a14:hiddenFill xmlns:a14="http://schemas.microsoft.com/office/drawing/2010/main">
                 <a:solidFill>
                   <a:srgbClr val="FFFFFF"/>
                 </a:solidFill>
               </a14:hiddenFill>
             </a:ext>
-            <a:ext uri="{91240B29-F687-4f45-9708-019B960494DF}">
+            <a:ext uri="{91240B29-F687-4F45-9708-019B960494DF}">
               <a14:hiddenLine xmlns:a14="http://schemas.microsoft.com/office/drawing/2010/main" w="9525">
                 <a:solidFill>
                   <a:srgbClr val="000000"/>
@@ -26728,14 +26647,14 @@
             <a:noFill/>
           </a:ln>
           <a:extLst>
-            <a:ext uri="{909E8E84-426E-40dd-AFC4-6F175D3DCCD1}">
+            <a:ext uri="{909E8E84-426E-40DD-AFC4-6F175D3DCCD1}">
               <a14:hiddenFill xmlns:a14="http://schemas.microsoft.com/office/drawing/2010/main">
                 <a:solidFill>
                   <a:srgbClr val="FFFFFF"/>
                 </a:solidFill>
               </a14:hiddenFill>
             </a:ext>
-            <a:ext uri="{91240B29-F687-4f45-9708-019B960494DF}">
+            <a:ext uri="{91240B29-F687-4F45-9708-019B960494DF}">
               <a14:hiddenLine xmlns:a14="http://schemas.microsoft.com/office/drawing/2010/main" w="9525">
                 <a:solidFill>
                   <a:srgbClr val="000000"/>
@@ -26945,14 +26864,14 @@
               <a:noFill/>
             </a:ln>
             <a:extLst>
-              <a:ext uri="{909E8E84-426E-40dd-AFC4-6F175D3DCCD1}">
+              <a:ext uri="{909E8E84-426E-40DD-AFC4-6F175D3DCCD1}">
                 <a14:hiddenFill xmlns:a14="http://schemas.microsoft.com/office/drawing/2010/main">
                   <a:solidFill>
                     <a:srgbClr val="FFFFFF"/>
                   </a:solidFill>
                 </a14:hiddenFill>
               </a:ext>
-              <a:ext uri="{91240B29-F687-4f45-9708-019B960494DF}">
+              <a:ext uri="{91240B29-F687-4F45-9708-019B960494DF}">
                 <a14:hiddenLine xmlns:a14="http://schemas.microsoft.com/office/drawing/2010/main" w="9525">
                   <a:solidFill>
                     <a:srgbClr val="000000"/>
@@ -27100,7 +27019,7 @@
               <a:noFill/>
             </a:ln>
             <a:extLst>
-              <a:ext uri="{91240B29-F687-4f45-9708-019B960494DF}">
+              <a:ext uri="{91240B29-F687-4F45-9708-019B960494DF}">
                 <a14:hiddenLine xmlns:a14="http://schemas.microsoft.com/office/drawing/2010/main" w="15875" algn="ctr">
                   <a:solidFill>
                     <a:srgbClr val="000000"/>
@@ -27146,14 +27065,14 @@
             <a:noFill/>
           </a:ln>
           <a:extLst>
-            <a:ext uri="{909E8E84-426E-40dd-AFC4-6F175D3DCCD1}">
+            <a:ext uri="{909E8E84-426E-40DD-AFC4-6F175D3DCCD1}">
               <a14:hiddenFill xmlns:a14="http://schemas.microsoft.com/office/drawing/2010/main">
                 <a:solidFill>
                   <a:srgbClr val="FFFFFF"/>
                 </a:solidFill>
               </a14:hiddenFill>
             </a:ext>
-            <a:ext uri="{91240B29-F687-4f45-9708-019B960494DF}">
+            <a:ext uri="{91240B29-F687-4F45-9708-019B960494DF}">
               <a14:hiddenLine xmlns:a14="http://schemas.microsoft.com/office/drawing/2010/main" w="9525">
                 <a:solidFill>
                   <a:srgbClr val="000000"/>
@@ -27292,14 +27211,14 @@
             <a:noFill/>
           </a:ln>
           <a:extLst>
-            <a:ext uri="{909E8E84-426E-40dd-AFC4-6F175D3DCCD1}">
+            <a:ext uri="{909E8E84-426E-40DD-AFC4-6F175D3DCCD1}">
               <a14:hiddenFill xmlns:a14="http://schemas.microsoft.com/office/drawing/2010/main">
                 <a:solidFill>
                   <a:srgbClr val="FFFFFF"/>
                 </a:solidFill>
               </a14:hiddenFill>
             </a:ext>
-            <a:ext uri="{91240B29-F687-4f45-9708-019B960494DF}">
+            <a:ext uri="{91240B29-F687-4F45-9708-019B960494DF}">
               <a14:hiddenLine xmlns:a14="http://schemas.microsoft.com/office/drawing/2010/main" w="9525" algn="ctr">
                 <a:solidFill>
                   <a:srgbClr val="000000"/>
@@ -27457,14 +27376,14 @@
             <a:noFill/>
           </a:ln>
           <a:extLst>
-            <a:ext uri="{909E8E84-426E-40dd-AFC4-6F175D3DCCD1}">
+            <a:ext uri="{909E8E84-426E-40DD-AFC4-6F175D3DCCD1}">
               <a14:hiddenFill xmlns:a14="http://schemas.microsoft.com/office/drawing/2010/main">
                 <a:solidFill>
                   <a:srgbClr val="FFFFFF"/>
                 </a:solidFill>
               </a14:hiddenFill>
             </a:ext>
-            <a:ext uri="{91240B29-F687-4f45-9708-019B960494DF}">
+            <a:ext uri="{91240B29-F687-4F45-9708-019B960494DF}">
               <a14:hiddenLine xmlns:a14="http://schemas.microsoft.com/office/drawing/2010/main" w="9525" algn="ctr">
                 <a:solidFill>
                   <a:srgbClr val="000000"/>
@@ -27636,14 +27555,14 @@
             <a:noFill/>
           </a:ln>
           <a:extLst>
-            <a:ext uri="{909E8E84-426E-40dd-AFC4-6F175D3DCCD1}">
+            <a:ext uri="{909E8E84-426E-40DD-AFC4-6F175D3DCCD1}">
               <a14:hiddenFill xmlns:a14="http://schemas.microsoft.com/office/drawing/2010/main">
                 <a:solidFill>
                   <a:srgbClr val="FFFFFF"/>
                 </a:solidFill>
               </a14:hiddenFill>
             </a:ext>
-            <a:ext uri="{91240B29-F687-4f45-9708-019B960494DF}">
+            <a:ext uri="{91240B29-F687-4F45-9708-019B960494DF}">
               <a14:hiddenLine xmlns:a14="http://schemas.microsoft.com/office/drawing/2010/main" w="9525" algn="ctr">
                 <a:solidFill>
                   <a:srgbClr val="000000"/>
@@ -27824,14 +27743,14 @@
               <a:noFill/>
             </a:ln>
             <a:extLst>
-              <a:ext uri="{909E8E84-426E-40dd-AFC4-6F175D3DCCD1}">
+              <a:ext uri="{909E8E84-426E-40DD-AFC4-6F175D3DCCD1}">
                 <a14:hiddenFill xmlns:a14="http://schemas.microsoft.com/office/drawing/2010/main">
                   <a:solidFill>
                     <a:srgbClr val="FFFFFF"/>
                   </a:solidFill>
                 </a14:hiddenFill>
               </a:ext>
-              <a:ext uri="{91240B29-F687-4f45-9708-019B960494DF}">
+              <a:ext uri="{91240B29-F687-4F45-9708-019B960494DF}">
                 <a14:hiddenLine xmlns:a14="http://schemas.microsoft.com/office/drawing/2010/main" w="9525">
                   <a:solidFill>
                     <a:srgbClr val="000000"/>
@@ -27928,7 +27847,7 @@
               <a:tailEnd type="none" w="sm" len="sm"/>
             </a:ln>
             <a:extLst>
-              <a:ext uri="{909E8E84-426E-40dd-AFC4-6F175D3DCCD1}">
+              <a:ext uri="{909E8E84-426E-40DD-AFC4-6F175D3DCCD1}">
                 <a14:hiddenFill xmlns:a14="http://schemas.microsoft.com/office/drawing/2010/main">
                   <a:solidFill>
                     <a:srgbClr val="FFFFFF"/>
@@ -28003,14 +27922,14 @@
             <a:noFill/>
           </a:ln>
           <a:extLst>
-            <a:ext uri="{909E8E84-426E-40dd-AFC4-6F175D3DCCD1}">
+            <a:ext uri="{909E8E84-426E-40DD-AFC4-6F175D3DCCD1}">
               <a14:hiddenFill xmlns:a14="http://schemas.microsoft.com/office/drawing/2010/main">
                 <a:solidFill>
                   <a:srgbClr val="FFFFFF"/>
                 </a:solidFill>
               </a14:hiddenFill>
             </a:ext>
-            <a:ext uri="{91240B29-F687-4f45-9708-019B960494DF}">
+            <a:ext uri="{91240B29-F687-4F45-9708-019B960494DF}">
               <a14:hiddenLine xmlns:a14="http://schemas.microsoft.com/office/drawing/2010/main" w="9525" algn="ctr">
                 <a:solidFill>
                   <a:srgbClr val="000000"/>
@@ -28161,14 +28080,14 @@
             <a:noFill/>
           </a:ln>
           <a:extLst>
-            <a:ext uri="{909E8E84-426E-40dd-AFC4-6F175D3DCCD1}">
+            <a:ext uri="{909E8E84-426E-40DD-AFC4-6F175D3DCCD1}">
               <a14:hiddenFill xmlns:a14="http://schemas.microsoft.com/office/drawing/2010/main">
                 <a:solidFill>
                   <a:srgbClr val="FFFFFF"/>
                 </a:solidFill>
               </a14:hiddenFill>
             </a:ext>
-            <a:ext uri="{91240B29-F687-4f45-9708-019B960494DF}">
+            <a:ext uri="{91240B29-F687-4F45-9708-019B960494DF}">
               <a14:hiddenLine xmlns:a14="http://schemas.microsoft.com/office/drawing/2010/main" w="9525">
                 <a:solidFill>
                   <a:srgbClr val="000000"/>
@@ -28335,14 +28254,14 @@
               <a:noFill/>
             </a:ln>
             <a:extLst>
-              <a:ext uri="{909E8E84-426E-40dd-AFC4-6F175D3DCCD1}">
+              <a:ext uri="{909E8E84-426E-40DD-AFC4-6F175D3DCCD1}">
                 <a14:hiddenFill xmlns:a14="http://schemas.microsoft.com/office/drawing/2010/main">
                   <a:solidFill>
                     <a:srgbClr val="FFFFFF"/>
                   </a:solidFill>
                 </a14:hiddenFill>
               </a:ext>
-              <a:ext uri="{91240B29-F687-4f45-9708-019B960494DF}">
+              <a:ext uri="{91240B29-F687-4F45-9708-019B960494DF}">
                 <a14:hiddenLine xmlns:a14="http://schemas.microsoft.com/office/drawing/2010/main" w="9525">
                   <a:solidFill>
                     <a:srgbClr val="000000"/>
@@ -28422,7 +28341,7 @@
               <a:tailEnd type="none" w="sm" len="sm"/>
             </a:ln>
             <a:extLst>
-              <a:ext uri="{909E8E84-426E-40dd-AFC4-6F175D3DCCD1}">
+              <a:ext uri="{909E8E84-426E-40DD-AFC4-6F175D3DCCD1}">
                 <a14:hiddenFill xmlns:a14="http://schemas.microsoft.com/office/drawing/2010/main">
                   <a:solidFill>
                     <a:srgbClr val="FFFFFF"/>
@@ -28513,14 +28432,14 @@
               <a:noFill/>
             </a:ln>
             <a:extLst>
-              <a:ext uri="{909E8E84-426E-40dd-AFC4-6F175D3DCCD1}">
+              <a:ext uri="{909E8E84-426E-40DD-AFC4-6F175D3DCCD1}">
                 <a14:hiddenFill xmlns:a14="http://schemas.microsoft.com/office/drawing/2010/main">
                   <a:solidFill>
                     <a:srgbClr val="FFFFFF"/>
                   </a:solidFill>
                 </a14:hiddenFill>
               </a:ext>
-              <a:ext uri="{91240B29-F687-4f45-9708-019B960494DF}">
+              <a:ext uri="{91240B29-F687-4F45-9708-019B960494DF}">
                 <a14:hiddenLine xmlns:a14="http://schemas.microsoft.com/office/drawing/2010/main" w="9525">
                   <a:solidFill>
                     <a:srgbClr val="000000"/>
@@ -28593,7 +28512,7 @@
               <a:tailEnd type="none" w="sm" len="sm"/>
             </a:ln>
             <a:extLst>
-              <a:ext uri="{909E8E84-426E-40dd-AFC4-6F175D3DCCD1}">
+              <a:ext uri="{909E8E84-426E-40DD-AFC4-6F175D3DCCD1}">
                 <a14:hiddenFill xmlns:a14="http://schemas.microsoft.com/office/drawing/2010/main">
                   <a:solidFill>
                     <a:srgbClr val="FFFFFF"/>
@@ -28684,14 +28603,14 @@
               <a:noFill/>
             </a:ln>
             <a:extLst>
-              <a:ext uri="{909E8E84-426E-40dd-AFC4-6F175D3DCCD1}">
+              <a:ext uri="{909E8E84-426E-40DD-AFC4-6F175D3DCCD1}">
                 <a14:hiddenFill xmlns:a14="http://schemas.microsoft.com/office/drawing/2010/main">
                   <a:solidFill>
                     <a:srgbClr val="FFFFFF"/>
                   </a:solidFill>
                 </a14:hiddenFill>
               </a:ext>
-              <a:ext uri="{91240B29-F687-4f45-9708-019B960494DF}">
+              <a:ext uri="{91240B29-F687-4F45-9708-019B960494DF}">
                 <a14:hiddenLine xmlns:a14="http://schemas.microsoft.com/office/drawing/2010/main" w="9525">
                   <a:solidFill>
                     <a:srgbClr val="000000"/>
@@ -28771,7 +28690,7 @@
               <a:tailEnd type="none" w="sm" len="sm"/>
             </a:ln>
             <a:extLst>
-              <a:ext uri="{909E8E84-426E-40dd-AFC4-6F175D3DCCD1}">
+              <a:ext uri="{909E8E84-426E-40DD-AFC4-6F175D3DCCD1}">
                 <a14:hiddenFill xmlns:a14="http://schemas.microsoft.com/office/drawing/2010/main">
                   <a:solidFill>
                     <a:srgbClr val="FFFFFF"/>
@@ -28862,14 +28781,14 @@
               <a:noFill/>
             </a:ln>
             <a:extLst>
-              <a:ext uri="{909E8E84-426E-40dd-AFC4-6F175D3DCCD1}">
+              <a:ext uri="{909E8E84-426E-40DD-AFC4-6F175D3DCCD1}">
                 <a14:hiddenFill xmlns:a14="http://schemas.microsoft.com/office/drawing/2010/main">
                   <a:solidFill>
                     <a:srgbClr val="FFFFFF"/>
                   </a:solidFill>
                 </a14:hiddenFill>
               </a:ext>
-              <a:ext uri="{91240B29-F687-4f45-9708-019B960494DF}">
+              <a:ext uri="{91240B29-F687-4F45-9708-019B960494DF}">
                 <a14:hiddenLine xmlns:a14="http://schemas.microsoft.com/office/drawing/2010/main" w="9525">
                   <a:solidFill>
                     <a:srgbClr val="000000"/>
@@ -28949,7 +28868,7 @@
               <a:tailEnd type="none" w="sm" len="sm"/>
             </a:ln>
             <a:extLst>
-              <a:ext uri="{909E8E84-426E-40dd-AFC4-6F175D3DCCD1}">
+              <a:ext uri="{909E8E84-426E-40DD-AFC4-6F175D3DCCD1}">
                 <a14:hiddenFill xmlns:a14="http://schemas.microsoft.com/office/drawing/2010/main">
                   <a:solidFill>
                     <a:srgbClr val="FFFFFF"/>
@@ -29040,14 +28959,14 @@
               <a:noFill/>
             </a:ln>
             <a:extLst>
-              <a:ext uri="{909E8E84-426E-40dd-AFC4-6F175D3DCCD1}">
+              <a:ext uri="{909E8E84-426E-40DD-AFC4-6F175D3DCCD1}">
                 <a14:hiddenFill xmlns:a14="http://schemas.microsoft.com/office/drawing/2010/main">
                   <a:solidFill>
                     <a:srgbClr val="FFFFFF"/>
                   </a:solidFill>
                 </a14:hiddenFill>
               </a:ext>
-              <a:ext uri="{91240B29-F687-4f45-9708-019B960494DF}">
+              <a:ext uri="{91240B29-F687-4F45-9708-019B960494DF}">
                 <a14:hiddenLine xmlns:a14="http://schemas.microsoft.com/office/drawing/2010/main" w="9525">
                   <a:solidFill>
                     <a:srgbClr val="000000"/>
@@ -29116,7 +29035,7 @@
               <a:tailEnd type="none" w="sm" len="sm"/>
             </a:ln>
             <a:extLst>
-              <a:ext uri="{909E8E84-426E-40dd-AFC4-6F175D3DCCD1}">
+              <a:ext uri="{909E8E84-426E-40DD-AFC4-6F175D3DCCD1}">
                 <a14:hiddenFill xmlns:a14="http://schemas.microsoft.com/office/drawing/2010/main">
                   <a:solidFill>
                     <a:srgbClr val="FFFFFF"/>
@@ -29285,11 +29204,7 @@
             </a:pPr>
             <a:r>
               <a:rPr lang="es-ES" dirty="0" smtClean="0"/>
-              <a:t>CS000340 Autenticaci</a:t>
-            </a:r>
-            <a:r>
-              <a:rPr lang="es-ES" dirty="0" smtClean="0"/>
-              <a:t>ón Usuario</a:t>
+              <a:t>CS000340 Autenticación Usuario</a:t>
             </a:r>
           </a:p>
           <a:p>
@@ -29441,11 +29356,7 @@
           <a:p>
             <a:r>
               <a:rPr lang="es-ES" dirty="0" smtClean="0"/>
-              <a:t>Banca M</a:t>
-            </a:r>
-            <a:r>
-              <a:rPr lang="es-ES" dirty="0" smtClean="0"/>
-              <a:t>óvil</a:t>
+              <a:t>Banca Móvil</a:t>
             </a:r>
             <a:endParaRPr lang="es-ES" dirty="0"/>
           </a:p>
@@ -29548,7 +29459,7 @@
             <a:tailEnd type="triangle" w="med" len="med"/>
           </a:ln>
           <a:extLst>
-            <a:ext uri="{909E8E84-426E-40dd-AFC4-6F175D3DCCD1}">
+            <a:ext uri="{909E8E84-426E-40DD-AFC4-6F175D3DCCD1}">
               <a14:hiddenFill xmlns:a14="http://schemas.microsoft.com/office/drawing/2010/main">
                 <a:noFill/>
               </a14:hiddenFill>
@@ -29620,14 +29531,14 @@
             <a:noFill/>
           </a:ln>
           <a:extLst>
-            <a:ext uri="{909E8E84-426E-40dd-AFC4-6F175D3DCCD1}">
+            <a:ext uri="{909E8E84-426E-40DD-AFC4-6F175D3DCCD1}">
               <a14:hiddenFill xmlns:a14="http://schemas.microsoft.com/office/drawing/2010/main">
                 <a:solidFill>
                   <a:srgbClr val="FFFFFF"/>
                 </a:solidFill>
               </a14:hiddenFill>
             </a:ext>
-            <a:ext uri="{91240B29-F687-4f45-9708-019B960494DF}">
+            <a:ext uri="{91240B29-F687-4F45-9708-019B960494DF}">
               <a14:hiddenLine xmlns:a14="http://schemas.microsoft.com/office/drawing/2010/main" w="9525">
                 <a:solidFill>
                   <a:srgbClr val="000000"/>
@@ -29775,7 +29686,7 @@
             <a:noFill/>
           </a:ln>
           <a:extLst>
-            <a:ext uri="{91240B29-F687-4f45-9708-019B960494DF}">
+            <a:ext uri="{91240B29-F687-4F45-9708-019B960494DF}">
               <a14:hiddenLine xmlns:a14="http://schemas.microsoft.com/office/drawing/2010/main" w="15875" algn="ctr">
                 <a:solidFill>
                   <a:srgbClr val="000000"/>
@@ -29820,14 +29731,14 @@
             <a:noFill/>
           </a:ln>
           <a:extLst>
-            <a:ext uri="{909E8E84-426E-40dd-AFC4-6F175D3DCCD1}">
+            <a:ext uri="{909E8E84-426E-40DD-AFC4-6F175D3DCCD1}">
               <a14:hiddenFill xmlns:a14="http://schemas.microsoft.com/office/drawing/2010/main">
                 <a:solidFill>
                   <a:srgbClr val="FFFFFF"/>
                 </a:solidFill>
               </a14:hiddenFill>
             </a:ext>
-            <a:ext uri="{91240B29-F687-4f45-9708-019B960494DF}">
+            <a:ext uri="{91240B29-F687-4F45-9708-019B960494DF}">
               <a14:hiddenLine xmlns:a14="http://schemas.microsoft.com/office/drawing/2010/main" w="9525">
                 <a:solidFill>
                   <a:srgbClr val="000000"/>
@@ -29868,14 +29779,14 @@
             <a:noFill/>
           </a:ln>
           <a:extLst>
-            <a:ext uri="{909E8E84-426E-40dd-AFC4-6F175D3DCCD1}">
+            <a:ext uri="{909E8E84-426E-40DD-AFC4-6F175D3DCCD1}">
               <a14:hiddenFill xmlns:a14="http://schemas.microsoft.com/office/drawing/2010/main">
                 <a:solidFill>
                   <a:srgbClr val="FFFFFF"/>
                 </a:solidFill>
               </a14:hiddenFill>
             </a:ext>
-            <a:ext uri="{91240B29-F687-4f45-9708-019B960494DF}">
+            <a:ext uri="{91240B29-F687-4F45-9708-019B960494DF}">
               <a14:hiddenLine xmlns:a14="http://schemas.microsoft.com/office/drawing/2010/main" w="9525" algn="ctr">
                 <a:solidFill>
                   <a:srgbClr val="000000"/>
@@ -30033,14 +29944,14 @@
             <a:noFill/>
           </a:ln>
           <a:extLst>
-            <a:ext uri="{909E8E84-426E-40dd-AFC4-6F175D3DCCD1}">
+            <a:ext uri="{909E8E84-426E-40DD-AFC4-6F175D3DCCD1}">
               <a14:hiddenFill xmlns:a14="http://schemas.microsoft.com/office/drawing/2010/main">
                 <a:solidFill>
                   <a:srgbClr val="FFFFFF"/>
                 </a:solidFill>
               </a14:hiddenFill>
             </a:ext>
-            <a:ext uri="{91240B29-F687-4f45-9708-019B960494DF}">
+            <a:ext uri="{91240B29-F687-4F45-9708-019B960494DF}">
               <a14:hiddenLine xmlns:a14="http://schemas.microsoft.com/office/drawing/2010/main" w="9525" algn="ctr">
                 <a:solidFill>
                   <a:srgbClr val="000000"/>
@@ -30212,14 +30123,14 @@
             <a:noFill/>
           </a:ln>
           <a:extLst>
-            <a:ext uri="{909E8E84-426E-40dd-AFC4-6F175D3DCCD1}">
+            <a:ext uri="{909E8E84-426E-40DD-AFC4-6F175D3DCCD1}">
               <a14:hiddenFill xmlns:a14="http://schemas.microsoft.com/office/drawing/2010/main">
                 <a:solidFill>
                   <a:srgbClr val="FFFFFF"/>
                 </a:solidFill>
               </a14:hiddenFill>
             </a:ext>
-            <a:ext uri="{91240B29-F687-4f45-9708-019B960494DF}">
+            <a:ext uri="{91240B29-F687-4F45-9708-019B960494DF}">
               <a14:hiddenLine xmlns:a14="http://schemas.microsoft.com/office/drawing/2010/main" w="9525" algn="ctr">
                 <a:solidFill>
                   <a:srgbClr val="000000"/>
@@ -30370,14 +30281,14 @@
             <a:noFill/>
           </a:ln>
           <a:extLst>
-            <a:ext uri="{909E8E84-426E-40dd-AFC4-6F175D3DCCD1}">
+            <a:ext uri="{909E8E84-426E-40DD-AFC4-6F175D3DCCD1}">
               <a14:hiddenFill xmlns:a14="http://schemas.microsoft.com/office/drawing/2010/main">
                 <a:solidFill>
                   <a:srgbClr val="FFFFFF"/>
                 </a:solidFill>
               </a14:hiddenFill>
             </a:ext>
-            <a:ext uri="{91240B29-F687-4f45-9708-019B960494DF}">
+            <a:ext uri="{91240B29-F687-4F45-9708-019B960494DF}">
               <a14:hiddenLine xmlns:a14="http://schemas.microsoft.com/office/drawing/2010/main" w="9525">
                 <a:solidFill>
                   <a:srgbClr val="000000"/>
@@ -30641,14 +30552,14 @@
             <a:noFill/>
           </a:ln>
           <a:extLst>
-            <a:ext uri="{909E8E84-426E-40dd-AFC4-6F175D3DCCD1}">
+            <a:ext uri="{909E8E84-426E-40DD-AFC4-6F175D3DCCD1}">
               <a14:hiddenFill xmlns:a14="http://schemas.microsoft.com/office/drawing/2010/main">
                 <a:solidFill>
                   <a:srgbClr val="FFFFFF"/>
                 </a:solidFill>
               </a14:hiddenFill>
             </a:ext>
-            <a:ext uri="{91240B29-F687-4f45-9708-019B960494DF}">
+            <a:ext uri="{91240B29-F687-4F45-9708-019B960494DF}">
               <a14:hiddenLine xmlns:a14="http://schemas.microsoft.com/office/drawing/2010/main" w="9525" algn="ctr">
                 <a:solidFill>
                   <a:srgbClr val="000000"/>
@@ -31039,14 +30950,14 @@
             <a:noFill/>
           </a:ln>
           <a:extLst>
-            <a:ext uri="{909E8E84-426E-40dd-AFC4-6F175D3DCCD1}">
+            <a:ext uri="{909E8E84-426E-40DD-AFC4-6F175D3DCCD1}">
               <a14:hiddenFill xmlns:a14="http://schemas.microsoft.com/office/drawing/2010/main">
                 <a:solidFill>
                   <a:srgbClr val="FFFFFF"/>
                 </a:solidFill>
               </a14:hiddenFill>
             </a:ext>
-            <a:ext uri="{91240B29-F687-4f45-9708-019B960494DF}">
+            <a:ext uri="{91240B29-F687-4F45-9708-019B960494DF}">
               <a14:hiddenLine xmlns:a14="http://schemas.microsoft.com/office/drawing/2010/main" w="9525">
                 <a:solidFill>
                   <a:srgbClr val="000000"/>
@@ -31422,11 +31333,7 @@
             </a:pPr>
             <a:r>
               <a:rPr lang="es-ES" dirty="0" smtClean="0"/>
-              <a:t>CS000491 Simulaci</a:t>
-            </a:r>
-            <a:r>
-              <a:rPr lang="es-ES" dirty="0" smtClean="0"/>
-              <a:t>ón Avance en Cuotas</a:t>
+              <a:t>CS000491 Simulación Avance en Cuotas</a:t>
             </a:r>
             <a:endParaRPr lang="es-ES" dirty="0"/>
           </a:p>
@@ -31508,11 +31415,7 @@
             <a:pPr algn="ctr"/>
             <a:r>
               <a:rPr lang="es-ES" dirty="0" smtClean="0"/>
-              <a:t>Simulaci</a:t>
-            </a:r>
-            <a:r>
-              <a:rPr lang="es-ES" dirty="0" smtClean="0"/>
-              <a:t>ón Avance de Tarjeta de Crédito</a:t>
+              <a:t>Simulación Avance de Tarjeta de Crédito</a:t>
             </a:r>
             <a:endParaRPr lang="es-ES" dirty="0"/>
           </a:p>
@@ -31572,11 +31475,7 @@
           <a:p>
             <a:r>
               <a:rPr lang="es-ES" dirty="0" smtClean="0"/>
-              <a:t>Banca M</a:t>
-            </a:r>
-            <a:r>
-              <a:rPr lang="es-ES" dirty="0" smtClean="0"/>
-              <a:t>óvil</a:t>
+              <a:t>Banca Móvil</a:t>
             </a:r>
             <a:endParaRPr lang="es-ES" dirty="0"/>
           </a:p>
@@ -31717,14 +31616,14 @@
             <a:noFill/>
           </a:ln>
           <a:extLst>
-            <a:ext uri="{909E8E84-426E-40dd-AFC4-6F175D3DCCD1}">
+            <a:ext uri="{909E8E84-426E-40DD-AFC4-6F175D3DCCD1}">
               <a14:hiddenFill xmlns:a14="http://schemas.microsoft.com/office/drawing/2010/main">
                 <a:solidFill>
                   <a:srgbClr val="FFFFFF"/>
                 </a:solidFill>
               </a14:hiddenFill>
             </a:ext>
-            <a:ext uri="{91240B29-F687-4f45-9708-019B960494DF}">
+            <a:ext uri="{91240B29-F687-4F45-9708-019B960494DF}">
               <a14:hiddenLine xmlns:a14="http://schemas.microsoft.com/office/drawing/2010/main" w="9525">
                 <a:solidFill>
                   <a:srgbClr val="000000"/>
@@ -31911,14 +31810,14 @@
             <a:noFill/>
           </a:ln>
           <a:extLst>
-            <a:ext uri="{909E8E84-426E-40dd-AFC4-6F175D3DCCD1}">
+            <a:ext uri="{909E8E84-426E-40DD-AFC4-6F175D3DCCD1}">
               <a14:hiddenFill xmlns:a14="http://schemas.microsoft.com/office/drawing/2010/main">
                 <a:solidFill>
                   <a:srgbClr val="FFFFFF"/>
                 </a:solidFill>
               </a14:hiddenFill>
             </a:ext>
-            <a:ext uri="{91240B29-F687-4f45-9708-019B960494DF}">
+            <a:ext uri="{91240B29-F687-4F45-9708-019B960494DF}">
               <a14:hiddenLine xmlns:a14="http://schemas.microsoft.com/office/drawing/2010/main" w="9525" algn="ctr">
                 <a:solidFill>
                   <a:srgbClr val="000000"/>
@@ -31967,7 +31866,7 @@
             <a:tailEnd type="triangle" w="med" len="med"/>
           </a:ln>
           <a:extLst>
-            <a:ext uri="{909E8E84-426E-40dd-AFC4-6F175D3DCCD1}">
+            <a:ext uri="{909E8E84-426E-40DD-AFC4-6F175D3DCCD1}">
               <a14:hiddenFill xmlns:a14="http://schemas.microsoft.com/office/drawing/2010/main">
                 <a:noFill/>
               </a14:hiddenFill>
@@ -32055,14 +31954,14 @@
               <a:noFill/>
             </a:ln>
             <a:extLst>
-              <a:ext uri="{909E8E84-426E-40dd-AFC4-6F175D3DCCD1}">
+              <a:ext uri="{909E8E84-426E-40DD-AFC4-6F175D3DCCD1}">
                 <a14:hiddenFill xmlns:a14="http://schemas.microsoft.com/office/drawing/2010/main">
                   <a:solidFill>
                     <a:srgbClr val="FFFFFF"/>
                   </a:solidFill>
                 </a14:hiddenFill>
               </a:ext>
-              <a:ext uri="{91240B29-F687-4f45-9708-019B960494DF}">
+              <a:ext uri="{91240B29-F687-4F45-9708-019B960494DF}">
                 <a14:hiddenLine xmlns:a14="http://schemas.microsoft.com/office/drawing/2010/main" w="9525">
                   <a:solidFill>
                     <a:srgbClr val="000000"/>
@@ -32270,7 +32169,7 @@
                 <a:noFill/>
               </a:ln>
               <a:extLst>
-                <a:ext uri="{91240B29-F687-4f45-9708-019B960494DF}">
+                <a:ext uri="{91240B29-F687-4F45-9708-019B960494DF}">
                   <a14:hiddenLine xmlns:a14="http://schemas.microsoft.com/office/drawing/2010/main" w="15875" algn="ctr">
                     <a:solidFill>
                       <a:srgbClr val="000000"/>
@@ -32317,14 +32216,14 @@
             <a:noFill/>
           </a:ln>
           <a:extLst>
-            <a:ext uri="{909E8E84-426E-40dd-AFC4-6F175D3DCCD1}">
+            <a:ext uri="{909E8E84-426E-40DD-AFC4-6F175D3DCCD1}">
               <a14:hiddenFill xmlns:a14="http://schemas.microsoft.com/office/drawing/2010/main">
                 <a:solidFill>
                   <a:srgbClr val="FFFFFF"/>
                 </a:solidFill>
               </a14:hiddenFill>
             </a:ext>
-            <a:ext uri="{91240B29-F687-4f45-9708-019B960494DF}">
+            <a:ext uri="{91240B29-F687-4F45-9708-019B960494DF}">
               <a14:hiddenLine xmlns:a14="http://schemas.microsoft.com/office/drawing/2010/main" w="9525">
                 <a:solidFill>
                   <a:srgbClr val="000000"/>
@@ -32365,14 +32264,14 @@
             <a:noFill/>
           </a:ln>
           <a:extLst>
-            <a:ext uri="{909E8E84-426E-40dd-AFC4-6F175D3DCCD1}">
+            <a:ext uri="{909E8E84-426E-40DD-AFC4-6F175D3DCCD1}">
               <a14:hiddenFill xmlns:a14="http://schemas.microsoft.com/office/drawing/2010/main">
                 <a:solidFill>
                   <a:srgbClr val="FFFFFF"/>
                 </a:solidFill>
               </a14:hiddenFill>
             </a:ext>
-            <a:ext uri="{91240B29-F687-4f45-9708-019B960494DF}">
+            <a:ext uri="{91240B29-F687-4F45-9708-019B960494DF}">
               <a14:hiddenLine xmlns:a14="http://schemas.microsoft.com/office/drawing/2010/main" w="9525" algn="ctr">
                 <a:solidFill>
                   <a:srgbClr val="000000"/>
@@ -32523,14 +32422,14 @@
             <a:noFill/>
           </a:ln>
           <a:extLst>
-            <a:ext uri="{909E8E84-426E-40dd-AFC4-6F175D3DCCD1}">
+            <a:ext uri="{909E8E84-426E-40DD-AFC4-6F175D3DCCD1}">
               <a14:hiddenFill xmlns:a14="http://schemas.microsoft.com/office/drawing/2010/main">
                 <a:solidFill>
                   <a:srgbClr val="FFFFFF"/>
                 </a:solidFill>
               </a14:hiddenFill>
             </a:ext>
-            <a:ext uri="{91240B29-F687-4f45-9708-019B960494DF}">
+            <a:ext uri="{91240B29-F687-4F45-9708-019B960494DF}">
               <a14:hiddenLine xmlns:a14="http://schemas.microsoft.com/office/drawing/2010/main" w="9525" algn="ctr">
                 <a:solidFill>
                   <a:srgbClr val="000000"/>
@@ -32720,14 +32619,14 @@
             <a:noFill/>
           </a:ln>
           <a:extLst>
-            <a:ext uri="{909E8E84-426E-40dd-AFC4-6F175D3DCCD1}">
+            <a:ext uri="{909E8E84-426E-40DD-AFC4-6F175D3DCCD1}">
               <a14:hiddenFill xmlns:a14="http://schemas.microsoft.com/office/drawing/2010/main">
                 <a:solidFill>
                   <a:srgbClr val="FFFFFF"/>
                 </a:solidFill>
               </a14:hiddenFill>
             </a:ext>
-            <a:ext uri="{91240B29-F687-4f45-9708-019B960494DF}">
+            <a:ext uri="{91240B29-F687-4F45-9708-019B960494DF}">
               <a14:hiddenLine xmlns:a14="http://schemas.microsoft.com/office/drawing/2010/main" w="15875">
                 <a:solidFill>
                   <a:srgbClr val="000000"/>
@@ -32809,14 +32708,14 @@
             <a:noFill/>
           </a:ln>
           <a:extLst>
-            <a:ext uri="{909E8E84-426E-40dd-AFC4-6F175D3DCCD1}">
+            <a:ext uri="{909E8E84-426E-40DD-AFC4-6F175D3DCCD1}">
               <a14:hiddenFill xmlns:a14="http://schemas.microsoft.com/office/drawing/2010/main">
                 <a:solidFill>
                   <a:srgbClr val="FFFFFF"/>
                 </a:solidFill>
               </a14:hiddenFill>
             </a:ext>
-            <a:ext uri="{91240B29-F687-4f45-9708-019B960494DF}">
+            <a:ext uri="{91240B29-F687-4F45-9708-019B960494DF}">
               <a14:hiddenLine xmlns:a14="http://schemas.microsoft.com/office/drawing/2010/main" w="9525" algn="ctr">
                 <a:solidFill>
                   <a:srgbClr val="000000"/>
@@ -32981,14 +32880,14 @@
             <a:noFill/>
           </a:ln>
           <a:extLst>
-            <a:ext uri="{909E8E84-426E-40dd-AFC4-6F175D3DCCD1}">
+            <a:ext uri="{909E8E84-426E-40DD-AFC4-6F175D3DCCD1}">
               <a14:hiddenFill xmlns:a14="http://schemas.microsoft.com/office/drawing/2010/main">
                 <a:solidFill>
                   <a:srgbClr val="FFFFFF"/>
                 </a:solidFill>
               </a14:hiddenFill>
             </a:ext>
-            <a:ext uri="{91240B29-F687-4f45-9708-019B960494DF}">
+            <a:ext uri="{91240B29-F687-4F45-9708-019B960494DF}">
               <a14:hiddenLine xmlns:a14="http://schemas.microsoft.com/office/drawing/2010/main" w="9525" algn="ctr">
                 <a:solidFill>
                   <a:srgbClr val="000000"/>
@@ -33139,14 +33038,14 @@
             <a:noFill/>
           </a:ln>
           <a:extLst>
-            <a:ext uri="{909E8E84-426E-40dd-AFC4-6F175D3DCCD1}">
+            <a:ext uri="{909E8E84-426E-40DD-AFC4-6F175D3DCCD1}">
               <a14:hiddenFill xmlns:a14="http://schemas.microsoft.com/office/drawing/2010/main">
                 <a:solidFill>
                   <a:srgbClr val="FFFFFF"/>
                 </a:solidFill>
               </a14:hiddenFill>
             </a:ext>
-            <a:ext uri="{91240B29-F687-4f45-9708-019B960494DF}">
+            <a:ext uri="{91240B29-F687-4F45-9708-019B960494DF}">
               <a14:hiddenLine xmlns:a14="http://schemas.microsoft.com/office/drawing/2010/main" w="9525">
                 <a:solidFill>
                   <a:srgbClr val="000000"/>
@@ -33382,11 +33281,7 @@
             </a:pPr>
             <a:r>
               <a:rPr lang="es-ES" dirty="0" smtClean="0"/>
-              <a:t>CS00177 Envío de Correo Electr</a:t>
-            </a:r>
-            <a:r>
-              <a:rPr lang="es-ES" dirty="0" smtClean="0"/>
-              <a:t>ónico</a:t>
+              <a:t>CS00177 Envío de Correo Electrónico</a:t>
             </a:r>
             <a:endParaRPr lang="es-ES" dirty="0"/>
           </a:p>
@@ -33468,11 +33363,7 @@
             <a:pPr algn="ctr"/>
             <a:r>
               <a:rPr lang="es-ES" dirty="0" smtClean="0"/>
-              <a:t>Avance de Tarjeta de Cr</a:t>
-            </a:r>
-            <a:r>
-              <a:rPr lang="es-ES" dirty="0" smtClean="0"/>
-              <a:t>édito</a:t>
+              <a:t>Avance de Tarjeta de Crédito</a:t>
             </a:r>
             <a:endParaRPr lang="es-ES" dirty="0"/>
           </a:p>
@@ -33532,11 +33423,7 @@
           <a:p>
             <a:r>
               <a:rPr lang="es-ES" dirty="0" smtClean="0"/>
-              <a:t>Banca M</a:t>
-            </a:r>
-            <a:r>
-              <a:rPr lang="es-ES" dirty="0" smtClean="0"/>
-              <a:t>óvil</a:t>
+              <a:t>Banca Móvil</a:t>
             </a:r>
             <a:endParaRPr lang="es-ES" dirty="0"/>
           </a:p>

--- a/servicio resumidos.pptx
+++ b/servicio resumidos.pptx
@@ -317,7 +317,7 @@
           <a:p>
             <a:fld id="{4B2592DD-5139-D345-8DB1-9944861DB5B1}" type="datetimeFigureOut">
               <a:rPr lang="es-ES" smtClean="0"/>
-              <a:t>31/5/15</a:t>
+              <a:t>7/8/15</a:t>
             </a:fld>
             <a:endParaRPr lang="es-ES"/>
           </a:p>
@@ -487,7 +487,7 @@
           <a:p>
             <a:fld id="{4B2592DD-5139-D345-8DB1-9944861DB5B1}" type="datetimeFigureOut">
               <a:rPr lang="es-ES" smtClean="0"/>
-              <a:t>31/5/15</a:t>
+              <a:t>7/8/15</a:t>
             </a:fld>
             <a:endParaRPr lang="es-ES"/>
           </a:p>
@@ -667,7 +667,7 @@
           <a:p>
             <a:fld id="{4B2592DD-5139-D345-8DB1-9944861DB5B1}" type="datetimeFigureOut">
               <a:rPr lang="es-ES" smtClean="0"/>
-              <a:t>31/5/15</a:t>
+              <a:t>7/8/15</a:t>
             </a:fld>
             <a:endParaRPr lang="es-ES"/>
           </a:p>
@@ -837,7 +837,7 @@
           <a:p>
             <a:fld id="{4B2592DD-5139-D345-8DB1-9944861DB5B1}" type="datetimeFigureOut">
               <a:rPr lang="es-ES" smtClean="0"/>
-              <a:t>31/5/15</a:t>
+              <a:t>7/8/15</a:t>
             </a:fld>
             <a:endParaRPr lang="es-ES"/>
           </a:p>
@@ -1083,7 +1083,7 @@
           <a:p>
             <a:fld id="{4B2592DD-5139-D345-8DB1-9944861DB5B1}" type="datetimeFigureOut">
               <a:rPr lang="es-ES" smtClean="0"/>
-              <a:t>31/5/15</a:t>
+              <a:t>7/8/15</a:t>
             </a:fld>
             <a:endParaRPr lang="es-ES"/>
           </a:p>
@@ -1371,7 +1371,7 @@
           <a:p>
             <a:fld id="{4B2592DD-5139-D345-8DB1-9944861DB5B1}" type="datetimeFigureOut">
               <a:rPr lang="es-ES" smtClean="0"/>
-              <a:t>31/5/15</a:t>
+              <a:t>7/8/15</a:t>
             </a:fld>
             <a:endParaRPr lang="es-ES"/>
           </a:p>
@@ -1793,7 +1793,7 @@
           <a:p>
             <a:fld id="{4B2592DD-5139-D345-8DB1-9944861DB5B1}" type="datetimeFigureOut">
               <a:rPr lang="es-ES" smtClean="0"/>
-              <a:t>31/5/15</a:t>
+              <a:t>7/8/15</a:t>
             </a:fld>
             <a:endParaRPr lang="es-ES"/>
           </a:p>
@@ -1911,7 +1911,7 @@
           <a:p>
             <a:fld id="{4B2592DD-5139-D345-8DB1-9944861DB5B1}" type="datetimeFigureOut">
               <a:rPr lang="es-ES" smtClean="0"/>
-              <a:t>31/5/15</a:t>
+              <a:t>7/8/15</a:t>
             </a:fld>
             <a:endParaRPr lang="es-ES"/>
           </a:p>
@@ -2006,7 +2006,7 @@
           <a:p>
             <a:fld id="{4B2592DD-5139-D345-8DB1-9944861DB5B1}" type="datetimeFigureOut">
               <a:rPr lang="es-ES" smtClean="0"/>
-              <a:t>31/5/15</a:t>
+              <a:t>7/8/15</a:t>
             </a:fld>
             <a:endParaRPr lang="es-ES"/>
           </a:p>
@@ -2283,7 +2283,7 @@
           <a:p>
             <a:fld id="{4B2592DD-5139-D345-8DB1-9944861DB5B1}" type="datetimeFigureOut">
               <a:rPr lang="es-ES" smtClean="0"/>
-              <a:t>31/5/15</a:t>
+              <a:t>7/8/15</a:t>
             </a:fld>
             <a:endParaRPr lang="es-ES"/>
           </a:p>
@@ -2536,7 +2536,7 @@
           <a:p>
             <a:fld id="{4B2592DD-5139-D345-8DB1-9944861DB5B1}" type="datetimeFigureOut">
               <a:rPr lang="es-ES" smtClean="0"/>
-              <a:t>31/5/15</a:t>
+              <a:t>7/8/15</a:t>
             </a:fld>
             <a:endParaRPr lang="es-ES"/>
           </a:p>
@@ -2749,7 +2749,7 @@
           <a:p>
             <a:fld id="{4B2592DD-5139-D345-8DB1-9944861DB5B1}" type="datetimeFigureOut">
               <a:rPr lang="es-ES" smtClean="0"/>
-              <a:t>31/5/15</a:t>
+              <a:t>7/8/15</a:t>
             </a:fld>
             <a:endParaRPr lang="es-ES"/>
           </a:p>
@@ -5555,11 +5555,6 @@
               </a:rPr>
               <a:t>CS000176 Validar Dispositivo Seguridad</a:t>
             </a:r>
-            <a:endParaRPr lang="es-ES" sz="1400" dirty="0">
-              <a:latin typeface="Times" charset="0"/>
-              <a:ea typeface="Times" charset="0"/>
-              <a:cs typeface="Times" charset="0"/>
-            </a:endParaRPr>
           </a:p>
         </p:txBody>
       </p:sp>
@@ -8607,11 +8602,6 @@
               </a:rPr>
               <a:t>CS000177 Envío de Correo Electrónico</a:t>
             </a:r>
-            <a:endParaRPr lang="es-ES" sz="1400" dirty="0">
-              <a:latin typeface="Times" charset="0"/>
-              <a:ea typeface="Times" charset="0"/>
-              <a:cs typeface="Times" charset="0"/>
-            </a:endParaRPr>
           </a:p>
         </p:txBody>
       </p:sp>
@@ -8674,11 +8664,6 @@
               </a:rPr>
               <a:t>. entre productos</a:t>
             </a:r>
-            <a:endParaRPr lang="es-ES" sz="1400" dirty="0">
-              <a:latin typeface="Times" charset="0"/>
-              <a:ea typeface="Times" charset="0"/>
-              <a:cs typeface="Times" charset="0"/>
-            </a:endParaRPr>
           </a:p>
         </p:txBody>
       </p:sp>
@@ -15758,11 +15743,6 @@
               </a:rPr>
               <a:t>(IDG)</a:t>
             </a:r>
-            <a:endParaRPr lang="es-ES" sz="1400" dirty="0">
-              <a:latin typeface="Times" charset="0"/>
-              <a:ea typeface="Times" charset="0"/>
-              <a:cs typeface="Times" charset="0"/>
-            </a:endParaRPr>
           </a:p>
         </p:txBody>
       </p:sp>
@@ -18586,11 +18566,6 @@
               </a:rPr>
               <a:t>CS000176 Validar Dispositivo Seguridad</a:t>
             </a:r>
-            <a:endParaRPr lang="es-ES" sz="1400" dirty="0">
-              <a:latin typeface="Times" charset="0"/>
-              <a:ea typeface="Times" charset="0"/>
-              <a:cs typeface="Times" charset="0"/>
-            </a:endParaRPr>
           </a:p>
         </p:txBody>
       </p:sp>
@@ -18712,11 +18687,6 @@
               </a:rPr>
               <a:t>(IDG)</a:t>
             </a:r>
-            <a:endParaRPr lang="es-ES" sz="1400" dirty="0">
-              <a:latin typeface="Times" charset="0"/>
-              <a:ea typeface="Times" charset="0"/>
-              <a:cs typeface="Times" charset="0"/>
-            </a:endParaRPr>
           </a:p>
         </p:txBody>
       </p:sp>
@@ -18942,15 +18912,7 @@
                 <a:ea typeface="Times" charset="0"/>
                 <a:cs typeface="Times" charset="0"/>
               </a:rPr>
-              <a:t>Env</a:t>
-            </a:r>
-            <a:r>
-              <a:rPr lang="es-ES_tradnl" sz="1400" dirty="0" smtClean="0">
-                <a:latin typeface="Times" charset="0"/>
-                <a:ea typeface="Times" charset="0"/>
-                <a:cs typeface="Times" charset="0"/>
-              </a:rPr>
-              <a:t>ío de SMS</a:t>
+              <a:t>Envío de SMS</a:t>
             </a:r>
             <a:endParaRPr lang="es-ES" sz="1400" dirty="0">
               <a:latin typeface="Times" charset="0"/>
@@ -19009,31 +18971,7 @@
                 <a:ea typeface="Times" charset="0"/>
                 <a:cs typeface="Times" charset="0"/>
               </a:rPr>
-              <a:t>Env</a:t>
-            </a:r>
-            <a:r>
-              <a:rPr lang="es-ES_tradnl" sz="1400" dirty="0" smtClean="0">
-                <a:latin typeface="Times" charset="0"/>
-                <a:ea typeface="Times" charset="0"/>
-                <a:cs typeface="Times" charset="0"/>
-              </a:rPr>
-              <a:t>í</a:t>
-            </a:r>
-            <a:r>
-              <a:rPr lang="es-ES_tradnl" sz="1400" dirty="0" smtClean="0">
-                <a:latin typeface="Times" charset="0"/>
-                <a:ea typeface="Times" charset="0"/>
-                <a:cs typeface="Times" charset="0"/>
-              </a:rPr>
-              <a:t>o </a:t>
-            </a:r>
-            <a:r>
-              <a:rPr lang="es-ES_tradnl" sz="1400" dirty="0" smtClean="0">
-                <a:latin typeface="Times" charset="0"/>
-                <a:ea typeface="Times" charset="0"/>
-                <a:cs typeface="Times" charset="0"/>
-              </a:rPr>
-              <a:t>de Correo Electrónico</a:t>
+              <a:t>Envío de Correo Electrónico</a:t>
             </a:r>
             <a:endParaRPr lang="es-ES" sz="1400" dirty="0">
               <a:latin typeface="Times" charset="0"/>
@@ -19209,15 +19147,7 @@
                 <a:ea typeface="Times" charset="0"/>
                 <a:cs typeface="Times" charset="0"/>
               </a:rPr>
-              <a:t>Envi</a:t>
-            </a:r>
-            <a:r>
-              <a:rPr lang="es-ES_tradnl" sz="1400" dirty="0" smtClean="0">
-                <a:latin typeface="Times" charset="0"/>
-                <a:ea typeface="Times" charset="0"/>
-                <a:cs typeface="Times" charset="0"/>
-              </a:rPr>
-              <a:t>ó de SMS</a:t>
+              <a:t>Envió de SMS</a:t>
             </a:r>
             <a:endParaRPr lang="es-ES" sz="1400" dirty="0">
               <a:latin typeface="Times" charset="0"/>
@@ -22294,11 +22224,6 @@
               </a:rPr>
               <a:t>CS000154 Ingresar Documento Siebel</a:t>
             </a:r>
-            <a:endParaRPr lang="es-ES" sz="1400" dirty="0">
-              <a:latin typeface="Times" charset="0"/>
-              <a:ea typeface="Times" charset="0"/>
-              <a:cs typeface="Times" charset="0"/>
-            </a:endParaRPr>
           </a:p>
         </p:txBody>
       </p:sp>
@@ -22361,11 +22286,6 @@
               </a:rPr>
               <a:t>)</a:t>
             </a:r>
-            <a:endParaRPr lang="es-ES" sz="1400" dirty="0">
-              <a:latin typeface="Times" charset="0"/>
-              <a:ea typeface="Times" charset="0"/>
-              <a:cs typeface="Times" charset="0"/>
-            </a:endParaRPr>
           </a:p>
         </p:txBody>
       </p:sp>
@@ -24829,20 +24749,20 @@
           <a:p>
             <a:pPr algn="ctr"/>
             <a:r>
-              <a:rPr lang="es-ES" sz="1400" dirty="0">
-                <a:latin typeface="Times" charset="0"/>
-                <a:ea typeface="Times" charset="0"/>
-                <a:cs typeface="Times" charset="0"/>
-              </a:rPr>
-              <a:t>Saldo Cuentas y Tarjetas de </a:t>
-            </a:r>
-            <a:r>
               <a:rPr lang="es-ES" sz="1400" dirty="0" smtClean="0">
                 <a:latin typeface="Times" charset="0"/>
                 <a:ea typeface="Times" charset="0"/>
                 <a:cs typeface="Times" charset="0"/>
               </a:rPr>
-              <a:t>Crédito</a:t>
+              <a:t>SALDO CUENTAS y TARJETAS CR</a:t>
+            </a:r>
+            <a:r>
+              <a:rPr lang="es-ES_tradnl" sz="1400" dirty="0" smtClean="0">
+                <a:latin typeface="Times" charset="0"/>
+                <a:ea typeface="Times" charset="0"/>
+                <a:cs typeface="Times" charset="0"/>
+              </a:rPr>
+              <a:t>ÉDITO</a:t>
             </a:r>
             <a:endParaRPr lang="es-ES" sz="1400" dirty="0">
               <a:latin typeface="Times" charset="0"/>
@@ -25331,6 +25251,19 @@
           <a:prstGeom prst="flowChartProcess">
             <a:avLst/>
           </a:prstGeom>
+          <a:solidFill>
+            <a:schemeClr val="accent3">
+              <a:lumMod val="50000"/>
+            </a:schemeClr>
+          </a:solidFill>
+          <a:ln>
+            <a:solidFill>
+              <a:schemeClr val="accent3">
+                <a:lumMod val="60000"/>
+                <a:lumOff val="40000"/>
+              </a:schemeClr>
+            </a:solidFill>
+          </a:ln>
         </p:spPr>
         <p:style>
           <a:lnRef idx="2">
@@ -25377,6 +25310,19 @@
           <a:prstGeom prst="flowChartProcess">
             <a:avLst/>
           </a:prstGeom>
+          <a:solidFill>
+            <a:schemeClr val="accent3">
+              <a:lumMod val="50000"/>
+            </a:schemeClr>
+          </a:solidFill>
+          <a:ln>
+            <a:solidFill>
+              <a:schemeClr val="accent3">
+                <a:lumMod val="60000"/>
+                <a:lumOff val="40000"/>
+              </a:schemeClr>
+            </a:solidFill>
+          </a:ln>
         </p:spPr>
         <p:style>
           <a:lnRef idx="2">
@@ -25406,11 +25352,6 @@
               </a:rPr>
               <a:t>CS001169 Consulta Saldo Tarjeta Crédito</a:t>
             </a:r>
-            <a:endParaRPr lang="es-ES" sz="1400" dirty="0">
-              <a:latin typeface="Times" charset="0"/>
-              <a:ea typeface="Times" charset="0"/>
-              <a:cs typeface="Times" charset="0"/>
-            </a:endParaRPr>
           </a:p>
         </p:txBody>
       </p:sp>
@@ -25423,7 +25364,7 @@
         <p:spPr>
           <a:xfrm>
             <a:off x="6920620" y="4959568"/>
-            <a:ext cx="1800000" cy="540000"/>
+            <a:ext cx="2084400" cy="540000"/>
           </a:xfrm>
           <a:prstGeom prst="flowChartProcess">
             <a:avLst/>
@@ -25474,7 +25415,7 @@
         <p:spPr>
           <a:xfrm>
             <a:off x="6920620" y="5597105"/>
-            <a:ext cx="1800000" cy="540000"/>
+            <a:ext cx="2084400" cy="540000"/>
           </a:xfrm>
           <a:prstGeom prst="flowChartProcess">
             <a:avLst/>
@@ -25514,15 +25455,7 @@
                 <a:ea typeface="Times" charset="0"/>
                 <a:cs typeface="Times" charset="0"/>
               </a:rPr>
-              <a:t>de Tarjetas de Cr</a:t>
-            </a:r>
-            <a:r>
-              <a:rPr lang="es-ES_tradnl" sz="1400" dirty="0" smtClean="0">
-                <a:latin typeface="Times" charset="0"/>
-                <a:ea typeface="Times" charset="0"/>
-                <a:cs typeface="Times" charset="0"/>
-              </a:rPr>
-              <a:t>éditos </a:t>
+              <a:t>de Tarjetas de Créditos </a:t>
             </a:r>
             <a:r>
               <a:rPr lang="es-ES" sz="1400" dirty="0" smtClean="0">
@@ -30928,11 +30861,6 @@
               </a:rPr>
               <a:t>)</a:t>
             </a:r>
-            <a:endParaRPr lang="es-ES" sz="1400" dirty="0">
-              <a:latin typeface="Times" charset="0"/>
-              <a:ea typeface="Times" charset="0"/>
-              <a:cs typeface="Times" charset="0"/>
-            </a:endParaRPr>
           </a:p>
         </p:txBody>
       </p:sp>
@@ -39627,55 +39555,22 @@
       </p:sp>
       <p:sp>
         <p:nvSpPr>
-          <p:cNvPr id="48" name="CuadroTexto 47"/>
-          <p:cNvSpPr txBox="1"/>
+          <p:cNvPr id="54" name="Llamada de flecha izquierda y derecha 53"/>
+          <p:cNvSpPr/>
           <p:nvPr/>
         </p:nvSpPr>
         <p:spPr>
           <a:xfrm>
-            <a:off x="6674522" y="572951"/>
-            <a:ext cx="1906554" cy="369332"/>
-          </a:xfrm>
-          <a:prstGeom prst="rect">
-            <a:avLst/>
-          </a:prstGeom>
-          <a:noFill/>
-        </p:spPr>
-        <p:txBody>
-          <a:bodyPr wrap="none" rtlCol="0">
-            <a:spAutoFit/>
-          </a:bodyPr>
-          <a:lstStyle/>
-          <a:p>
-            <a:r>
-              <a:rPr lang="es-ES" dirty="0" smtClean="0"/>
-              <a:t>Oracle </a:t>
-            </a:r>
-            <a:r>
-              <a:rPr lang="es-ES" dirty="0" err="1" smtClean="0"/>
-              <a:t>Service</a:t>
-            </a:r>
-            <a:r>
-              <a:rPr lang="es-ES" dirty="0" smtClean="0"/>
-              <a:t> Bus</a:t>
-            </a:r>
-            <a:endParaRPr lang="es-ES" dirty="0"/>
-          </a:p>
-        </p:txBody>
-      </p:sp>
-      <p:sp>
-        <p:nvSpPr>
-          <p:cNvPr id="49" name="Mostrar 48"/>
-          <p:cNvSpPr/>
-          <p:nvPr/>
-        </p:nvSpPr>
-        <p:spPr>
-          <a:xfrm>
-            <a:off x="4312085" y="547465"/>
-            <a:ext cx="2202537" cy="1086267"/>
-          </a:xfrm>
-          <a:prstGeom prst="flowChartDisplay">
-            <a:avLst/>
+            <a:off x="3735939" y="3639632"/>
+            <a:ext cx="2983830" cy="3312313"/>
+          </a:xfrm>
+          <a:prstGeom prst="leftRightArrowCallout">
+            <a:avLst>
+              <a:gd name="adj1" fmla="val 22879"/>
+              <a:gd name="adj2" fmla="val 21818"/>
+              <a:gd name="adj3" fmla="val 11213"/>
+              <a:gd name="adj4" fmla="val 68332"/>
+            </a:avLst>
           </a:prstGeom>
         </p:spPr>
         <p:style>
@@ -39698,25 +39593,28 @@
           <a:bodyPr rtlCol="0" anchor="ctr"/>
           <a:lstStyle/>
           <a:p>
-            <a:pPr algn="ctr"/>
-            <a:r>
-              <a:rPr lang="es-ES" sz="1600" dirty="0" smtClean="0"/>
-              <a:t>Transferencias a Terceros</a:t>
-            </a:r>
-            <a:endParaRPr lang="es-ES" sz="1600" dirty="0"/>
-          </a:p>
-        </p:txBody>
-      </p:sp>
-      <p:sp>
-        <p:nvSpPr>
-          <p:cNvPr id="50" name="CuadroTexto 49"/>
+            <a:pPr marL="285750" indent="-285750">
+              <a:buFont typeface="Arial"/>
+              <a:buChar char="•"/>
+            </a:pPr>
+            <a:endParaRPr lang="es-ES" sz="1400" dirty="0">
+              <a:latin typeface="Times" charset="0"/>
+              <a:ea typeface="Times" charset="0"/>
+              <a:cs typeface="Times" charset="0"/>
+            </a:endParaRPr>
+          </a:p>
+        </p:txBody>
+      </p:sp>
+      <p:sp>
+        <p:nvSpPr>
+          <p:cNvPr id="55" name="CuadroTexto 54"/>
           <p:cNvSpPr txBox="1"/>
           <p:nvPr/>
         </p:nvSpPr>
         <p:spPr>
           <a:xfrm>
-            <a:off x="3929236" y="2526181"/>
-            <a:ext cx="672705" cy="369332"/>
+            <a:off x="4441421" y="3320685"/>
+            <a:ext cx="1572866" cy="307777"/>
           </a:xfrm>
           <a:prstGeom prst="rect">
             <a:avLst/>
@@ -39730,98 +39628,50 @@
           <a:lstStyle/>
           <a:p>
             <a:r>
-              <a:rPr lang="es-ES" dirty="0" smtClean="0"/>
-              <a:t>HTTP</a:t>
-            </a:r>
-            <a:endParaRPr lang="es-ES" dirty="0"/>
-          </a:p>
-        </p:txBody>
-      </p:sp>
-      <p:sp>
-        <p:nvSpPr>
-          <p:cNvPr id="51" name="CuadroTexto 50"/>
-          <p:cNvSpPr txBox="1"/>
+              <a:rPr lang="es-ES" sz="1400" dirty="0" smtClean="0">
+                <a:latin typeface="Times" charset="0"/>
+                <a:ea typeface="Times" charset="0"/>
+                <a:cs typeface="Times" charset="0"/>
+              </a:rPr>
+              <a:t>Oracle </a:t>
+            </a:r>
+            <a:r>
+              <a:rPr lang="es-ES" sz="1400" dirty="0" err="1" smtClean="0">
+                <a:latin typeface="Times" charset="0"/>
+                <a:ea typeface="Times" charset="0"/>
+                <a:cs typeface="Times" charset="0"/>
+              </a:rPr>
+              <a:t>Service</a:t>
+            </a:r>
+            <a:r>
+              <a:rPr lang="es-ES" sz="1400" dirty="0" smtClean="0">
+                <a:latin typeface="Times" charset="0"/>
+                <a:ea typeface="Times" charset="0"/>
+                <a:cs typeface="Times" charset="0"/>
+              </a:rPr>
+              <a:t> Bus</a:t>
+            </a:r>
+            <a:endParaRPr lang="es-ES" sz="1400" dirty="0">
+              <a:latin typeface="Times" charset="0"/>
+              <a:ea typeface="Times" charset="0"/>
+              <a:cs typeface="Times" charset="0"/>
+            </a:endParaRPr>
+          </a:p>
+        </p:txBody>
+      </p:sp>
+      <p:sp>
+        <p:nvSpPr>
+          <p:cNvPr id="56" name="Mostrar 55"/>
+          <p:cNvSpPr/>
           <p:nvPr/>
         </p:nvSpPr>
         <p:spPr>
           <a:xfrm>
-            <a:off x="4633148" y="39342"/>
-            <a:ext cx="1331727" cy="369332"/>
-          </a:xfrm>
-          <a:prstGeom prst="rect">
+            <a:off x="1258888" y="4997145"/>
+            <a:ext cx="1885811" cy="1069200"/>
+          </a:xfrm>
+          <a:prstGeom prst="flowChartDisplay">
             <a:avLst/>
-          </a:prstGeom>
-          <a:noFill/>
-        </p:spPr>
-        <p:txBody>
-          <a:bodyPr wrap="none" rtlCol="0">
-            <a:spAutoFit/>
-          </a:bodyPr>
-          <a:lstStyle/>
-          <a:p>
-            <a:r>
-              <a:rPr lang="es-ES" dirty="0" smtClean="0"/>
-              <a:t>Banca Móvil</a:t>
-            </a:r>
-            <a:endParaRPr lang="es-ES" dirty="0"/>
-          </a:p>
-        </p:txBody>
-      </p:sp>
-      <p:cxnSp>
-        <p:nvCxnSpPr>
-          <p:cNvPr id="52" name="Conector recto de flecha 51"/>
-          <p:cNvCxnSpPr>
-            <a:stCxn id="49" idx="3"/>
-            <a:endCxn id="47" idx="1"/>
-          </p:cNvCxnSpPr>
-          <p:nvPr/>
-        </p:nvCxnSpPr>
-        <p:spPr>
-          <a:xfrm flipH="1">
-            <a:off x="4724989" y="1090599"/>
-            <a:ext cx="1789633" cy="602326"/>
-          </a:xfrm>
-          <a:prstGeom prst="straightConnector1">
-            <a:avLst/>
-          </a:prstGeom>
-          <a:ln>
-            <a:headEnd type="arrow"/>
-            <a:tailEnd type="arrow"/>
-          </a:ln>
-        </p:spPr>
-        <p:style>
-          <a:lnRef idx="2">
-            <a:schemeClr val="accent1"/>
-          </a:lnRef>
-          <a:fillRef idx="0">
-            <a:schemeClr val="accent1"/>
-          </a:fillRef>
-          <a:effectRef idx="1">
-            <a:schemeClr val="accent1"/>
-          </a:effectRef>
-          <a:fontRef idx="minor">
-            <a:schemeClr val="tx1"/>
-          </a:fontRef>
-        </p:style>
-      </p:cxnSp>
-      <p:sp>
-        <p:nvSpPr>
-          <p:cNvPr id="54" name="Llamada de flecha izquierda y derecha 53"/>
-          <p:cNvSpPr/>
-          <p:nvPr/>
-        </p:nvSpPr>
-        <p:spPr>
-          <a:xfrm>
-            <a:off x="3735939" y="3639632"/>
-            <a:ext cx="2983830" cy="3312313"/>
-          </a:xfrm>
-          <a:prstGeom prst="leftRightArrowCallout">
-            <a:avLst>
-              <a:gd name="adj1" fmla="val 22879"/>
-              <a:gd name="adj2" fmla="val 21818"/>
-              <a:gd name="adj3" fmla="val 11213"/>
-              <a:gd name="adj4" fmla="val 68332"/>
-            </a:avLst>
           </a:prstGeom>
         </p:spPr>
         <p:style>
@@ -39844,115 +39694,14 @@
           <a:bodyPr rtlCol="0" anchor="ctr"/>
           <a:lstStyle/>
           <a:p>
-            <a:pPr marL="285750" indent="-285750">
-              <a:buFont typeface="Arial"/>
-              <a:buChar char="•"/>
-            </a:pPr>
-            <a:endParaRPr lang="es-ES" sz="1400" dirty="0">
-              <a:latin typeface="Times" charset="0"/>
-              <a:ea typeface="Times" charset="0"/>
-              <a:cs typeface="Times" charset="0"/>
-            </a:endParaRPr>
-          </a:p>
-        </p:txBody>
-      </p:sp>
-      <p:sp>
-        <p:nvSpPr>
-          <p:cNvPr id="55" name="CuadroTexto 54"/>
-          <p:cNvSpPr txBox="1"/>
-          <p:nvPr/>
-        </p:nvSpPr>
-        <p:spPr>
-          <a:xfrm>
-            <a:off x="4441421" y="3320685"/>
-            <a:ext cx="1572866" cy="307777"/>
-          </a:xfrm>
-          <a:prstGeom prst="rect">
-            <a:avLst/>
-          </a:prstGeom>
-          <a:noFill/>
-        </p:spPr>
-        <p:txBody>
-          <a:bodyPr wrap="none" rtlCol="0">
-            <a:spAutoFit/>
-          </a:bodyPr>
-          <a:lstStyle/>
-          <a:p>
+            <a:pPr algn="ctr"/>
             <a:r>
               <a:rPr lang="es-ES" sz="1400" dirty="0" smtClean="0">
                 <a:latin typeface="Times" charset="0"/>
                 <a:ea typeface="Times" charset="0"/>
                 <a:cs typeface="Times" charset="0"/>
               </a:rPr>
-              <a:t>Oracle </a:t>
-            </a:r>
-            <a:r>
-              <a:rPr lang="es-ES" sz="1400" dirty="0" err="1" smtClean="0">
-                <a:latin typeface="Times" charset="0"/>
-                <a:ea typeface="Times" charset="0"/>
-                <a:cs typeface="Times" charset="0"/>
-              </a:rPr>
-              <a:t>Service</a:t>
-            </a:r>
-            <a:r>
-              <a:rPr lang="es-ES" sz="1400" dirty="0" smtClean="0">
-                <a:latin typeface="Times" charset="0"/>
-                <a:ea typeface="Times" charset="0"/>
-                <a:cs typeface="Times" charset="0"/>
-              </a:rPr>
-              <a:t> Bus</a:t>
-            </a:r>
-            <a:endParaRPr lang="es-ES" sz="1400" dirty="0">
-              <a:latin typeface="Times" charset="0"/>
-              <a:ea typeface="Times" charset="0"/>
-              <a:cs typeface="Times" charset="0"/>
-            </a:endParaRPr>
-          </a:p>
-        </p:txBody>
-      </p:sp>
-      <p:sp>
-        <p:nvSpPr>
-          <p:cNvPr id="56" name="Mostrar 55"/>
-          <p:cNvSpPr/>
-          <p:nvPr/>
-        </p:nvSpPr>
-        <p:spPr>
-          <a:xfrm>
-            <a:off x="1258888" y="4997146"/>
-            <a:ext cx="1885811" cy="1067429"/>
-          </a:xfrm>
-          <a:prstGeom prst="flowChartDisplay">
-            <a:avLst/>
-          </a:prstGeom>
-        </p:spPr>
-        <p:style>
-          <a:lnRef idx="2">
-            <a:schemeClr val="accent1">
-              <a:shade val="50000"/>
-            </a:schemeClr>
-          </a:lnRef>
-          <a:fillRef idx="1">
-            <a:schemeClr val="accent1"/>
-          </a:fillRef>
-          <a:effectRef idx="0">
-            <a:schemeClr val="accent1"/>
-          </a:effectRef>
-          <a:fontRef idx="minor">
-            <a:schemeClr val="lt1"/>
-          </a:fontRef>
-        </p:style>
-        <p:txBody>
-          <a:bodyPr rtlCol="0" anchor="ctr"/>
-          <a:lstStyle/>
-          <a:p>
-            <a:pPr algn="ctr"/>
-            <a:r>
-              <a:rPr lang="es-ES" sz="1400" smtClean="0">
-                <a:latin typeface="Times" charset="0"/>
-                <a:ea typeface="Times" charset="0"/>
-                <a:cs typeface="Times" charset="0"/>
-              </a:rPr>
-              <a:t>Transferencias a Terceros</a:t>
+              <a:t>TRANSF. A TERCEROS</a:t>
             </a:r>
             <a:endParaRPr lang="es-ES" sz="1400" dirty="0">
               <a:latin typeface="Times" charset="0"/>
@@ -40048,8 +39797,8 @@
         </p:nvCxnSpPr>
         <p:spPr>
           <a:xfrm>
-            <a:off x="3144699" y="5530861"/>
-            <a:ext cx="591240" cy="3692"/>
+            <a:off x="3144699" y="5531745"/>
+            <a:ext cx="591240" cy="2808"/>
           </a:xfrm>
           <a:prstGeom prst="straightConnector1">
             <a:avLst/>
@@ -40400,7 +40149,7 @@
         <p:spPr>
           <a:xfrm flipH="1" flipV="1">
             <a:off x="978096" y="5526317"/>
-            <a:ext cx="280792" cy="4544"/>
+            <a:ext cx="280792" cy="5428"/>
           </a:xfrm>
           <a:prstGeom prst="straightConnector1">
             <a:avLst/>
@@ -40439,6 +40188,19 @@
           <a:prstGeom prst="flowChartProcess">
             <a:avLst/>
           </a:prstGeom>
+          <a:solidFill>
+            <a:schemeClr val="accent3">
+              <a:lumMod val="50000"/>
+            </a:schemeClr>
+          </a:solidFill>
+          <a:ln>
+            <a:solidFill>
+              <a:schemeClr val="accent3">
+                <a:lumMod val="60000"/>
+                <a:lumOff val="40000"/>
+              </a:schemeClr>
+            </a:solidFill>
+          </a:ln>
         </p:spPr>
         <p:style>
           <a:lnRef idx="2">
@@ -40490,6 +40252,19 @@
           <a:prstGeom prst="flowChartProcess">
             <a:avLst/>
           </a:prstGeom>
+          <a:solidFill>
+            <a:schemeClr val="accent3">
+              <a:lumMod val="50000"/>
+            </a:schemeClr>
+          </a:solidFill>
+          <a:ln>
+            <a:solidFill>
+              <a:schemeClr val="accent3">
+                <a:lumMod val="60000"/>
+                <a:lumOff val="40000"/>
+              </a:schemeClr>
+            </a:solidFill>
+          </a:ln>
         </p:spPr>
         <p:style>
           <a:lnRef idx="2">
@@ -40536,7 +40311,7 @@
         <p:spPr>
           <a:xfrm>
             <a:off x="6781076" y="3740211"/>
-            <a:ext cx="1800000" cy="540000"/>
+            <a:ext cx="2088000" cy="540000"/>
           </a:xfrm>
           <a:prstGeom prst="flowChartProcess">
             <a:avLst/>
@@ -40587,7 +40362,7 @@
         <p:spPr>
           <a:xfrm>
             <a:off x="6781076" y="4380730"/>
-            <a:ext cx="1800000" cy="540000"/>
+            <a:ext cx="2088000" cy="540000"/>
           </a:xfrm>
           <a:prstGeom prst="flowChartProcess">
             <a:avLst/>
@@ -40619,10 +40394,18 @@
                 <a:ea typeface="Times" charset="0"/>
                 <a:cs typeface="Times" charset="0"/>
               </a:rPr>
-              <a:t>Sistema de validación</a:t>
-            </a:r>
-            <a:r>
-              <a:rPr lang="es-ES_tradnl" sz="1400" dirty="0">
+              <a:t>Sistema de </a:t>
+            </a:r>
+            <a:r>
+              <a:rPr lang="es-ES" sz="1400" dirty="0" smtClean="0">
+                <a:latin typeface="Times" charset="0"/>
+                <a:ea typeface="Times" charset="0"/>
+                <a:cs typeface="Times" charset="0"/>
+              </a:rPr>
+              <a:t>Validación</a:t>
+            </a:r>
+            <a:r>
+              <a:rPr lang="es-ES_tradnl" sz="1400" dirty="0" smtClean="0">
                 <a:latin typeface="Times" charset="0"/>
                 <a:ea typeface="Times" charset="0"/>
                 <a:cs typeface="Times" charset="0"/>
@@ -40637,11 +40420,6 @@
               </a:rPr>
               <a:t>(IDG)</a:t>
             </a:r>
-            <a:endParaRPr lang="es-ES" sz="1400" dirty="0">
-              <a:latin typeface="Times" charset="0"/>
-              <a:ea typeface="Times" charset="0"/>
-              <a:cs typeface="Times" charset="0"/>
-            </a:endParaRPr>
           </a:p>
         </p:txBody>
       </p:sp>
@@ -40733,6 +40511,19 @@
           <a:prstGeom prst="flowChartProcess">
             <a:avLst/>
           </a:prstGeom>
+          <a:solidFill>
+            <a:schemeClr val="accent3">
+              <a:lumMod val="50000"/>
+            </a:schemeClr>
+          </a:solidFill>
+          <a:ln>
+            <a:solidFill>
+              <a:schemeClr val="accent3">
+                <a:lumMod val="60000"/>
+                <a:lumOff val="40000"/>
+              </a:schemeClr>
+            </a:solidFill>
+          </a:ln>
         </p:spPr>
         <p:style>
           <a:lnRef idx="2">
@@ -40784,6 +40575,19 @@
           <a:prstGeom prst="flowChartProcess">
             <a:avLst/>
           </a:prstGeom>
+          <a:solidFill>
+            <a:schemeClr val="accent3">
+              <a:lumMod val="50000"/>
+            </a:schemeClr>
+          </a:solidFill>
+          <a:ln>
+            <a:solidFill>
+              <a:schemeClr val="accent3">
+                <a:lumMod val="60000"/>
+                <a:lumOff val="40000"/>
+              </a:schemeClr>
+            </a:solidFill>
+          </a:ln>
         </p:spPr>
         <p:style>
           <a:lnRef idx="2">
@@ -40843,6 +40647,19 @@
           <a:prstGeom prst="flowChartProcess">
             <a:avLst/>
           </a:prstGeom>
+          <a:solidFill>
+            <a:schemeClr val="accent3">
+              <a:lumMod val="50000"/>
+            </a:schemeClr>
+          </a:solidFill>
+          <a:ln>
+            <a:solidFill>
+              <a:schemeClr val="accent3">
+                <a:lumMod val="60000"/>
+                <a:lumOff val="40000"/>
+              </a:schemeClr>
+            </a:solidFill>
+          </a:ln>
         </p:spPr>
         <p:style>
           <a:lnRef idx="2">
@@ -40878,31 +40695,7 @@
                 <a:ea typeface="Times" charset="0"/>
                 <a:cs typeface="Times" charset="0"/>
               </a:rPr>
-              <a:t>Env</a:t>
-            </a:r>
-            <a:r>
-              <a:rPr lang="es-ES_tradnl" sz="1400" dirty="0" smtClean="0">
-                <a:latin typeface="Times" charset="0"/>
-                <a:ea typeface="Times" charset="0"/>
-                <a:cs typeface="Times" charset="0"/>
-              </a:rPr>
-              <a:t>í</a:t>
-            </a:r>
-            <a:r>
-              <a:rPr lang="es-ES_tradnl" sz="1400" dirty="0" smtClean="0">
-                <a:latin typeface="Times" charset="0"/>
-                <a:ea typeface="Times" charset="0"/>
-                <a:cs typeface="Times" charset="0"/>
-              </a:rPr>
-              <a:t>o </a:t>
-            </a:r>
-            <a:r>
-              <a:rPr lang="es-ES_tradnl" sz="1400" dirty="0" smtClean="0">
-                <a:latin typeface="Times" charset="0"/>
-                <a:ea typeface="Times" charset="0"/>
-                <a:cs typeface="Times" charset="0"/>
-              </a:rPr>
-              <a:t>de Correo Electrónico</a:t>
+              <a:t>Envío de Correo Electrónico</a:t>
             </a:r>
             <a:endParaRPr lang="es-ES" sz="1400" dirty="0">
               <a:latin typeface="Times" charset="0"/>
@@ -40921,7 +40714,7 @@
         <p:spPr>
           <a:xfrm>
             <a:off x="6781076" y="5021249"/>
-            <a:ext cx="1800000" cy="540000"/>
+            <a:ext cx="2088000" cy="540000"/>
           </a:xfrm>
           <a:prstGeom prst="flowChartProcess">
             <a:avLst/>
@@ -40948,20 +40741,20 @@
           <a:lstStyle/>
           <a:p>
             <a:r>
-              <a:rPr lang="es-ES" sz="1400" dirty="0">
+              <a:rPr lang="es-ES" sz="1400">
                 <a:latin typeface="Times" charset="0"/>
                 <a:ea typeface="Times" charset="0"/>
                 <a:cs typeface="Times" charset="0"/>
               </a:rPr>
-              <a:t>Sistema de </a:t>
-            </a:r>
-            <a:r>
-              <a:rPr lang="es-ES_tradnl" sz="1400" dirty="0" err="1" smtClean="0">
+              <a:t>Sistema </a:t>
+            </a:r>
+            <a:r>
+              <a:rPr lang="es-ES" sz="1400" smtClean="0">
                 <a:latin typeface="Times" charset="0"/>
                 <a:ea typeface="Times" charset="0"/>
                 <a:cs typeface="Times" charset="0"/>
               </a:rPr>
-              <a:t>Trans</a:t>
+              <a:t>de </a:t>
             </a:r>
             <a:r>
               <a:rPr lang="es-ES_tradnl" sz="1400" dirty="0" smtClean="0">
@@ -40969,7 +40762,7 @@
                 <a:ea typeface="Times" charset="0"/>
                 <a:cs typeface="Times" charset="0"/>
               </a:rPr>
-              <a:t>. a Terceros</a:t>
+              <a:t>Transferencias a Terceros</a:t>
             </a:r>
             <a:endParaRPr lang="es-ES" sz="1400" dirty="0">
               <a:latin typeface="Times" charset="0"/>
@@ -41025,7 +40818,7 @@
         <p:spPr>
           <a:xfrm>
             <a:off x="6781076" y="5650504"/>
-            <a:ext cx="1800000" cy="540000"/>
+            <a:ext cx="2088000" cy="540000"/>
           </a:xfrm>
           <a:prstGeom prst="flowChartProcess">
             <a:avLst/>
@@ -41065,15 +40858,7 @@
                 <a:ea typeface="Times" charset="0"/>
                 <a:cs typeface="Times" charset="0"/>
               </a:rPr>
-              <a:t>Autenticaci</a:t>
-            </a:r>
-            <a:r>
-              <a:rPr lang="es-ES_tradnl" sz="1400" dirty="0" smtClean="0">
-                <a:latin typeface="Times" charset="0"/>
-                <a:ea typeface="Times" charset="0"/>
-                <a:cs typeface="Times" charset="0"/>
-              </a:rPr>
-              <a:t>ón Usuario</a:t>
+              <a:t>Autenticación Usuario</a:t>
             </a:r>
             <a:endParaRPr lang="es-ES" sz="1400" dirty="0">
               <a:latin typeface="Times" charset="0"/>
@@ -41129,7 +40914,7 @@
         <p:spPr>
           <a:xfrm>
             <a:off x="6781076" y="6279758"/>
-            <a:ext cx="1800000" cy="540000"/>
+            <a:ext cx="2088000" cy="540000"/>
           </a:xfrm>
           <a:prstGeom prst="flowChartProcess">
             <a:avLst/>
@@ -43481,7 +43266,6 @@
               <a:rPr lang="es-ES" sz="1400" dirty="0"/>
               <a:t>Simulación Avance de Tarjeta de Crédito</a:t>
             </a:r>
-            <a:endParaRPr lang="es-ES" sz="1400" dirty="0"/>
           </a:p>
         </p:txBody>
       </p:sp>
@@ -44076,15 +43860,7 @@
                 <a:ea typeface="Times" charset="0"/>
                 <a:cs typeface="Times" charset="0"/>
               </a:rPr>
-              <a:t>imulaci</a:t>
-            </a:r>
-            <a:r>
-              <a:rPr lang="es-ES_tradnl" sz="1400" dirty="0" smtClean="0">
-                <a:latin typeface="Times" charset="0"/>
-                <a:ea typeface="Times" charset="0"/>
-                <a:cs typeface="Times" charset="0"/>
-              </a:rPr>
-              <a:t>ón Avance de TC  </a:t>
+              <a:t>imulación Avance de TC  </a:t>
             </a:r>
             <a:endParaRPr lang="es-ES" sz="1400" dirty="0">
               <a:latin typeface="Times" charset="0"/>
@@ -46945,11 +46721,6 @@
               </a:rPr>
               <a:t>(IDG)</a:t>
             </a:r>
-            <a:endParaRPr lang="es-ES" sz="1400" dirty="0">
-              <a:latin typeface="Times" charset="0"/>
-              <a:ea typeface="Times" charset="0"/>
-              <a:cs typeface="Times" charset="0"/>
-            </a:endParaRPr>
           </a:p>
         </p:txBody>
       </p:sp>
